--- a/presentatie/presentatie.pptx
+++ b/presentatie/presentatie.pptx
@@ -6,7 +6,7 @@
     <p:sldMasterId id="2147484417" r:id="rId2"/>
   </p:sldMasterIdLst>
   <p:notesMasterIdLst>
-    <p:notesMasterId r:id="rId43"/>
+    <p:notesMasterId r:id="rId54"/>
   </p:notesMasterIdLst>
   <p:sldIdLst>
     <p:sldId id="256" r:id="rId3"/>
@@ -43,12 +43,23 @@
     <p:sldId id="291" r:id="rId34"/>
     <p:sldId id="300" r:id="rId35"/>
     <p:sldId id="294" r:id="rId36"/>
-    <p:sldId id="292" r:id="rId37"/>
-    <p:sldId id="293" r:id="rId38"/>
-    <p:sldId id="295" r:id="rId39"/>
-    <p:sldId id="296" r:id="rId40"/>
-    <p:sldId id="297" r:id="rId41"/>
-    <p:sldId id="301" r:id="rId42"/>
+    <p:sldId id="305" r:id="rId37"/>
+    <p:sldId id="292" r:id="rId38"/>
+    <p:sldId id="293" r:id="rId39"/>
+    <p:sldId id="295" r:id="rId40"/>
+    <p:sldId id="296" r:id="rId41"/>
+    <p:sldId id="297" r:id="rId42"/>
+    <p:sldId id="301" r:id="rId43"/>
+    <p:sldId id="302" r:id="rId44"/>
+    <p:sldId id="303" r:id="rId45"/>
+    <p:sldId id="304" r:id="rId46"/>
+    <p:sldId id="306" r:id="rId47"/>
+    <p:sldId id="307" r:id="rId48"/>
+    <p:sldId id="308" r:id="rId49"/>
+    <p:sldId id="309" r:id="rId50"/>
+    <p:sldId id="310" r:id="rId51"/>
+    <p:sldId id="311" r:id="rId52"/>
+    <p:sldId id="312" r:id="rId53"/>
   </p:sldIdLst>
   <p:sldSz cx="12192000" cy="6858000"/>
   <p:notesSz cx="6858000" cy="9144000"/>
@@ -491,11 +502,11 @@
           <c:showBubbleSize val="0"/>
         </c:dLbls>
         <c:smooth val="0"/>
-        <c:axId val="472653112"/>
-        <c:axId val="472659776"/>
+        <c:axId val="386226984"/>
+        <c:axId val="386224240"/>
       </c:lineChart>
       <c:catAx>
-        <c:axId val="472653112"/>
+        <c:axId val="386226984"/>
         <c:scaling>
           <c:orientation val="minMax"/>
         </c:scaling>
@@ -538,7 +549,7 @@
             <a:endParaRPr lang="nl-BE"/>
           </a:p>
         </c:txPr>
-        <c:crossAx val="472659776"/>
+        <c:crossAx val="386224240"/>
         <c:crosses val="autoZero"/>
         <c:auto val="1"/>
         <c:lblAlgn val="ctr"/>
@@ -546,7 +557,7 @@
         <c:noMultiLvlLbl val="0"/>
       </c:catAx>
       <c:valAx>
-        <c:axId val="472659776"/>
+        <c:axId val="386224240"/>
         <c:scaling>
           <c:orientation val="minMax"/>
         </c:scaling>
@@ -597,7 +608,7 @@
             <a:endParaRPr lang="nl-BE"/>
           </a:p>
         </c:txPr>
-        <c:crossAx val="472653112"/>
+        <c:crossAx val="386226984"/>
         <c:crosses val="autoZero"/>
         <c:crossBetween val="between"/>
       </c:valAx>
@@ -1004,11 +1015,11 @@
           <c:showBubbleSize val="0"/>
         </c:dLbls>
         <c:smooth val="0"/>
-        <c:axId val="471929504"/>
-        <c:axId val="471929896"/>
+        <c:axId val="386223064"/>
+        <c:axId val="386226200"/>
       </c:lineChart>
       <c:catAx>
-        <c:axId val="471929504"/>
+        <c:axId val="386223064"/>
         <c:scaling>
           <c:orientation val="minMax"/>
         </c:scaling>
@@ -1051,7 +1062,7 @@
             <a:endParaRPr lang="nl-BE"/>
           </a:p>
         </c:txPr>
-        <c:crossAx val="471929896"/>
+        <c:crossAx val="386226200"/>
         <c:crosses val="autoZero"/>
         <c:auto val="1"/>
         <c:lblAlgn val="ctr"/>
@@ -1059,7 +1070,7 @@
         <c:noMultiLvlLbl val="0"/>
       </c:catAx>
       <c:valAx>
-        <c:axId val="471929896"/>
+        <c:axId val="386226200"/>
         <c:scaling>
           <c:orientation val="minMax"/>
         </c:scaling>
@@ -1110,7 +1121,7 @@
             <a:endParaRPr lang="nl-BE"/>
           </a:p>
         </c:txPr>
-        <c:crossAx val="471929504"/>
+        <c:crossAx val="386223064"/>
         <c:crosses val="autoZero"/>
         <c:crossBetween val="between"/>
       </c:valAx>
@@ -1456,11 +1467,11 @@
           <c:showBubbleSize val="0"/>
         </c:dLbls>
         <c:smooth val="0"/>
-        <c:axId val="575981752"/>
-        <c:axId val="575980184"/>
+        <c:axId val="485822704"/>
+        <c:axId val="485820744"/>
       </c:lineChart>
       <c:catAx>
-        <c:axId val="575981752"/>
+        <c:axId val="485822704"/>
         <c:scaling>
           <c:orientation val="minMax"/>
         </c:scaling>
@@ -1503,7 +1514,7 @@
             <a:endParaRPr lang="nl-BE"/>
           </a:p>
         </c:txPr>
-        <c:crossAx val="575980184"/>
+        <c:crossAx val="485820744"/>
         <c:crosses val="autoZero"/>
         <c:auto val="1"/>
         <c:lblAlgn val="ctr"/>
@@ -1511,7 +1522,7 @@
         <c:noMultiLvlLbl val="0"/>
       </c:catAx>
       <c:valAx>
-        <c:axId val="575980184"/>
+        <c:axId val="485820744"/>
         <c:scaling>
           <c:orientation val="minMax"/>
         </c:scaling>
@@ -1562,7 +1573,459 @@
             <a:endParaRPr lang="nl-BE"/>
           </a:p>
         </c:txPr>
-        <c:crossAx val="575981752"/>
+        <c:crossAx val="485822704"/>
+        <c:crosses val="autoZero"/>
+        <c:crossBetween val="between"/>
+      </c:valAx>
+      <c:spPr>
+        <a:noFill/>
+        <a:ln>
+          <a:noFill/>
+        </a:ln>
+        <a:effectLst/>
+      </c:spPr>
+    </c:plotArea>
+    <c:legend>
+      <c:legendPos val="b"/>
+      <c:layout/>
+      <c:overlay val="0"/>
+      <c:spPr>
+        <a:noFill/>
+        <a:ln>
+          <a:noFill/>
+        </a:ln>
+        <a:effectLst/>
+      </c:spPr>
+      <c:txPr>
+        <a:bodyPr rot="0" spcFirstLastPara="1" vertOverflow="ellipsis" vert="horz" wrap="square" anchor="ctr" anchorCtr="1"/>
+        <a:lstStyle/>
+        <a:p>
+          <a:pPr>
+            <a:defRPr sz="1197" b="0" i="0" u="none" strike="noStrike" kern="1200" baseline="0">
+              <a:solidFill>
+                <a:schemeClr val="tx1">
+                  <a:lumMod val="65000"/>
+                  <a:lumOff val="35000"/>
+                </a:schemeClr>
+              </a:solidFill>
+              <a:latin typeface="+mn-lt"/>
+              <a:ea typeface="+mn-ea"/>
+              <a:cs typeface="+mn-cs"/>
+            </a:defRPr>
+          </a:pPr>
+          <a:endParaRPr lang="nl-BE"/>
+        </a:p>
+      </c:txPr>
+    </c:legend>
+    <c:plotVisOnly val="1"/>
+    <c:dispBlanksAs val="gap"/>
+    <c:showDLblsOverMax val="0"/>
+  </c:chart>
+  <c:spPr>
+    <a:noFill/>
+    <a:ln>
+      <a:noFill/>
+    </a:ln>
+    <a:effectLst/>
+  </c:spPr>
+  <c:txPr>
+    <a:bodyPr/>
+    <a:lstStyle/>
+    <a:p>
+      <a:pPr>
+        <a:defRPr/>
+      </a:pPr>
+      <a:endParaRPr lang="nl-BE"/>
+    </a:p>
+  </c:txPr>
+  <c:externalData r:id="rId3">
+    <c:autoUpdate val="0"/>
+  </c:externalData>
+</c:chartSpace>
+</file>
+
+<file path=ppt/charts/chart4.xml><?xml version="1.0" encoding="utf-8"?>
+<c:chartSpace xmlns:c="http://schemas.openxmlformats.org/drawingml/2006/chart" xmlns:a="http://schemas.openxmlformats.org/drawingml/2006/main" xmlns:r="http://schemas.openxmlformats.org/officeDocument/2006/relationships">
+  <c:date1904 val="0"/>
+  <c:lang val="nl-NL"/>
+  <c:roundedCorners val="0"/>
+  <mc:AlternateContent xmlns:mc="http://schemas.openxmlformats.org/markup-compatibility/2006">
+    <mc:Choice xmlns:c14="http://schemas.microsoft.com/office/drawing/2007/8/2/chart" Requires="c14">
+      <c14:style val="102"/>
+    </mc:Choice>
+    <mc:Fallback>
+      <c:style val="2"/>
+    </mc:Fallback>
+  </mc:AlternateContent>
+  <c:chart>
+    <c:title>
+      <c:tx>
+        <c:rich>
+          <a:bodyPr rot="0" spcFirstLastPara="1" vertOverflow="ellipsis" vert="horz" wrap="square" anchor="ctr" anchorCtr="1"/>
+          <a:lstStyle/>
+          <a:p>
+            <a:pPr>
+              <a:defRPr sz="1862" b="0" i="0" u="none" strike="noStrike" kern="1200" spc="0" baseline="0">
+                <a:solidFill>
+                  <a:schemeClr val="tx1">
+                    <a:lumMod val="65000"/>
+                    <a:lumOff val="35000"/>
+                  </a:schemeClr>
+                </a:solidFill>
+                <a:latin typeface="+mn-lt"/>
+                <a:ea typeface="+mn-ea"/>
+                <a:cs typeface="+mn-cs"/>
+              </a:defRPr>
+            </a:pPr>
+            <a:r>
+              <a:rPr lang="fr-BE" dirty="0" err="1" smtClean="0"/>
+              <a:t>Snelheid</a:t>
+            </a:r>
+            <a:endParaRPr lang="fr-BE" dirty="0"/>
+          </a:p>
+        </c:rich>
+      </c:tx>
+      <c:layout/>
+      <c:overlay val="0"/>
+      <c:spPr>
+        <a:noFill/>
+        <a:ln>
+          <a:noFill/>
+        </a:ln>
+        <a:effectLst/>
+      </c:spPr>
+      <c:txPr>
+        <a:bodyPr rot="0" spcFirstLastPara="1" vertOverflow="ellipsis" vert="horz" wrap="square" anchor="ctr" anchorCtr="1"/>
+        <a:lstStyle/>
+        <a:p>
+          <a:pPr>
+            <a:defRPr sz="1862" b="0" i="0" u="none" strike="noStrike" kern="1200" spc="0" baseline="0">
+              <a:solidFill>
+                <a:schemeClr val="tx1">
+                  <a:lumMod val="65000"/>
+                  <a:lumOff val="35000"/>
+                </a:schemeClr>
+              </a:solidFill>
+              <a:latin typeface="+mn-lt"/>
+              <a:ea typeface="+mn-ea"/>
+              <a:cs typeface="+mn-cs"/>
+            </a:defRPr>
+          </a:pPr>
+          <a:endParaRPr lang="nl-BE"/>
+        </a:p>
+      </c:txPr>
+    </c:title>
+    <c:autoTitleDeleted val="0"/>
+    <c:plotArea>
+      <c:layout/>
+      <c:lineChart>
+        <c:grouping val="standard"/>
+        <c:varyColors val="0"/>
+        <c:ser>
+          <c:idx val="0"/>
+          <c:order val="0"/>
+          <c:tx>
+            <c:strRef>
+              <c:f>Blad1!$B$1</c:f>
+              <c:strCache>
+                <c:ptCount val="1"/>
+                <c:pt idx="0">
+                  <c:v>Cloud-init</c:v>
+                </c:pt>
+              </c:strCache>
+            </c:strRef>
+          </c:tx>
+          <c:spPr>
+            <a:ln w="28575" cap="rnd">
+              <a:solidFill>
+                <a:schemeClr val="accent1"/>
+              </a:solidFill>
+              <a:round/>
+            </a:ln>
+            <a:effectLst/>
+          </c:spPr>
+          <c:marker>
+            <c:symbol val="none"/>
+          </c:marker>
+          <c:cat>
+            <c:strRef>
+              <c:f>Blad1!$A$2:$A$4</c:f>
+              <c:strCache>
+                <c:ptCount val="3"/>
+                <c:pt idx="0">
+                  <c:v>Resultaat 1</c:v>
+                </c:pt>
+                <c:pt idx="1">
+                  <c:v>Resultaat 2</c:v>
+                </c:pt>
+                <c:pt idx="2">
+                  <c:v>Resultaat 3</c:v>
+                </c:pt>
+              </c:strCache>
+            </c:strRef>
+          </c:cat>
+          <c:val>
+            <c:numRef>
+              <c:f>Blad1!$B$2:$B$4</c:f>
+              <c:numCache>
+                <c:formatCode>General</c:formatCode>
+                <c:ptCount val="3"/>
+                <c:pt idx="0">
+                  <c:v>101</c:v>
+                </c:pt>
+                <c:pt idx="1">
+                  <c:v>138</c:v>
+                </c:pt>
+                <c:pt idx="2">
+                  <c:v>116</c:v>
+                </c:pt>
+              </c:numCache>
+            </c:numRef>
+          </c:val>
+          <c:smooth val="0"/>
+        </c:ser>
+        <c:ser>
+          <c:idx val="1"/>
+          <c:order val="1"/>
+          <c:tx>
+            <c:strRef>
+              <c:f>Blad1!$C$1</c:f>
+              <c:strCache>
+                <c:ptCount val="1"/>
+                <c:pt idx="0">
+                  <c:v>Ansible</c:v>
+                </c:pt>
+              </c:strCache>
+            </c:strRef>
+          </c:tx>
+          <c:spPr>
+            <a:ln w="28575" cap="rnd">
+              <a:solidFill>
+                <a:schemeClr val="accent2"/>
+              </a:solidFill>
+              <a:round/>
+            </a:ln>
+            <a:effectLst/>
+          </c:spPr>
+          <c:marker>
+            <c:symbol val="none"/>
+          </c:marker>
+          <c:cat>
+            <c:strRef>
+              <c:f>Blad1!$A$2:$A$4</c:f>
+              <c:strCache>
+                <c:ptCount val="3"/>
+                <c:pt idx="0">
+                  <c:v>Resultaat 1</c:v>
+                </c:pt>
+                <c:pt idx="1">
+                  <c:v>Resultaat 2</c:v>
+                </c:pt>
+                <c:pt idx="2">
+                  <c:v>Resultaat 3</c:v>
+                </c:pt>
+              </c:strCache>
+            </c:strRef>
+          </c:cat>
+          <c:val>
+            <c:numRef>
+              <c:f>Blad1!$C$2:$C$4</c:f>
+              <c:numCache>
+                <c:formatCode>General</c:formatCode>
+                <c:ptCount val="3"/>
+                <c:pt idx="0">
+                  <c:v>63.91</c:v>
+                </c:pt>
+                <c:pt idx="1">
+                  <c:v>30.16</c:v>
+                </c:pt>
+                <c:pt idx="2">
+                  <c:v>105.19</c:v>
+                </c:pt>
+              </c:numCache>
+            </c:numRef>
+          </c:val>
+          <c:smooth val="0"/>
+        </c:ser>
+        <c:ser>
+          <c:idx val="2"/>
+          <c:order val="2"/>
+          <c:tx>
+            <c:strRef>
+              <c:f>Blad1!$D$1</c:f>
+              <c:strCache>
+                <c:ptCount val="1"/>
+                <c:pt idx="0">
+                  <c:v>Ansible &amp; cloud-init</c:v>
+                </c:pt>
+              </c:strCache>
+            </c:strRef>
+          </c:tx>
+          <c:spPr>
+            <a:ln w="28575" cap="rnd">
+              <a:solidFill>
+                <a:schemeClr val="accent3"/>
+              </a:solidFill>
+              <a:round/>
+            </a:ln>
+            <a:effectLst/>
+          </c:spPr>
+          <c:marker>
+            <c:symbol val="none"/>
+          </c:marker>
+          <c:cat>
+            <c:strRef>
+              <c:f>Blad1!$A$2:$A$4</c:f>
+              <c:strCache>
+                <c:ptCount val="3"/>
+                <c:pt idx="0">
+                  <c:v>Resultaat 1</c:v>
+                </c:pt>
+                <c:pt idx="1">
+                  <c:v>Resultaat 2</c:v>
+                </c:pt>
+                <c:pt idx="2">
+                  <c:v>Resultaat 3</c:v>
+                </c:pt>
+              </c:strCache>
+            </c:strRef>
+          </c:cat>
+          <c:val>
+            <c:numRef>
+              <c:f>Blad1!$D$2:$D$4</c:f>
+              <c:numCache>
+                <c:formatCode>General</c:formatCode>
+                <c:ptCount val="3"/>
+                <c:pt idx="0">
+                  <c:v>116.22</c:v>
+                </c:pt>
+                <c:pt idx="1">
+                  <c:v>105.49</c:v>
+                </c:pt>
+                <c:pt idx="2">
+                  <c:v>110.47</c:v>
+                </c:pt>
+              </c:numCache>
+            </c:numRef>
+          </c:val>
+          <c:smooth val="0"/>
+        </c:ser>
+        <c:dLbls>
+          <c:showLegendKey val="0"/>
+          <c:showVal val="0"/>
+          <c:showCatName val="0"/>
+          <c:showSerName val="0"/>
+          <c:showPercent val="0"/>
+          <c:showBubbleSize val="0"/>
+        </c:dLbls>
+        <c:smooth val="0"/>
+        <c:axId val="485817608"/>
+        <c:axId val="485818000"/>
+      </c:lineChart>
+      <c:catAx>
+        <c:axId val="485817608"/>
+        <c:scaling>
+          <c:orientation val="minMax"/>
+        </c:scaling>
+        <c:delete val="0"/>
+        <c:axPos val="b"/>
+        <c:numFmt formatCode="General" sourceLinked="1"/>
+        <c:majorTickMark val="none"/>
+        <c:minorTickMark val="none"/>
+        <c:tickLblPos val="nextTo"/>
+        <c:spPr>
+          <a:noFill/>
+          <a:ln w="9525" cap="flat" cmpd="sng" algn="ctr">
+            <a:solidFill>
+              <a:schemeClr val="tx1">
+                <a:lumMod val="15000"/>
+                <a:lumOff val="85000"/>
+              </a:schemeClr>
+            </a:solidFill>
+            <a:round/>
+          </a:ln>
+          <a:effectLst/>
+        </c:spPr>
+        <c:txPr>
+          <a:bodyPr rot="-60000000" spcFirstLastPara="1" vertOverflow="ellipsis" vert="horz" wrap="square" anchor="ctr" anchorCtr="1"/>
+          <a:lstStyle/>
+          <a:p>
+            <a:pPr>
+              <a:defRPr sz="1197" b="0" i="0" u="none" strike="noStrike" kern="1200" baseline="0">
+                <a:solidFill>
+                  <a:schemeClr val="tx1">
+                    <a:lumMod val="65000"/>
+                    <a:lumOff val="35000"/>
+                  </a:schemeClr>
+                </a:solidFill>
+                <a:latin typeface="+mn-lt"/>
+                <a:ea typeface="+mn-ea"/>
+                <a:cs typeface="+mn-cs"/>
+              </a:defRPr>
+            </a:pPr>
+            <a:endParaRPr lang="nl-BE"/>
+          </a:p>
+        </c:txPr>
+        <c:crossAx val="485818000"/>
+        <c:crosses val="autoZero"/>
+        <c:auto val="1"/>
+        <c:lblAlgn val="ctr"/>
+        <c:lblOffset val="100"/>
+        <c:noMultiLvlLbl val="0"/>
+      </c:catAx>
+      <c:valAx>
+        <c:axId val="485818000"/>
+        <c:scaling>
+          <c:orientation val="minMax"/>
+        </c:scaling>
+        <c:delete val="0"/>
+        <c:axPos val="l"/>
+        <c:majorGridlines>
+          <c:spPr>
+            <a:ln w="9525" cap="flat" cmpd="sng" algn="ctr">
+              <a:solidFill>
+                <a:schemeClr val="tx1">
+                  <a:lumMod val="15000"/>
+                  <a:lumOff val="85000"/>
+                </a:schemeClr>
+              </a:solidFill>
+              <a:round/>
+            </a:ln>
+            <a:effectLst/>
+          </c:spPr>
+        </c:majorGridlines>
+        <c:numFmt formatCode="General" sourceLinked="1"/>
+        <c:majorTickMark val="none"/>
+        <c:minorTickMark val="none"/>
+        <c:tickLblPos val="nextTo"/>
+        <c:spPr>
+          <a:noFill/>
+          <a:ln>
+            <a:noFill/>
+          </a:ln>
+          <a:effectLst/>
+        </c:spPr>
+        <c:txPr>
+          <a:bodyPr rot="-60000000" spcFirstLastPara="1" vertOverflow="ellipsis" vert="horz" wrap="square" anchor="ctr" anchorCtr="1"/>
+          <a:lstStyle/>
+          <a:p>
+            <a:pPr>
+              <a:defRPr sz="1197" b="0" i="0" u="none" strike="noStrike" kern="1200" baseline="0">
+                <a:solidFill>
+                  <a:schemeClr val="tx1">
+                    <a:lumMod val="65000"/>
+                    <a:lumOff val="35000"/>
+                  </a:schemeClr>
+                </a:solidFill>
+                <a:latin typeface="+mn-lt"/>
+                <a:ea typeface="+mn-ea"/>
+                <a:cs typeface="+mn-cs"/>
+              </a:defRPr>
+            </a:pPr>
+            <a:endParaRPr lang="nl-BE"/>
+          </a:p>
+        </c:txPr>
+        <c:crossAx val="485817608"/>
         <c:crosses val="autoZero"/>
         <c:crossBetween val="between"/>
       </c:valAx>
@@ -1714,6 +2177,46 @@
 </file>
 
 <file path=ppt/charts/colors3.xml><?xml version="1.0" encoding="utf-8"?>
+<cs:colorStyle xmlns:cs="http://schemas.microsoft.com/office/drawing/2012/chartStyle" xmlns:a="http://schemas.openxmlformats.org/drawingml/2006/main" meth="cycle" id="10">
+  <a:schemeClr val="accent1"/>
+  <a:schemeClr val="accent2"/>
+  <a:schemeClr val="accent3"/>
+  <a:schemeClr val="accent4"/>
+  <a:schemeClr val="accent5"/>
+  <a:schemeClr val="accent6"/>
+  <cs:variation/>
+  <cs:variation>
+    <a:lumMod val="60000"/>
+  </cs:variation>
+  <cs:variation>
+    <a:lumMod val="80000"/>
+    <a:lumOff val="20000"/>
+  </cs:variation>
+  <cs:variation>
+    <a:lumMod val="80000"/>
+  </cs:variation>
+  <cs:variation>
+    <a:lumMod val="60000"/>
+    <a:lumOff val="40000"/>
+  </cs:variation>
+  <cs:variation>
+    <a:lumMod val="50000"/>
+  </cs:variation>
+  <cs:variation>
+    <a:lumMod val="70000"/>
+    <a:lumOff val="30000"/>
+  </cs:variation>
+  <cs:variation>
+    <a:lumMod val="70000"/>
+  </cs:variation>
+  <cs:variation>
+    <a:lumMod val="50000"/>
+    <a:lumOff val="50000"/>
+  </cs:variation>
+</cs:colorStyle>
+</file>
+
+<file path=ppt/charts/colors4.xml><?xml version="1.0" encoding="utf-8"?>
 <cs:colorStyle xmlns:cs="http://schemas.microsoft.com/office/drawing/2012/chartStyle" xmlns:a="http://schemas.openxmlformats.org/drawingml/2006/main" meth="cycle" id="10">
   <a:schemeClr val="accent1"/>
   <a:schemeClr val="accent2"/>
@@ -3301,6 +3804,522 @@
 </cs:chartStyle>
 </file>
 
+<file path=ppt/charts/style4.xml><?xml version="1.0" encoding="utf-8"?>
+<cs:chartStyle xmlns:cs="http://schemas.microsoft.com/office/drawing/2012/chartStyle" xmlns:a="http://schemas.openxmlformats.org/drawingml/2006/main" id="227">
+  <cs:axisTitle>
+    <cs:lnRef idx="0"/>
+    <cs:fillRef idx="0"/>
+    <cs:effectRef idx="0"/>
+    <cs:fontRef idx="minor">
+      <a:schemeClr val="tx1">
+        <a:lumMod val="65000"/>
+        <a:lumOff val="35000"/>
+      </a:schemeClr>
+    </cs:fontRef>
+    <cs:defRPr sz="1330" kern="1200"/>
+  </cs:axisTitle>
+  <cs:categoryAxis>
+    <cs:lnRef idx="0"/>
+    <cs:fillRef idx="0"/>
+    <cs:effectRef idx="0"/>
+    <cs:fontRef idx="minor">
+      <a:schemeClr val="tx1">
+        <a:lumMod val="65000"/>
+        <a:lumOff val="35000"/>
+      </a:schemeClr>
+    </cs:fontRef>
+    <cs:spPr>
+      <a:ln w="9525" cap="flat" cmpd="sng" algn="ctr">
+        <a:solidFill>
+          <a:schemeClr val="tx1">
+            <a:lumMod val="15000"/>
+            <a:lumOff val="85000"/>
+          </a:schemeClr>
+        </a:solidFill>
+        <a:round/>
+      </a:ln>
+    </cs:spPr>
+    <cs:defRPr sz="1197" kern="1200"/>
+  </cs:categoryAxis>
+  <cs:chartArea mods="allowNoFillOverride allowNoLineOverride">
+    <cs:lnRef idx="0"/>
+    <cs:fillRef idx="0"/>
+    <cs:effectRef idx="0"/>
+    <cs:fontRef idx="minor">
+      <a:schemeClr val="tx1"/>
+    </cs:fontRef>
+    <cs:spPr>
+      <a:solidFill>
+        <a:schemeClr val="bg1"/>
+      </a:solidFill>
+      <a:ln w="9525" cap="flat" cmpd="sng" algn="ctr">
+        <a:solidFill>
+          <a:schemeClr val="tx1">
+            <a:lumMod val="15000"/>
+            <a:lumOff val="85000"/>
+          </a:schemeClr>
+        </a:solidFill>
+        <a:round/>
+      </a:ln>
+    </cs:spPr>
+    <cs:defRPr sz="1330" kern="1200"/>
+  </cs:chartArea>
+  <cs:dataLabel>
+    <cs:lnRef idx="0"/>
+    <cs:fillRef idx="0"/>
+    <cs:effectRef idx="0"/>
+    <cs:fontRef idx="minor">
+      <a:schemeClr val="tx1">
+        <a:lumMod val="75000"/>
+        <a:lumOff val="25000"/>
+      </a:schemeClr>
+    </cs:fontRef>
+    <cs:defRPr sz="1197" kern="1200"/>
+  </cs:dataLabel>
+  <cs:dataLabelCallout>
+    <cs:lnRef idx="0"/>
+    <cs:fillRef idx="0"/>
+    <cs:effectRef idx="0"/>
+    <cs:fontRef idx="minor">
+      <a:schemeClr val="dk1">
+        <a:lumMod val="65000"/>
+        <a:lumOff val="35000"/>
+      </a:schemeClr>
+    </cs:fontRef>
+    <cs:spPr>
+      <a:solidFill>
+        <a:schemeClr val="lt1"/>
+      </a:solidFill>
+      <a:ln>
+        <a:solidFill>
+          <a:schemeClr val="dk1">
+            <a:lumMod val="25000"/>
+            <a:lumOff val="75000"/>
+          </a:schemeClr>
+        </a:solidFill>
+      </a:ln>
+    </cs:spPr>
+    <cs:defRPr sz="1197" kern="1200"/>
+    <cs:bodyPr rot="0" spcFirstLastPara="1" vertOverflow="clip" horzOverflow="clip" vert="horz" wrap="square" lIns="36576" tIns="18288" rIns="36576" bIns="18288" anchor="ctr" anchorCtr="1">
+      <a:spAutoFit/>
+    </cs:bodyPr>
+  </cs:dataLabelCallout>
+  <cs:dataPoint>
+    <cs:lnRef idx="0"/>
+    <cs:fillRef idx="1">
+      <cs:styleClr val="auto"/>
+    </cs:fillRef>
+    <cs:effectRef idx="0"/>
+    <cs:fontRef idx="minor">
+      <a:schemeClr val="tx1"/>
+    </cs:fontRef>
+    <cs:spPr>
+      <a:solidFill>
+        <a:schemeClr val="phClr"/>
+      </a:solidFill>
+    </cs:spPr>
+  </cs:dataPoint>
+  <cs:dataPoint3D>
+    <cs:lnRef idx="0"/>
+    <cs:fillRef idx="1">
+      <cs:styleClr val="auto"/>
+    </cs:fillRef>
+    <cs:effectRef idx="0"/>
+    <cs:fontRef idx="minor">
+      <a:schemeClr val="tx1"/>
+    </cs:fontRef>
+    <cs:spPr>
+      <a:solidFill>
+        <a:schemeClr val="phClr"/>
+      </a:solidFill>
+    </cs:spPr>
+  </cs:dataPoint3D>
+  <cs:dataPointLine>
+    <cs:lnRef idx="0">
+      <cs:styleClr val="auto"/>
+    </cs:lnRef>
+    <cs:fillRef idx="1"/>
+    <cs:effectRef idx="0"/>
+    <cs:fontRef idx="minor">
+      <a:schemeClr val="tx1"/>
+    </cs:fontRef>
+    <cs:spPr>
+      <a:ln w="28575" cap="rnd">
+        <a:solidFill>
+          <a:schemeClr val="phClr"/>
+        </a:solidFill>
+        <a:round/>
+      </a:ln>
+    </cs:spPr>
+  </cs:dataPointLine>
+  <cs:dataPointMarker>
+    <cs:lnRef idx="0">
+      <cs:styleClr val="auto"/>
+    </cs:lnRef>
+    <cs:fillRef idx="1">
+      <cs:styleClr val="auto"/>
+    </cs:fillRef>
+    <cs:effectRef idx="0"/>
+    <cs:fontRef idx="minor">
+      <a:schemeClr val="tx1"/>
+    </cs:fontRef>
+    <cs:spPr>
+      <a:solidFill>
+        <a:schemeClr val="phClr"/>
+      </a:solidFill>
+      <a:ln w="9525">
+        <a:solidFill>
+          <a:schemeClr val="phClr"/>
+        </a:solidFill>
+      </a:ln>
+    </cs:spPr>
+  </cs:dataPointMarker>
+  <cs:dataPointMarkerLayout symbol="circle" size="5"/>
+  <cs:dataPointWireframe>
+    <cs:lnRef idx="0">
+      <cs:styleClr val="auto"/>
+    </cs:lnRef>
+    <cs:fillRef idx="1"/>
+    <cs:effectRef idx="0"/>
+    <cs:fontRef idx="minor">
+      <a:schemeClr val="tx1"/>
+    </cs:fontRef>
+    <cs:spPr>
+      <a:ln w="9525" cap="rnd">
+        <a:solidFill>
+          <a:schemeClr val="phClr"/>
+        </a:solidFill>
+        <a:round/>
+      </a:ln>
+    </cs:spPr>
+  </cs:dataPointWireframe>
+  <cs:dataTable>
+    <cs:lnRef idx="0"/>
+    <cs:fillRef idx="0"/>
+    <cs:effectRef idx="0"/>
+    <cs:fontRef idx="minor">
+      <a:schemeClr val="tx1">
+        <a:lumMod val="65000"/>
+        <a:lumOff val="35000"/>
+      </a:schemeClr>
+    </cs:fontRef>
+    <cs:spPr>
+      <a:noFill/>
+      <a:ln w="9525" cap="flat" cmpd="sng" algn="ctr">
+        <a:solidFill>
+          <a:schemeClr val="tx1">
+            <a:lumMod val="15000"/>
+            <a:lumOff val="85000"/>
+          </a:schemeClr>
+        </a:solidFill>
+        <a:round/>
+      </a:ln>
+    </cs:spPr>
+    <cs:defRPr sz="1197" kern="1200"/>
+  </cs:dataTable>
+  <cs:downBar>
+    <cs:lnRef idx="0"/>
+    <cs:fillRef idx="0"/>
+    <cs:effectRef idx="0"/>
+    <cs:fontRef idx="minor">
+      <a:schemeClr val="dk1"/>
+    </cs:fontRef>
+    <cs:spPr>
+      <a:solidFill>
+        <a:schemeClr val="dk1">
+          <a:lumMod val="65000"/>
+          <a:lumOff val="35000"/>
+        </a:schemeClr>
+      </a:solidFill>
+      <a:ln w="9525">
+        <a:solidFill>
+          <a:schemeClr val="tx1">
+            <a:lumMod val="65000"/>
+            <a:lumOff val="35000"/>
+          </a:schemeClr>
+        </a:solidFill>
+      </a:ln>
+    </cs:spPr>
+  </cs:downBar>
+  <cs:dropLine>
+    <cs:lnRef idx="0"/>
+    <cs:fillRef idx="0"/>
+    <cs:effectRef idx="0"/>
+    <cs:fontRef idx="minor">
+      <a:schemeClr val="tx1"/>
+    </cs:fontRef>
+    <cs:spPr>
+      <a:ln w="9525" cap="flat" cmpd="sng" algn="ctr">
+        <a:solidFill>
+          <a:schemeClr val="tx1">
+            <a:lumMod val="35000"/>
+            <a:lumOff val="65000"/>
+          </a:schemeClr>
+        </a:solidFill>
+        <a:round/>
+      </a:ln>
+    </cs:spPr>
+  </cs:dropLine>
+  <cs:errorBar>
+    <cs:lnRef idx="0"/>
+    <cs:fillRef idx="0"/>
+    <cs:effectRef idx="0"/>
+    <cs:fontRef idx="minor">
+      <a:schemeClr val="tx1"/>
+    </cs:fontRef>
+    <cs:spPr>
+      <a:ln w="9525" cap="flat" cmpd="sng" algn="ctr">
+        <a:solidFill>
+          <a:schemeClr val="tx1">
+            <a:lumMod val="65000"/>
+            <a:lumOff val="35000"/>
+          </a:schemeClr>
+        </a:solidFill>
+        <a:round/>
+      </a:ln>
+    </cs:spPr>
+  </cs:errorBar>
+  <cs:floor>
+    <cs:lnRef idx="0"/>
+    <cs:fillRef idx="0"/>
+    <cs:effectRef idx="0"/>
+    <cs:fontRef idx="minor">
+      <a:schemeClr val="tx1"/>
+    </cs:fontRef>
+    <cs:spPr>
+      <a:noFill/>
+      <a:ln>
+        <a:noFill/>
+      </a:ln>
+    </cs:spPr>
+  </cs:floor>
+  <cs:gridlineMajor>
+    <cs:lnRef idx="0"/>
+    <cs:fillRef idx="0"/>
+    <cs:effectRef idx="0"/>
+    <cs:fontRef idx="minor">
+      <a:schemeClr val="tx1"/>
+    </cs:fontRef>
+    <cs:spPr>
+      <a:ln w="9525" cap="flat" cmpd="sng" algn="ctr">
+        <a:solidFill>
+          <a:schemeClr val="tx1">
+            <a:lumMod val="15000"/>
+            <a:lumOff val="85000"/>
+          </a:schemeClr>
+        </a:solidFill>
+        <a:round/>
+      </a:ln>
+    </cs:spPr>
+  </cs:gridlineMajor>
+  <cs:gridlineMinor>
+    <cs:lnRef idx="0"/>
+    <cs:fillRef idx="0"/>
+    <cs:effectRef idx="0"/>
+    <cs:fontRef idx="minor">
+      <a:schemeClr val="tx1"/>
+    </cs:fontRef>
+    <cs:spPr>
+      <a:ln w="9525" cap="flat" cmpd="sng" algn="ctr">
+        <a:solidFill>
+          <a:schemeClr val="tx1">
+            <a:lumMod val="5000"/>
+            <a:lumOff val="95000"/>
+          </a:schemeClr>
+        </a:solidFill>
+        <a:round/>
+      </a:ln>
+    </cs:spPr>
+  </cs:gridlineMinor>
+  <cs:hiLoLine>
+    <cs:lnRef idx="0"/>
+    <cs:fillRef idx="0"/>
+    <cs:effectRef idx="0"/>
+    <cs:fontRef idx="minor">
+      <a:schemeClr val="tx1"/>
+    </cs:fontRef>
+    <cs:spPr>
+      <a:ln w="9525" cap="flat" cmpd="sng" algn="ctr">
+        <a:solidFill>
+          <a:schemeClr val="tx1">
+            <a:lumMod val="75000"/>
+            <a:lumOff val="25000"/>
+          </a:schemeClr>
+        </a:solidFill>
+        <a:round/>
+      </a:ln>
+    </cs:spPr>
+  </cs:hiLoLine>
+  <cs:leaderLine>
+    <cs:lnRef idx="0"/>
+    <cs:fillRef idx="0"/>
+    <cs:effectRef idx="0"/>
+    <cs:fontRef idx="minor">
+      <a:schemeClr val="tx1"/>
+    </cs:fontRef>
+    <cs:spPr>
+      <a:ln w="9525" cap="flat" cmpd="sng" algn="ctr">
+        <a:solidFill>
+          <a:schemeClr val="tx1">
+            <a:lumMod val="35000"/>
+            <a:lumOff val="65000"/>
+          </a:schemeClr>
+        </a:solidFill>
+        <a:round/>
+      </a:ln>
+    </cs:spPr>
+  </cs:leaderLine>
+  <cs:legend>
+    <cs:lnRef idx="0"/>
+    <cs:fillRef idx="0"/>
+    <cs:effectRef idx="0"/>
+    <cs:fontRef idx="minor">
+      <a:schemeClr val="tx1">
+        <a:lumMod val="65000"/>
+        <a:lumOff val="35000"/>
+      </a:schemeClr>
+    </cs:fontRef>
+    <cs:defRPr sz="1197" kern="1200"/>
+  </cs:legend>
+  <cs:plotArea mods="allowNoFillOverride allowNoLineOverride">
+    <cs:lnRef idx="0"/>
+    <cs:fillRef idx="0"/>
+    <cs:effectRef idx="0"/>
+    <cs:fontRef idx="minor">
+      <a:schemeClr val="tx1"/>
+    </cs:fontRef>
+  </cs:plotArea>
+  <cs:plotArea3D mods="allowNoFillOverride allowNoLineOverride">
+    <cs:lnRef idx="0"/>
+    <cs:fillRef idx="0"/>
+    <cs:effectRef idx="0"/>
+    <cs:fontRef idx="minor">
+      <a:schemeClr val="tx1"/>
+    </cs:fontRef>
+  </cs:plotArea3D>
+  <cs:seriesAxis>
+    <cs:lnRef idx="0"/>
+    <cs:fillRef idx="0"/>
+    <cs:effectRef idx="0"/>
+    <cs:fontRef idx="minor">
+      <a:schemeClr val="tx1">
+        <a:lumMod val="65000"/>
+        <a:lumOff val="35000"/>
+      </a:schemeClr>
+    </cs:fontRef>
+    <cs:defRPr sz="1197" kern="1200"/>
+  </cs:seriesAxis>
+  <cs:seriesLine>
+    <cs:lnRef idx="0"/>
+    <cs:fillRef idx="0"/>
+    <cs:effectRef idx="0"/>
+    <cs:fontRef idx="minor">
+      <a:schemeClr val="tx1"/>
+    </cs:fontRef>
+    <cs:spPr>
+      <a:ln w="9525" cap="flat" cmpd="sng" algn="ctr">
+        <a:solidFill>
+          <a:schemeClr val="tx1">
+            <a:lumMod val="35000"/>
+            <a:lumOff val="65000"/>
+          </a:schemeClr>
+        </a:solidFill>
+        <a:round/>
+      </a:ln>
+    </cs:spPr>
+  </cs:seriesLine>
+  <cs:title>
+    <cs:lnRef idx="0"/>
+    <cs:fillRef idx="0"/>
+    <cs:effectRef idx="0"/>
+    <cs:fontRef idx="minor">
+      <a:schemeClr val="tx1">
+        <a:lumMod val="65000"/>
+        <a:lumOff val="35000"/>
+      </a:schemeClr>
+    </cs:fontRef>
+    <cs:defRPr sz="1862" b="0" kern="1200" spc="0" baseline="0"/>
+  </cs:title>
+  <cs:trendline>
+    <cs:lnRef idx="0">
+      <cs:styleClr val="auto"/>
+    </cs:lnRef>
+    <cs:fillRef idx="0"/>
+    <cs:effectRef idx="0"/>
+    <cs:fontRef idx="minor">
+      <a:schemeClr val="tx1"/>
+    </cs:fontRef>
+    <cs:spPr>
+      <a:ln w="19050" cap="rnd">
+        <a:solidFill>
+          <a:schemeClr val="phClr"/>
+        </a:solidFill>
+        <a:prstDash val="sysDot"/>
+      </a:ln>
+    </cs:spPr>
+  </cs:trendline>
+  <cs:trendlineLabel>
+    <cs:lnRef idx="0"/>
+    <cs:fillRef idx="0"/>
+    <cs:effectRef idx="0"/>
+    <cs:fontRef idx="minor">
+      <a:schemeClr val="tx1">
+        <a:lumMod val="65000"/>
+        <a:lumOff val="35000"/>
+      </a:schemeClr>
+    </cs:fontRef>
+    <cs:defRPr sz="1197" kern="1200"/>
+  </cs:trendlineLabel>
+  <cs:upBar>
+    <cs:lnRef idx="0"/>
+    <cs:fillRef idx="0"/>
+    <cs:effectRef idx="0"/>
+    <cs:fontRef idx="minor">
+      <a:schemeClr val="dk1"/>
+    </cs:fontRef>
+    <cs:spPr>
+      <a:solidFill>
+        <a:schemeClr val="lt1"/>
+      </a:solidFill>
+      <a:ln w="9525">
+        <a:solidFill>
+          <a:schemeClr val="tx1">
+            <a:lumMod val="15000"/>
+            <a:lumOff val="85000"/>
+          </a:schemeClr>
+        </a:solidFill>
+      </a:ln>
+    </cs:spPr>
+  </cs:upBar>
+  <cs:valueAxis>
+    <cs:lnRef idx="0"/>
+    <cs:fillRef idx="0"/>
+    <cs:effectRef idx="0"/>
+    <cs:fontRef idx="minor">
+      <a:schemeClr val="tx1">
+        <a:lumMod val="65000"/>
+        <a:lumOff val="35000"/>
+      </a:schemeClr>
+    </cs:fontRef>
+    <cs:defRPr sz="1197" kern="1200"/>
+  </cs:valueAxis>
+  <cs:wall>
+    <cs:lnRef idx="0"/>
+    <cs:fillRef idx="0"/>
+    <cs:effectRef idx="0"/>
+    <cs:fontRef idx="minor">
+      <a:schemeClr val="tx1"/>
+    </cs:fontRef>
+    <cs:spPr>
+      <a:noFill/>
+      <a:ln>
+        <a:noFill/>
+      </a:ln>
+    </cs:spPr>
+  </cs:wall>
+</cs:chartStyle>
+</file>
+
 <file path=ppt/notesMasters/notesMaster1.xml><?xml version="1.0" encoding="utf-8"?>
 <p:notesMaster xmlns:a="http://schemas.openxmlformats.org/drawingml/2006/main" xmlns:r="http://schemas.openxmlformats.org/officeDocument/2006/relationships" xmlns:p="http://schemas.openxmlformats.org/presentationml/2006/main">
   <p:cSld>
@@ -3779,107 +4798,25 @@
           <a:bodyPr/>
           <a:lstStyle/>
           <a:p>
-            <a:endParaRPr lang="fr-BE" dirty="0" smtClean="0"/>
-          </a:p>
-          <a:p>
-            <a:r>
-              <a:rPr lang="fr-BE" dirty="0" smtClean="0"/>
-              <a:t>Op AWS = provider.</a:t>
+            <a:r>
+              <a:rPr lang="fr-BE" dirty="0" err="1" smtClean="0"/>
+              <a:t>Bash</a:t>
+            </a:r>
+            <a:r>
+              <a:rPr lang="fr-BE" baseline="0" dirty="0" smtClean="0"/>
+              <a:t> script </a:t>
+            </a:r>
+            <a:r>
+              <a:rPr lang="fr-BE" baseline="0" dirty="0" err="1" smtClean="0"/>
+              <a:t>dat</a:t>
             </a:r>
             <a:r>
               <a:rPr lang="fr-BE" baseline="0" dirty="0" smtClean="0"/>
               <a:t> </a:t>
             </a:r>
-          </a:p>
-          <a:p>
-            <a:endParaRPr lang="fr-BE" dirty="0" smtClean="0"/>
-          </a:p>
-          <a:p>
-            <a:r>
-              <a:rPr lang="fr-BE" dirty="0" err="1" smtClean="0"/>
-              <a:t>Eertste</a:t>
-            </a:r>
-            <a:r>
-              <a:rPr lang="fr-BE" dirty="0" smtClean="0"/>
-              <a:t> </a:t>
-            </a:r>
-            <a:r>
-              <a:rPr lang="fr-BE" dirty="0" err="1" smtClean="0"/>
-              <a:t>playbook</a:t>
-            </a:r>
-            <a:r>
-              <a:rPr lang="fr-BE" dirty="0" smtClean="0"/>
-              <a:t> </a:t>
-            </a:r>
-            <a:r>
-              <a:rPr lang="fr-BE" dirty="0" err="1" smtClean="0"/>
-              <a:t>start</a:t>
-            </a:r>
-            <a:r>
-              <a:rPr lang="fr-BE" dirty="0" smtClean="0"/>
-              <a:t> instance op met de </a:t>
-            </a:r>
-            <a:r>
-              <a:rPr lang="fr-BE" dirty="0" err="1" smtClean="0"/>
-              <a:t>verwijzing</a:t>
-            </a:r>
-            <a:r>
-              <a:rPr lang="fr-BE" dirty="0" smtClean="0"/>
-              <a:t> </a:t>
-            </a:r>
-            <a:r>
-              <a:rPr lang="fr-BE" dirty="0" err="1" smtClean="0"/>
-              <a:t>naar</a:t>
-            </a:r>
-            <a:r>
-              <a:rPr lang="fr-BE" dirty="0" smtClean="0"/>
-              <a:t> het </a:t>
-            </a:r>
-            <a:r>
-              <a:rPr lang="fr-BE" dirty="0" err="1" smtClean="0"/>
-              <a:t>playbook</a:t>
-            </a:r>
-            <a:endParaRPr lang="fr-BE" dirty="0" smtClean="0"/>
-          </a:p>
-          <a:p>
-            <a:r>
-              <a:rPr lang="fr-BE" dirty="0" smtClean="0"/>
-              <a:t>Cloud-</a:t>
-            </a:r>
-            <a:r>
-              <a:rPr lang="fr-BE" dirty="0" err="1" smtClean="0"/>
-              <a:t>init</a:t>
-            </a:r>
-            <a:r>
-              <a:rPr lang="fr-BE" dirty="0" smtClean="0"/>
-              <a:t> script </a:t>
-            </a:r>
-            <a:r>
-              <a:rPr lang="fr-BE" dirty="0" err="1" smtClean="0"/>
+            <a:r>
+              <a:rPr lang="fr-BE" baseline="0" dirty="0" err="1" smtClean="0"/>
               <a:t>wordt</a:t>
-            </a:r>
-            <a:r>
-              <a:rPr lang="fr-BE" dirty="0" smtClean="0"/>
-              <a:t> </a:t>
-            </a:r>
-            <a:r>
-              <a:rPr lang="fr-BE" dirty="0" err="1" smtClean="0"/>
-              <a:t>doorlopen</a:t>
-            </a:r>
-            <a:endParaRPr lang="fr-BE" dirty="0" smtClean="0"/>
-          </a:p>
-          <a:p>
-            <a:r>
-              <a:rPr lang="fr-BE" dirty="0" smtClean="0"/>
-              <a:t>2</a:t>
-            </a:r>
-            <a:r>
-              <a:rPr lang="fr-BE" baseline="0" dirty="0" smtClean="0"/>
-              <a:t> de de </a:t>
-            </a:r>
-            <a:r>
-              <a:rPr lang="fr-BE" baseline="0" dirty="0" err="1" smtClean="0"/>
-              <a:t>playbook</a:t>
             </a:r>
             <a:r>
               <a:rPr lang="fr-BE" baseline="0" dirty="0" smtClean="0"/>
@@ -3887,17 +4824,50 @@
             </a:r>
             <a:r>
               <a:rPr lang="fr-BE" baseline="0" dirty="0" err="1" smtClean="0"/>
-              <a:t>configureerd</a:t>
+              <a:t>uigevoerd</a:t>
+            </a:r>
+            <a:endParaRPr lang="fr-BE" baseline="0" dirty="0" smtClean="0"/>
+          </a:p>
+          <a:p>
+            <a:endParaRPr lang="fr-BE" baseline="0" dirty="0" smtClean="0"/>
+          </a:p>
+          <a:p>
+            <a:r>
+              <a:rPr lang="fr-BE" baseline="0" dirty="0" err="1" smtClean="0"/>
+              <a:t>Cloudconfig</a:t>
             </a:r>
             <a:r>
               <a:rPr lang="fr-BE" baseline="0" dirty="0" smtClean="0"/>
-              <a:t> de instance </a:t>
+              <a:t> </a:t>
             </a:r>
             <a:r>
               <a:rPr lang="fr-BE" baseline="0" dirty="0" err="1" smtClean="0"/>
-              <a:t>verder</a:t>
-            </a:r>
-            <a:endParaRPr lang="fr-BE" dirty="0" smtClean="0"/>
+              <a:t>bestand</a:t>
+            </a:r>
+            <a:endParaRPr lang="fr-BE" baseline="0" dirty="0" smtClean="0"/>
+          </a:p>
+          <a:p>
+            <a:r>
+              <a:rPr lang="fr-BE" baseline="0" dirty="0" smtClean="0"/>
+              <a:t>	</a:t>
+            </a:r>
+            <a:r>
+              <a:rPr lang="fr-BE" baseline="0" dirty="0" err="1" smtClean="0"/>
+              <a:t>yaml</a:t>
+            </a:r>
+            <a:r>
+              <a:rPr lang="fr-BE" baseline="0" dirty="0" smtClean="0"/>
+              <a:t> met </a:t>
+            </a:r>
+            <a:r>
+              <a:rPr lang="fr-BE" baseline="0" dirty="0" err="1" smtClean="0"/>
+              <a:t>oplijsting</a:t>
+            </a:r>
+            <a:r>
+              <a:rPr lang="fr-BE" baseline="0" dirty="0" smtClean="0"/>
+              <a:t> van de modules</a:t>
+            </a:r>
+            <a:endParaRPr lang="fr-BE" dirty="0"/>
           </a:p>
         </p:txBody>
       </p:sp>
@@ -3918,7 +4888,7 @@
           <a:p>
             <a:fld id="{517C3009-342E-40C4-85EF-689C6BCE3B29}" type="slidenum">
               <a:rPr lang="en-US" smtClean="0"/>
-              <a:t>18</a:t>
+              <a:t>15</a:t>
             </a:fld>
             <a:endParaRPr lang="en-US"/>
           </a:p>
@@ -3927,7 +4897,7 @@
     </p:spTree>
     <p:extLst>
       <p:ext uri="{BB962C8B-B14F-4D97-AF65-F5344CB8AC3E}">
-        <p14:creationId xmlns:p14="http://schemas.microsoft.com/office/powerpoint/2010/main" val="3350194709"/>
+        <p14:creationId xmlns:p14="http://schemas.microsoft.com/office/powerpoint/2010/main" val="10034627"/>
       </p:ext>
     </p:extLst>
   </p:cSld>
@@ -3981,6 +4951,542 @@
           <a:bodyPr/>
           <a:lstStyle/>
           <a:p>
+            <a:r>
+              <a:rPr lang="fr-BE" dirty="0" err="1" smtClean="0"/>
+              <a:t>Cloudsigma</a:t>
+            </a:r>
+            <a:r>
+              <a:rPr lang="fr-BE" baseline="0" dirty="0" smtClean="0"/>
+              <a:t> = cloud provider</a:t>
+            </a:r>
+          </a:p>
+          <a:p>
+            <a:endParaRPr lang="fr-BE" baseline="0" dirty="0" smtClean="0"/>
+          </a:p>
+          <a:p>
+            <a:r>
+              <a:rPr lang="fr-BE" baseline="0" dirty="0" err="1" smtClean="0"/>
+              <a:t>Cloudconfig</a:t>
+            </a:r>
+            <a:r>
+              <a:rPr lang="fr-BE" baseline="0" dirty="0" smtClean="0"/>
+              <a:t> </a:t>
+            </a:r>
+            <a:r>
+              <a:rPr lang="fr-BE" baseline="0" dirty="0" err="1" smtClean="0"/>
+              <a:t>werd</a:t>
+            </a:r>
+            <a:r>
+              <a:rPr lang="fr-BE" baseline="0" dirty="0" smtClean="0"/>
+              <a:t> </a:t>
+            </a:r>
+            <a:r>
+              <a:rPr lang="fr-BE" baseline="0" dirty="0" err="1" smtClean="0"/>
+              <a:t>opgemaakt</a:t>
+            </a:r>
+            <a:r>
+              <a:rPr lang="fr-BE" baseline="0" dirty="0" smtClean="0"/>
+              <a:t> in </a:t>
+            </a:r>
+            <a:r>
+              <a:rPr lang="fr-BE" baseline="0" dirty="0" err="1" smtClean="0"/>
+              <a:t>Artikel</a:t>
+            </a:r>
+            <a:endParaRPr lang="fr-BE" baseline="0" dirty="0" smtClean="0"/>
+          </a:p>
+          <a:p>
+            <a:endParaRPr lang="fr-BE" baseline="0" dirty="0" smtClean="0"/>
+          </a:p>
+          <a:p>
+            <a:r>
+              <a:rPr lang="fr-BE" baseline="0" dirty="0" err="1" smtClean="0"/>
+              <a:t>Bespreekt</a:t>
+            </a:r>
+            <a:r>
+              <a:rPr lang="fr-BE" baseline="0" dirty="0" smtClean="0"/>
+              <a:t> het </a:t>
+            </a:r>
+            <a:r>
+              <a:rPr lang="fr-BE" baseline="0" dirty="0" err="1" smtClean="0"/>
+              <a:t>voordeel</a:t>
+            </a:r>
+            <a:r>
+              <a:rPr lang="fr-BE" baseline="0" dirty="0" smtClean="0"/>
+              <a:t> van cloud-</a:t>
+            </a:r>
+            <a:r>
+              <a:rPr lang="fr-BE" baseline="0" dirty="0" err="1" smtClean="0"/>
+              <a:t>init</a:t>
+            </a:r>
+            <a:r>
+              <a:rPr lang="fr-BE" baseline="0" dirty="0" smtClean="0"/>
+              <a:t> </a:t>
+            </a:r>
+            <a:r>
+              <a:rPr lang="fr-BE" baseline="0" dirty="0" err="1" smtClean="0"/>
+              <a:t>tov</a:t>
+            </a:r>
+            <a:r>
+              <a:rPr lang="fr-BE" baseline="0" dirty="0" smtClean="0"/>
+              <a:t> </a:t>
+            </a:r>
+            <a:r>
+              <a:rPr lang="fr-BE" baseline="0" dirty="0" err="1" smtClean="0"/>
+              <a:t>andere</a:t>
+            </a:r>
+            <a:r>
+              <a:rPr lang="fr-BE" baseline="0" dirty="0" smtClean="0"/>
+              <a:t> </a:t>
+            </a:r>
+            <a:r>
+              <a:rPr lang="fr-BE" baseline="0" dirty="0" err="1" smtClean="0"/>
+              <a:t>cmt’s</a:t>
+            </a:r>
+            <a:endParaRPr lang="fr-BE" baseline="0" dirty="0" smtClean="0"/>
+          </a:p>
+          <a:p>
+            <a:endParaRPr lang="fr-BE" baseline="0" dirty="0" smtClean="0"/>
+          </a:p>
+          <a:p>
+            <a:r>
+              <a:rPr lang="fr-BE" baseline="0" dirty="0" smtClean="0"/>
+              <a:t>	Kan </a:t>
+            </a:r>
+            <a:r>
+              <a:rPr lang="fr-BE" baseline="0" dirty="0" err="1" smtClean="0"/>
+              <a:t>standalone</a:t>
+            </a:r>
+            <a:r>
+              <a:rPr lang="fr-BE" baseline="0" dirty="0" smtClean="0"/>
+              <a:t> </a:t>
+            </a:r>
+            <a:r>
+              <a:rPr lang="fr-BE" baseline="0" dirty="0" err="1" smtClean="0"/>
+              <a:t>werken</a:t>
+            </a:r>
+            <a:endParaRPr lang="fr-BE" baseline="0" dirty="0" smtClean="0"/>
+          </a:p>
+          <a:p>
+            <a:r>
+              <a:rPr lang="fr-BE" baseline="0" dirty="0" smtClean="0"/>
+              <a:t>	maar </a:t>
+            </a:r>
+            <a:r>
+              <a:rPr lang="fr-BE" baseline="0" dirty="0" err="1" smtClean="0"/>
+              <a:t>ook</a:t>
+            </a:r>
+            <a:r>
+              <a:rPr lang="fr-BE" baseline="0" dirty="0" smtClean="0"/>
+              <a:t> in </a:t>
+            </a:r>
+            <a:r>
+              <a:rPr lang="fr-BE" baseline="0" dirty="0" err="1" smtClean="0"/>
+              <a:t>samenwerking</a:t>
+            </a:r>
+            <a:r>
+              <a:rPr lang="fr-BE" baseline="0" dirty="0" smtClean="0"/>
+              <a:t> met </a:t>
+            </a:r>
+            <a:r>
+              <a:rPr lang="fr-BE" baseline="0" dirty="0" err="1" smtClean="0"/>
+              <a:t>andere</a:t>
+            </a:r>
+            <a:r>
+              <a:rPr lang="fr-BE" baseline="0" dirty="0" smtClean="0"/>
+              <a:t>.</a:t>
+            </a:r>
+          </a:p>
+          <a:p>
+            <a:r>
+              <a:rPr lang="fr-BE" baseline="0" dirty="0" smtClean="0"/>
+              <a:t>	</a:t>
+            </a:r>
+            <a:r>
+              <a:rPr lang="fr-BE" baseline="0" dirty="0" err="1" smtClean="0"/>
+              <a:t>terwijl</a:t>
+            </a:r>
+            <a:r>
+              <a:rPr lang="fr-BE" baseline="0" dirty="0" smtClean="0"/>
+              <a:t> </a:t>
+            </a:r>
+            <a:r>
+              <a:rPr lang="fr-BE" baseline="0" dirty="0" err="1" smtClean="0"/>
+              <a:t>meeste</a:t>
+            </a:r>
+            <a:r>
+              <a:rPr lang="fr-BE" baseline="0" dirty="0" smtClean="0"/>
+              <a:t> </a:t>
+            </a:r>
+            <a:r>
+              <a:rPr lang="fr-BE" baseline="0" dirty="0" err="1" smtClean="0"/>
+              <a:t>hebben</a:t>
+            </a:r>
+            <a:r>
+              <a:rPr lang="fr-BE" baseline="0" dirty="0" smtClean="0"/>
+              <a:t> </a:t>
+            </a:r>
+            <a:r>
+              <a:rPr lang="fr-BE" baseline="0" dirty="0" err="1" smtClean="0"/>
+              <a:t>deze</a:t>
+            </a:r>
+            <a:r>
+              <a:rPr lang="fr-BE" baseline="0" dirty="0" smtClean="0"/>
+              <a:t> </a:t>
+            </a:r>
+            <a:r>
+              <a:rPr lang="fr-BE" baseline="0" dirty="0" err="1" smtClean="0"/>
+              <a:t>funtie</a:t>
+            </a:r>
+            <a:r>
+              <a:rPr lang="fr-BE" baseline="0" dirty="0" smtClean="0"/>
+              <a:t> niet </a:t>
+            </a:r>
+            <a:endParaRPr lang="fr-BE" dirty="0"/>
+          </a:p>
+        </p:txBody>
+      </p:sp>
+      <p:sp>
+        <p:nvSpPr>
+          <p:cNvPr id="4" name="Tijdelijke aanduiding voor dianummer 3"/>
+          <p:cNvSpPr>
+            <a:spLocks noGrp="1"/>
+          </p:cNvSpPr>
+          <p:nvPr>
+            <p:ph type="sldNum" sz="quarter" idx="10"/>
+          </p:nvPr>
+        </p:nvSpPr>
+        <p:spPr/>
+        <p:txBody>
+          <a:bodyPr/>
+          <a:lstStyle/>
+          <a:p>
+            <a:fld id="{517C3009-342E-40C4-85EF-689C6BCE3B29}" type="slidenum">
+              <a:rPr lang="en-US" smtClean="0"/>
+              <a:t>17</a:t>
+            </a:fld>
+            <a:endParaRPr lang="en-US"/>
+          </a:p>
+        </p:txBody>
+      </p:sp>
+    </p:spTree>
+    <p:extLst>
+      <p:ext uri="{BB962C8B-B14F-4D97-AF65-F5344CB8AC3E}">
+        <p14:creationId xmlns:p14="http://schemas.microsoft.com/office/powerpoint/2010/main" val="1735335940"/>
+      </p:ext>
+    </p:extLst>
+  </p:cSld>
+  <p:clrMapOvr>
+    <a:masterClrMapping/>
+  </p:clrMapOvr>
+</p:notes>
+</file>
+
+<file path=ppt/notesSlides/notesSlide12.xml><?xml version="1.0" encoding="utf-8"?>
+<p:notes xmlns:a="http://schemas.openxmlformats.org/drawingml/2006/main" xmlns:r="http://schemas.openxmlformats.org/officeDocument/2006/relationships" xmlns:p="http://schemas.openxmlformats.org/presentationml/2006/main">
+  <p:cSld>
+    <p:spTree>
+      <p:nvGrpSpPr>
+        <p:cNvPr id="1" name=""/>
+        <p:cNvGrpSpPr/>
+        <p:nvPr/>
+      </p:nvGrpSpPr>
+      <p:grpSpPr>
+        <a:xfrm>
+          <a:off x="0" y="0"/>
+          <a:ext cx="0" cy="0"/>
+          <a:chOff x="0" y="0"/>
+          <a:chExt cx="0" cy="0"/>
+        </a:xfrm>
+      </p:grpSpPr>
+      <p:sp>
+        <p:nvSpPr>
+          <p:cNvPr id="2" name="Tijdelijke aanduiding voor dia-afbeelding 1"/>
+          <p:cNvSpPr>
+            <a:spLocks noGrp="1" noRot="1" noChangeAspect="1"/>
+          </p:cNvSpPr>
+          <p:nvPr>
+            <p:ph type="sldImg"/>
+          </p:nvPr>
+        </p:nvSpPr>
+        <p:spPr/>
+      </p:sp>
+      <p:sp>
+        <p:nvSpPr>
+          <p:cNvPr id="3" name="Tijdelijke aanduiding voor notities 2"/>
+          <p:cNvSpPr>
+            <a:spLocks noGrp="1"/>
+          </p:cNvSpPr>
+          <p:nvPr>
+            <p:ph type="body" idx="1"/>
+          </p:nvPr>
+        </p:nvSpPr>
+        <p:spPr/>
+        <p:txBody>
+          <a:bodyPr/>
+          <a:lstStyle/>
+          <a:p>
+            <a:endParaRPr lang="fr-BE" dirty="0" smtClean="0"/>
+          </a:p>
+          <a:p>
+            <a:r>
+              <a:rPr lang="fr-BE" dirty="0" err="1" smtClean="0"/>
+              <a:t>Zet</a:t>
+            </a:r>
+            <a:r>
+              <a:rPr lang="fr-BE" dirty="0" smtClean="0"/>
+              <a:t> </a:t>
+            </a:r>
+            <a:r>
+              <a:rPr lang="fr-BE" dirty="0" err="1" smtClean="0"/>
+              <a:t>werk</a:t>
+            </a:r>
+            <a:r>
+              <a:rPr lang="fr-BE" dirty="0" smtClean="0"/>
+              <a:t> </a:t>
+            </a:r>
+            <a:r>
+              <a:rPr lang="fr-BE" dirty="0" err="1" smtClean="0"/>
+              <a:t>omgeving</a:t>
+            </a:r>
+            <a:r>
+              <a:rPr lang="fr-BE" dirty="0" smtClean="0"/>
+              <a:t> met </a:t>
+            </a:r>
+            <a:r>
+              <a:rPr lang="fr-BE" dirty="0" err="1" smtClean="0"/>
+              <a:t>Ansible</a:t>
+            </a:r>
+            <a:r>
+              <a:rPr lang="fr-BE" dirty="0" smtClean="0"/>
+              <a:t> en cloud-</a:t>
+            </a:r>
+            <a:r>
+              <a:rPr lang="fr-BE" dirty="0" err="1" smtClean="0"/>
+              <a:t>init</a:t>
+            </a:r>
+            <a:r>
+              <a:rPr lang="fr-BE" baseline="0" dirty="0" smtClean="0"/>
+              <a:t> </a:t>
+            </a:r>
+            <a:r>
+              <a:rPr lang="fr-BE" dirty="0" smtClean="0"/>
+              <a:t>Op </a:t>
+            </a:r>
+            <a:r>
+              <a:rPr lang="fr-BE" dirty="0" smtClean="0"/>
+              <a:t>AWS = </a:t>
+            </a:r>
+            <a:r>
+              <a:rPr lang="fr-BE" dirty="0" smtClean="0"/>
+              <a:t>cloud provider</a:t>
+            </a:r>
+            <a:r>
+              <a:rPr lang="fr-BE" dirty="0" smtClean="0"/>
+              <a:t>.</a:t>
+            </a:r>
+            <a:r>
+              <a:rPr lang="fr-BE" baseline="0" dirty="0" smtClean="0"/>
+              <a:t> </a:t>
+            </a:r>
+          </a:p>
+          <a:p>
+            <a:endParaRPr lang="fr-BE" dirty="0" smtClean="0"/>
+          </a:p>
+          <a:p>
+            <a:r>
+              <a:rPr lang="fr-BE" dirty="0" err="1" smtClean="0"/>
+              <a:t>Eertste</a:t>
+            </a:r>
+            <a:r>
+              <a:rPr lang="fr-BE" dirty="0" smtClean="0"/>
+              <a:t> </a:t>
+            </a:r>
+            <a:r>
+              <a:rPr lang="fr-BE" dirty="0" err="1" smtClean="0"/>
+              <a:t>playbook</a:t>
+            </a:r>
+            <a:r>
+              <a:rPr lang="fr-BE" dirty="0" smtClean="0"/>
+              <a:t> </a:t>
+            </a:r>
+            <a:r>
+              <a:rPr lang="fr-BE" dirty="0" err="1" smtClean="0"/>
+              <a:t>start</a:t>
+            </a:r>
+            <a:r>
+              <a:rPr lang="fr-BE" dirty="0" smtClean="0"/>
+              <a:t> instance op met de </a:t>
+            </a:r>
+            <a:r>
+              <a:rPr lang="fr-BE" dirty="0" err="1" smtClean="0"/>
+              <a:t>verwijzing</a:t>
+            </a:r>
+            <a:r>
+              <a:rPr lang="fr-BE" dirty="0" smtClean="0"/>
+              <a:t> </a:t>
+            </a:r>
+            <a:r>
+              <a:rPr lang="fr-BE" dirty="0" err="1" smtClean="0"/>
+              <a:t>naar</a:t>
+            </a:r>
+            <a:r>
+              <a:rPr lang="fr-BE" dirty="0" smtClean="0"/>
+              <a:t> het </a:t>
+            </a:r>
+            <a:r>
+              <a:rPr lang="fr-BE" dirty="0" smtClean="0"/>
+              <a:t>cloud-</a:t>
+            </a:r>
+            <a:r>
+              <a:rPr lang="fr-BE" dirty="0" err="1" smtClean="0"/>
+              <a:t>init</a:t>
+            </a:r>
+            <a:r>
+              <a:rPr lang="fr-BE" baseline="0" dirty="0" smtClean="0"/>
+              <a:t> script</a:t>
+            </a:r>
+            <a:endParaRPr lang="fr-BE" dirty="0" smtClean="0"/>
+          </a:p>
+          <a:p>
+            <a:r>
+              <a:rPr lang="fr-BE" dirty="0" smtClean="0"/>
+              <a:t>Cloud-</a:t>
+            </a:r>
+            <a:r>
+              <a:rPr lang="fr-BE" dirty="0" err="1" smtClean="0"/>
+              <a:t>init</a:t>
+            </a:r>
+            <a:r>
+              <a:rPr lang="fr-BE" dirty="0" smtClean="0"/>
+              <a:t> script </a:t>
+            </a:r>
+            <a:r>
+              <a:rPr lang="fr-BE" dirty="0" err="1" smtClean="0"/>
+              <a:t>wordt</a:t>
+            </a:r>
+            <a:r>
+              <a:rPr lang="fr-BE" dirty="0" smtClean="0"/>
+              <a:t> </a:t>
+            </a:r>
+            <a:r>
+              <a:rPr lang="fr-BE" dirty="0" err="1" smtClean="0"/>
+              <a:t>doorlopen</a:t>
+            </a:r>
+            <a:endParaRPr lang="fr-BE" dirty="0" smtClean="0"/>
+          </a:p>
+          <a:p>
+            <a:r>
+              <a:rPr lang="fr-BE" dirty="0" smtClean="0"/>
+              <a:t>2</a:t>
+            </a:r>
+            <a:r>
+              <a:rPr lang="fr-BE" baseline="0" dirty="0" smtClean="0"/>
+              <a:t> de de </a:t>
+            </a:r>
+            <a:r>
+              <a:rPr lang="fr-BE" baseline="0" dirty="0" err="1" smtClean="0"/>
+              <a:t>playbook</a:t>
+            </a:r>
+            <a:r>
+              <a:rPr lang="fr-BE" baseline="0" dirty="0" smtClean="0"/>
+              <a:t> </a:t>
+            </a:r>
+            <a:r>
+              <a:rPr lang="fr-BE" baseline="0" dirty="0" err="1" smtClean="0"/>
+              <a:t>configureerd</a:t>
+            </a:r>
+            <a:r>
+              <a:rPr lang="fr-BE" baseline="0" dirty="0" smtClean="0"/>
+              <a:t> de instance </a:t>
+            </a:r>
+            <a:r>
+              <a:rPr lang="fr-BE" baseline="0" dirty="0" err="1" smtClean="0"/>
+              <a:t>verder</a:t>
+            </a:r>
+            <a:endParaRPr lang="fr-BE" dirty="0" smtClean="0"/>
+          </a:p>
+        </p:txBody>
+      </p:sp>
+      <p:sp>
+        <p:nvSpPr>
+          <p:cNvPr id="4" name="Tijdelijke aanduiding voor dianummer 3"/>
+          <p:cNvSpPr>
+            <a:spLocks noGrp="1"/>
+          </p:cNvSpPr>
+          <p:nvPr>
+            <p:ph type="sldNum" sz="quarter" idx="10"/>
+          </p:nvPr>
+        </p:nvSpPr>
+        <p:spPr/>
+        <p:txBody>
+          <a:bodyPr/>
+          <a:lstStyle/>
+          <a:p>
+            <a:fld id="{517C3009-342E-40C4-85EF-689C6BCE3B29}" type="slidenum">
+              <a:rPr lang="en-US" smtClean="0"/>
+              <a:t>18</a:t>
+            </a:fld>
+            <a:endParaRPr lang="en-US"/>
+          </a:p>
+        </p:txBody>
+      </p:sp>
+    </p:spTree>
+    <p:extLst>
+      <p:ext uri="{BB962C8B-B14F-4D97-AF65-F5344CB8AC3E}">
+        <p14:creationId xmlns:p14="http://schemas.microsoft.com/office/powerpoint/2010/main" val="3350194709"/>
+      </p:ext>
+    </p:extLst>
+  </p:cSld>
+  <p:clrMapOvr>
+    <a:masterClrMapping/>
+  </p:clrMapOvr>
+</p:notes>
+</file>
+
+<file path=ppt/notesSlides/notesSlide13.xml><?xml version="1.0" encoding="utf-8"?>
+<p:notes xmlns:a="http://schemas.openxmlformats.org/drawingml/2006/main" xmlns:r="http://schemas.openxmlformats.org/officeDocument/2006/relationships" xmlns:p="http://schemas.openxmlformats.org/presentationml/2006/main">
+  <p:cSld>
+    <p:spTree>
+      <p:nvGrpSpPr>
+        <p:cNvPr id="1" name=""/>
+        <p:cNvGrpSpPr/>
+        <p:nvPr/>
+      </p:nvGrpSpPr>
+      <p:grpSpPr>
+        <a:xfrm>
+          <a:off x="0" y="0"/>
+          <a:ext cx="0" cy="0"/>
+          <a:chOff x="0" y="0"/>
+          <a:chExt cx="0" cy="0"/>
+        </a:xfrm>
+      </p:grpSpPr>
+      <p:sp>
+        <p:nvSpPr>
+          <p:cNvPr id="2" name="Tijdelijke aanduiding voor dia-afbeelding 1"/>
+          <p:cNvSpPr>
+            <a:spLocks noGrp="1" noRot="1" noChangeAspect="1"/>
+          </p:cNvSpPr>
+          <p:nvPr>
+            <p:ph type="sldImg"/>
+          </p:nvPr>
+        </p:nvSpPr>
+        <p:spPr/>
+      </p:sp>
+      <p:sp>
+        <p:nvSpPr>
+          <p:cNvPr id="3" name="Tijdelijke aanduiding voor notities 2"/>
+          <p:cNvSpPr>
+            <a:spLocks noGrp="1"/>
+          </p:cNvSpPr>
+          <p:nvPr>
+            <p:ph type="body" idx="1"/>
+          </p:nvPr>
+        </p:nvSpPr>
+        <p:spPr/>
+        <p:txBody>
+          <a:bodyPr/>
+          <a:lstStyle/>
+          <a:p>
             <a:endParaRPr lang="fr-BE"/>
           </a:p>
         </p:txBody>
@@ -4012,6 +5518,1078 @@
     <p:extLst>
       <p:ext uri="{BB962C8B-B14F-4D97-AF65-F5344CB8AC3E}">
         <p14:creationId xmlns:p14="http://schemas.microsoft.com/office/powerpoint/2010/main" val="1350897093"/>
+      </p:ext>
+    </p:extLst>
+  </p:cSld>
+  <p:clrMapOvr>
+    <a:masterClrMapping/>
+  </p:clrMapOvr>
+</p:notes>
+</file>
+
+<file path=ppt/notesSlides/notesSlide14.xml><?xml version="1.0" encoding="utf-8"?>
+<p:notes xmlns:a="http://schemas.openxmlformats.org/drawingml/2006/main" xmlns:r="http://schemas.openxmlformats.org/officeDocument/2006/relationships" xmlns:p="http://schemas.openxmlformats.org/presentationml/2006/main">
+  <p:cSld>
+    <p:spTree>
+      <p:nvGrpSpPr>
+        <p:cNvPr id="1" name=""/>
+        <p:cNvGrpSpPr/>
+        <p:nvPr/>
+      </p:nvGrpSpPr>
+      <p:grpSpPr>
+        <a:xfrm>
+          <a:off x="0" y="0"/>
+          <a:ext cx="0" cy="0"/>
+          <a:chOff x="0" y="0"/>
+          <a:chExt cx="0" cy="0"/>
+        </a:xfrm>
+      </p:grpSpPr>
+      <p:sp>
+        <p:nvSpPr>
+          <p:cNvPr id="2" name="Tijdelijke aanduiding voor dia-afbeelding 1"/>
+          <p:cNvSpPr>
+            <a:spLocks noGrp="1" noRot="1" noChangeAspect="1"/>
+          </p:cNvSpPr>
+          <p:nvPr>
+            <p:ph type="sldImg"/>
+          </p:nvPr>
+        </p:nvSpPr>
+        <p:spPr/>
+      </p:sp>
+      <p:sp>
+        <p:nvSpPr>
+          <p:cNvPr id="3" name="Tijdelijke aanduiding voor notities 2"/>
+          <p:cNvSpPr>
+            <a:spLocks noGrp="1"/>
+          </p:cNvSpPr>
+          <p:nvPr>
+            <p:ph type="body" idx="1"/>
+          </p:nvPr>
+        </p:nvSpPr>
+        <p:spPr/>
+        <p:txBody>
+          <a:bodyPr/>
+          <a:lstStyle/>
+          <a:p>
+            <a:r>
+              <a:rPr lang="fr-BE" dirty="0" err="1" smtClean="0"/>
+              <a:t>Hetzner</a:t>
+            </a:r>
+            <a:r>
+              <a:rPr lang="fr-BE" dirty="0" smtClean="0"/>
+              <a:t> =  cloud provider</a:t>
+            </a:r>
+          </a:p>
+          <a:p>
+            <a:r>
+              <a:rPr lang="fr-BE" dirty="0" smtClean="0"/>
+              <a:t>	</a:t>
+            </a:r>
+            <a:r>
+              <a:rPr lang="fr-BE" dirty="0" err="1" smtClean="0"/>
+              <a:t>toegang</a:t>
+            </a:r>
+            <a:r>
+              <a:rPr lang="fr-BE" baseline="0" dirty="0" smtClean="0"/>
+              <a:t> </a:t>
+            </a:r>
+            <a:r>
+              <a:rPr lang="fr-BE" baseline="0" dirty="0" err="1" smtClean="0"/>
+              <a:t>dankzij</a:t>
+            </a:r>
+            <a:r>
+              <a:rPr lang="fr-BE" baseline="0" dirty="0" smtClean="0"/>
+              <a:t> </a:t>
+            </a:r>
+            <a:r>
+              <a:rPr lang="fr-BE" baseline="0" dirty="0" err="1" smtClean="0"/>
+              <a:t>be</a:t>
+            </a:r>
+            <a:r>
+              <a:rPr lang="fr-BE" baseline="0" dirty="0" smtClean="0"/>
+              <a:t>-mobile</a:t>
+            </a:r>
+          </a:p>
+          <a:p>
+            <a:endParaRPr lang="fr-BE" baseline="0" dirty="0" smtClean="0"/>
+          </a:p>
+          <a:p>
+            <a:r>
+              <a:rPr lang="fr-BE" baseline="0" dirty="0" smtClean="0"/>
+              <a:t>Cloud-</a:t>
+            </a:r>
+            <a:r>
+              <a:rPr lang="fr-BE" baseline="0" dirty="0" err="1" smtClean="0"/>
+              <a:t>init</a:t>
+            </a:r>
+            <a:r>
+              <a:rPr lang="fr-BE" baseline="0" dirty="0" smtClean="0"/>
+              <a:t> via </a:t>
+            </a:r>
+            <a:r>
+              <a:rPr lang="fr-BE" baseline="0" dirty="0" err="1" smtClean="0"/>
+              <a:t>variabele</a:t>
+            </a:r>
+            <a:r>
+              <a:rPr lang="fr-BE" baseline="0" dirty="0" smtClean="0"/>
+              <a:t> </a:t>
+            </a:r>
+            <a:r>
+              <a:rPr lang="fr-BE" baseline="0" dirty="0" err="1" smtClean="0"/>
+              <a:t>meegegeven</a:t>
+            </a:r>
+            <a:r>
+              <a:rPr lang="fr-BE" baseline="0" dirty="0" smtClean="0"/>
+              <a:t> in </a:t>
+            </a:r>
+            <a:r>
+              <a:rPr lang="fr-BE" baseline="0" dirty="0" err="1" smtClean="0"/>
+              <a:t>aanmaken</a:t>
+            </a:r>
+            <a:r>
+              <a:rPr lang="fr-BE" baseline="0" dirty="0" smtClean="0"/>
+              <a:t> server, </a:t>
+            </a:r>
+            <a:r>
+              <a:rPr lang="fr-BE" baseline="0" dirty="0" err="1" smtClean="0"/>
+              <a:t>Daar</a:t>
+            </a:r>
+            <a:r>
+              <a:rPr lang="fr-BE" baseline="0" dirty="0" smtClean="0"/>
+              <a:t> kan </a:t>
+            </a:r>
+            <a:r>
+              <a:rPr lang="fr-BE" baseline="0" dirty="0" err="1" smtClean="0"/>
+              <a:t>cloudconfig</a:t>
+            </a:r>
+            <a:r>
+              <a:rPr lang="fr-BE" baseline="0" dirty="0" smtClean="0"/>
+              <a:t> data </a:t>
+            </a:r>
+            <a:r>
+              <a:rPr lang="fr-BE" baseline="0" dirty="0" err="1" smtClean="0"/>
+              <a:t>aan</a:t>
+            </a:r>
+            <a:r>
+              <a:rPr lang="fr-BE" baseline="0" dirty="0" smtClean="0"/>
+              <a:t> </a:t>
+            </a:r>
+            <a:r>
+              <a:rPr lang="fr-BE" baseline="0" dirty="0" err="1" smtClean="0"/>
+              <a:t>worden</a:t>
+            </a:r>
+            <a:r>
+              <a:rPr lang="fr-BE" baseline="0" dirty="0" smtClean="0"/>
+              <a:t> </a:t>
+            </a:r>
+            <a:r>
+              <a:rPr lang="fr-BE" baseline="0" dirty="0" err="1" smtClean="0"/>
+              <a:t>toegevoegd</a:t>
+            </a:r>
+            <a:endParaRPr lang="fr-BE" baseline="0" dirty="0" smtClean="0"/>
+          </a:p>
+          <a:p>
+            <a:r>
+              <a:rPr lang="fr-BE" baseline="0" dirty="0" err="1" smtClean="0"/>
+              <a:t>Ansible</a:t>
+            </a:r>
+            <a:r>
+              <a:rPr lang="fr-BE" baseline="0" dirty="0" smtClean="0"/>
+              <a:t> server </a:t>
+            </a:r>
+            <a:r>
+              <a:rPr lang="fr-BE" baseline="0" dirty="0" err="1" smtClean="0"/>
+              <a:t>aanmaken</a:t>
+            </a:r>
+            <a:r>
+              <a:rPr lang="fr-BE" baseline="0" dirty="0" smtClean="0"/>
+              <a:t> </a:t>
+            </a:r>
+            <a:r>
+              <a:rPr lang="fr-BE" baseline="0" dirty="0" smtClean="0">
+                <a:sym typeface="Wingdings" panose="05000000000000000000" pitchFamily="2" charset="2"/>
+              </a:rPr>
+              <a:t> git clone van repo en dan met commando </a:t>
+            </a:r>
+            <a:r>
+              <a:rPr lang="fr-BE" baseline="0" dirty="0" err="1" smtClean="0">
+                <a:sym typeface="Wingdings" panose="05000000000000000000" pitchFamily="2" charset="2"/>
+              </a:rPr>
+              <a:t>uitvoeren</a:t>
+            </a:r>
+            <a:endParaRPr lang="fr-BE" baseline="0" dirty="0" smtClean="0">
+              <a:sym typeface="Wingdings" panose="05000000000000000000" pitchFamily="2" charset="2"/>
+            </a:endParaRPr>
+          </a:p>
+          <a:p>
+            <a:r>
+              <a:rPr lang="fr-BE" baseline="0" dirty="0" smtClean="0">
+                <a:sym typeface="Wingdings" panose="05000000000000000000" pitchFamily="2" charset="2"/>
+              </a:rPr>
+              <a:t>Combo  in </a:t>
+            </a:r>
+            <a:r>
+              <a:rPr lang="fr-BE" baseline="0" dirty="0" err="1" smtClean="0">
+                <a:sym typeface="Wingdings" panose="05000000000000000000" pitchFamily="2" charset="2"/>
+              </a:rPr>
+              <a:t>cloudconfig</a:t>
+            </a:r>
+            <a:r>
+              <a:rPr lang="fr-BE" baseline="0" dirty="0" smtClean="0">
+                <a:sym typeface="Wingdings" panose="05000000000000000000" pitchFamily="2" charset="2"/>
+              </a:rPr>
+              <a:t> die git clone </a:t>
+            </a:r>
+            <a:r>
+              <a:rPr lang="fr-BE" baseline="0" dirty="0" err="1" smtClean="0">
+                <a:sym typeface="Wingdings" panose="05000000000000000000" pitchFamily="2" charset="2"/>
+              </a:rPr>
+              <a:t>doen</a:t>
+            </a:r>
+            <a:r>
+              <a:rPr lang="fr-BE" baseline="0" dirty="0" smtClean="0">
+                <a:sym typeface="Wingdings" panose="05000000000000000000" pitchFamily="2" charset="2"/>
+              </a:rPr>
+              <a:t> en command, </a:t>
+            </a:r>
+            <a:r>
+              <a:rPr lang="fr-BE" baseline="0" dirty="0" err="1" smtClean="0">
+                <a:sym typeface="Wingdings" panose="05000000000000000000" pitchFamily="2" charset="2"/>
+              </a:rPr>
+              <a:t>wordt</a:t>
+            </a:r>
+            <a:r>
+              <a:rPr lang="fr-BE" baseline="0" dirty="0" smtClean="0">
+                <a:sym typeface="Wingdings" panose="05000000000000000000" pitchFamily="2" charset="2"/>
+              </a:rPr>
+              <a:t> </a:t>
+            </a:r>
+            <a:r>
+              <a:rPr lang="fr-BE" baseline="0" dirty="0" err="1" smtClean="0">
+                <a:sym typeface="Wingdings" panose="05000000000000000000" pitchFamily="2" charset="2"/>
+              </a:rPr>
+              <a:t>private</a:t>
+            </a:r>
+            <a:r>
+              <a:rPr lang="fr-BE" baseline="0" dirty="0" smtClean="0">
+                <a:sym typeface="Wingdings" panose="05000000000000000000" pitchFamily="2" charset="2"/>
+              </a:rPr>
+              <a:t> key </a:t>
+            </a:r>
+            <a:r>
+              <a:rPr lang="fr-BE" baseline="0" dirty="0" err="1" smtClean="0">
+                <a:sym typeface="Wingdings" panose="05000000000000000000" pitchFamily="2" charset="2"/>
+              </a:rPr>
+              <a:t>toegoevegoed</a:t>
+            </a:r>
+            <a:r>
+              <a:rPr lang="fr-BE" baseline="0" dirty="0" smtClean="0">
+                <a:sym typeface="Wingdings" panose="05000000000000000000" pitchFamily="2" charset="2"/>
+              </a:rPr>
+              <a:t> die </a:t>
+            </a:r>
+            <a:r>
+              <a:rPr lang="fr-BE" baseline="0" dirty="0" err="1" smtClean="0">
+                <a:sym typeface="Wingdings" panose="05000000000000000000" pitchFamily="2" charset="2"/>
+              </a:rPr>
+              <a:t>toegang</a:t>
+            </a:r>
+            <a:r>
+              <a:rPr lang="fr-BE" baseline="0" dirty="0" smtClean="0">
+                <a:sym typeface="Wingdings" panose="05000000000000000000" pitchFamily="2" charset="2"/>
+              </a:rPr>
+              <a:t> </a:t>
+            </a:r>
+            <a:r>
+              <a:rPr lang="fr-BE" baseline="0" dirty="0" err="1" smtClean="0">
+                <a:sym typeface="Wingdings" panose="05000000000000000000" pitchFamily="2" charset="2"/>
+              </a:rPr>
+              <a:t>heeft</a:t>
+            </a:r>
+            <a:r>
+              <a:rPr lang="fr-BE" baseline="0" dirty="0" smtClean="0">
+                <a:sym typeface="Wingdings" panose="05000000000000000000" pitchFamily="2" charset="2"/>
+              </a:rPr>
+              <a:t> </a:t>
+            </a:r>
+            <a:r>
+              <a:rPr lang="fr-BE" baseline="0" dirty="0" err="1" smtClean="0">
+                <a:sym typeface="Wingdings" panose="05000000000000000000" pitchFamily="2" charset="2"/>
+              </a:rPr>
+              <a:t>tot</a:t>
+            </a:r>
+            <a:r>
+              <a:rPr lang="fr-BE" baseline="0" dirty="0" smtClean="0">
+                <a:sym typeface="Wingdings" panose="05000000000000000000" pitchFamily="2" charset="2"/>
+              </a:rPr>
+              <a:t> de server</a:t>
+            </a:r>
+            <a:endParaRPr lang="fr-BE" dirty="0"/>
+          </a:p>
+        </p:txBody>
+      </p:sp>
+      <p:sp>
+        <p:nvSpPr>
+          <p:cNvPr id="4" name="Tijdelijke aanduiding voor dianummer 3"/>
+          <p:cNvSpPr>
+            <a:spLocks noGrp="1"/>
+          </p:cNvSpPr>
+          <p:nvPr>
+            <p:ph type="sldNum" sz="quarter" idx="10"/>
+          </p:nvPr>
+        </p:nvSpPr>
+        <p:spPr/>
+        <p:txBody>
+          <a:bodyPr/>
+          <a:lstStyle/>
+          <a:p>
+            <a:fld id="{517C3009-342E-40C4-85EF-689C6BCE3B29}" type="slidenum">
+              <a:rPr lang="en-US" smtClean="0"/>
+              <a:t>21</a:t>
+            </a:fld>
+            <a:endParaRPr lang="en-US"/>
+          </a:p>
+        </p:txBody>
+      </p:sp>
+    </p:spTree>
+    <p:extLst>
+      <p:ext uri="{BB962C8B-B14F-4D97-AF65-F5344CB8AC3E}">
+        <p14:creationId xmlns:p14="http://schemas.microsoft.com/office/powerpoint/2010/main" val="3503960928"/>
+      </p:ext>
+    </p:extLst>
+  </p:cSld>
+  <p:clrMapOvr>
+    <a:masterClrMapping/>
+  </p:clrMapOvr>
+</p:notes>
+</file>
+
+<file path=ppt/notesSlides/notesSlide15.xml><?xml version="1.0" encoding="utf-8"?>
+<p:notes xmlns:a="http://schemas.openxmlformats.org/drawingml/2006/main" xmlns:r="http://schemas.openxmlformats.org/officeDocument/2006/relationships" xmlns:p="http://schemas.openxmlformats.org/presentationml/2006/main">
+  <p:cSld>
+    <p:spTree>
+      <p:nvGrpSpPr>
+        <p:cNvPr id="1" name=""/>
+        <p:cNvGrpSpPr/>
+        <p:nvPr/>
+      </p:nvGrpSpPr>
+      <p:grpSpPr>
+        <a:xfrm>
+          <a:off x="0" y="0"/>
+          <a:ext cx="0" cy="0"/>
+          <a:chOff x="0" y="0"/>
+          <a:chExt cx="0" cy="0"/>
+        </a:xfrm>
+      </p:grpSpPr>
+      <p:sp>
+        <p:nvSpPr>
+          <p:cNvPr id="2" name="Tijdelijke aanduiding voor dia-afbeelding 1"/>
+          <p:cNvSpPr>
+            <a:spLocks noGrp="1" noRot="1" noChangeAspect="1"/>
+          </p:cNvSpPr>
+          <p:nvPr>
+            <p:ph type="sldImg"/>
+          </p:nvPr>
+        </p:nvSpPr>
+        <p:spPr/>
+      </p:sp>
+      <p:sp>
+        <p:nvSpPr>
+          <p:cNvPr id="3" name="Tijdelijke aanduiding voor notities 2"/>
+          <p:cNvSpPr>
+            <a:spLocks noGrp="1"/>
+          </p:cNvSpPr>
+          <p:nvPr>
+            <p:ph type="body" idx="1"/>
+          </p:nvPr>
+        </p:nvSpPr>
+        <p:spPr/>
+        <p:txBody>
+          <a:bodyPr/>
+          <a:lstStyle/>
+          <a:p>
+            <a:endParaRPr lang="fr-BE" dirty="0"/>
+          </a:p>
+        </p:txBody>
+      </p:sp>
+      <p:sp>
+        <p:nvSpPr>
+          <p:cNvPr id="4" name="Tijdelijke aanduiding voor dianummer 3"/>
+          <p:cNvSpPr>
+            <a:spLocks noGrp="1"/>
+          </p:cNvSpPr>
+          <p:nvPr>
+            <p:ph type="sldNum" sz="quarter" idx="10"/>
+          </p:nvPr>
+        </p:nvSpPr>
+        <p:spPr/>
+        <p:txBody>
+          <a:bodyPr/>
+          <a:lstStyle/>
+          <a:p>
+            <a:fld id="{517C3009-342E-40C4-85EF-689C6BCE3B29}" type="slidenum">
+              <a:rPr lang="en-US" smtClean="0"/>
+              <a:t>23</a:t>
+            </a:fld>
+            <a:endParaRPr lang="en-US"/>
+          </a:p>
+        </p:txBody>
+      </p:sp>
+    </p:spTree>
+    <p:extLst>
+      <p:ext uri="{BB962C8B-B14F-4D97-AF65-F5344CB8AC3E}">
+        <p14:creationId xmlns:p14="http://schemas.microsoft.com/office/powerpoint/2010/main" val="2587029396"/>
+      </p:ext>
+    </p:extLst>
+  </p:cSld>
+  <p:clrMapOvr>
+    <a:masterClrMapping/>
+  </p:clrMapOvr>
+</p:notes>
+</file>
+
+<file path=ppt/notesSlides/notesSlide16.xml><?xml version="1.0" encoding="utf-8"?>
+<p:notes xmlns:a="http://schemas.openxmlformats.org/drawingml/2006/main" xmlns:r="http://schemas.openxmlformats.org/officeDocument/2006/relationships" xmlns:p="http://schemas.openxmlformats.org/presentationml/2006/main">
+  <p:cSld>
+    <p:spTree>
+      <p:nvGrpSpPr>
+        <p:cNvPr id="1" name=""/>
+        <p:cNvGrpSpPr/>
+        <p:nvPr/>
+      </p:nvGrpSpPr>
+      <p:grpSpPr>
+        <a:xfrm>
+          <a:off x="0" y="0"/>
+          <a:ext cx="0" cy="0"/>
+          <a:chOff x="0" y="0"/>
+          <a:chExt cx="0" cy="0"/>
+        </a:xfrm>
+      </p:grpSpPr>
+      <p:sp>
+        <p:nvSpPr>
+          <p:cNvPr id="2" name="Tijdelijke aanduiding voor dia-afbeelding 1"/>
+          <p:cNvSpPr>
+            <a:spLocks noGrp="1" noRot="1" noChangeAspect="1"/>
+          </p:cNvSpPr>
+          <p:nvPr>
+            <p:ph type="sldImg"/>
+          </p:nvPr>
+        </p:nvSpPr>
+        <p:spPr/>
+      </p:sp>
+      <p:sp>
+        <p:nvSpPr>
+          <p:cNvPr id="3" name="Tijdelijke aanduiding voor notities 2"/>
+          <p:cNvSpPr>
+            <a:spLocks noGrp="1"/>
+          </p:cNvSpPr>
+          <p:nvPr>
+            <p:ph type="body" idx="1"/>
+          </p:nvPr>
+        </p:nvSpPr>
+        <p:spPr/>
+        <p:txBody>
+          <a:bodyPr/>
+          <a:lstStyle/>
+          <a:p>
+            <a:r>
+              <a:rPr lang="fr-BE" dirty="0" smtClean="0"/>
+              <a:t>Te</a:t>
+            </a:r>
+            <a:r>
+              <a:rPr lang="fr-BE" baseline="0" dirty="0" smtClean="0"/>
+              <a:t> </a:t>
+            </a:r>
+            <a:r>
+              <a:rPr lang="fr-BE" baseline="0" dirty="0" err="1" smtClean="0"/>
+              <a:t>weining</a:t>
+            </a:r>
+            <a:r>
+              <a:rPr lang="fr-BE" baseline="0" dirty="0" smtClean="0"/>
+              <a:t> en te </a:t>
+            </a:r>
+            <a:r>
+              <a:rPr lang="fr-BE" baseline="0" dirty="0" err="1" smtClean="0"/>
+              <a:t>gemakelijke</a:t>
+            </a:r>
+            <a:r>
+              <a:rPr lang="fr-BE" baseline="0" dirty="0" smtClean="0"/>
+              <a:t> </a:t>
+            </a:r>
+            <a:r>
+              <a:rPr lang="fr-BE" baseline="0" dirty="0" err="1" smtClean="0"/>
+              <a:t>configurattie</a:t>
+            </a:r>
+            <a:r>
+              <a:rPr lang="fr-BE" baseline="0" dirty="0" smtClean="0"/>
+              <a:t> om </a:t>
+            </a:r>
+            <a:r>
+              <a:rPr lang="fr-BE" baseline="0" dirty="0" err="1" smtClean="0"/>
+              <a:t>deze</a:t>
+            </a:r>
+            <a:r>
+              <a:rPr lang="fr-BE" baseline="0" dirty="0" smtClean="0"/>
+              <a:t> op te </a:t>
+            </a:r>
+            <a:r>
+              <a:rPr lang="fr-BE" baseline="0" dirty="0" err="1" smtClean="0"/>
+              <a:t>delen</a:t>
+            </a:r>
+            <a:r>
+              <a:rPr lang="fr-BE" baseline="0" dirty="0" smtClean="0"/>
+              <a:t> of te </a:t>
+            </a:r>
+            <a:r>
+              <a:rPr lang="fr-BE" baseline="0" dirty="0" err="1" smtClean="0"/>
+              <a:t>laten</a:t>
+            </a:r>
+            <a:r>
+              <a:rPr lang="fr-BE" baseline="0" dirty="0" smtClean="0"/>
+              <a:t> </a:t>
+            </a:r>
+            <a:r>
+              <a:rPr lang="fr-BE" baseline="0" dirty="0" err="1" smtClean="0"/>
+              <a:t>doen</a:t>
+            </a:r>
+            <a:r>
+              <a:rPr lang="fr-BE" baseline="0" dirty="0" smtClean="0"/>
+              <a:t> </a:t>
+            </a:r>
+            <a:r>
+              <a:rPr lang="fr-BE" baseline="0" dirty="0" err="1" smtClean="0"/>
+              <a:t>door</a:t>
+            </a:r>
+            <a:r>
+              <a:rPr lang="fr-BE" baseline="0" dirty="0" smtClean="0"/>
+              <a:t> </a:t>
+            </a:r>
+            <a:r>
+              <a:rPr lang="fr-BE" baseline="0" dirty="0" err="1" smtClean="0"/>
+              <a:t>meerdere</a:t>
+            </a:r>
+            <a:r>
+              <a:rPr lang="fr-BE" baseline="0" dirty="0" smtClean="0"/>
+              <a:t> </a:t>
+            </a:r>
+            <a:r>
+              <a:rPr lang="fr-BE" baseline="0" dirty="0" err="1" smtClean="0"/>
+              <a:t>systemen</a:t>
+            </a:r>
+            <a:endParaRPr lang="fr-BE" dirty="0"/>
+          </a:p>
+        </p:txBody>
+      </p:sp>
+      <p:sp>
+        <p:nvSpPr>
+          <p:cNvPr id="4" name="Tijdelijke aanduiding voor dianummer 3"/>
+          <p:cNvSpPr>
+            <a:spLocks noGrp="1"/>
+          </p:cNvSpPr>
+          <p:nvPr>
+            <p:ph type="sldNum" sz="quarter" idx="10"/>
+          </p:nvPr>
+        </p:nvSpPr>
+        <p:spPr/>
+        <p:txBody>
+          <a:bodyPr/>
+          <a:lstStyle/>
+          <a:p>
+            <a:fld id="{517C3009-342E-40C4-85EF-689C6BCE3B29}" type="slidenum">
+              <a:rPr lang="en-US" smtClean="0"/>
+              <a:t>24</a:t>
+            </a:fld>
+            <a:endParaRPr lang="en-US"/>
+          </a:p>
+        </p:txBody>
+      </p:sp>
+    </p:spTree>
+    <p:extLst>
+      <p:ext uri="{BB962C8B-B14F-4D97-AF65-F5344CB8AC3E}">
+        <p14:creationId xmlns:p14="http://schemas.microsoft.com/office/powerpoint/2010/main" val="3370590984"/>
+      </p:ext>
+    </p:extLst>
+  </p:cSld>
+  <p:clrMapOvr>
+    <a:masterClrMapping/>
+  </p:clrMapOvr>
+</p:notes>
+</file>
+
+<file path=ppt/notesSlides/notesSlide17.xml><?xml version="1.0" encoding="utf-8"?>
+<p:notes xmlns:a="http://schemas.openxmlformats.org/drawingml/2006/main" xmlns:r="http://schemas.openxmlformats.org/officeDocument/2006/relationships" xmlns:p="http://schemas.openxmlformats.org/presentationml/2006/main">
+  <p:cSld>
+    <p:spTree>
+      <p:nvGrpSpPr>
+        <p:cNvPr id="1" name=""/>
+        <p:cNvGrpSpPr/>
+        <p:nvPr/>
+      </p:nvGrpSpPr>
+      <p:grpSpPr>
+        <a:xfrm>
+          <a:off x="0" y="0"/>
+          <a:ext cx="0" cy="0"/>
+          <a:chOff x="0" y="0"/>
+          <a:chExt cx="0" cy="0"/>
+        </a:xfrm>
+      </p:grpSpPr>
+      <p:sp>
+        <p:nvSpPr>
+          <p:cNvPr id="2" name="Tijdelijke aanduiding voor dia-afbeelding 1"/>
+          <p:cNvSpPr>
+            <a:spLocks noGrp="1" noRot="1" noChangeAspect="1"/>
+          </p:cNvSpPr>
+          <p:nvPr>
+            <p:ph type="sldImg"/>
+          </p:nvPr>
+        </p:nvSpPr>
+        <p:spPr/>
+      </p:sp>
+      <p:sp>
+        <p:nvSpPr>
+          <p:cNvPr id="3" name="Tijdelijke aanduiding voor notities 2"/>
+          <p:cNvSpPr>
+            <a:spLocks noGrp="1"/>
+          </p:cNvSpPr>
+          <p:nvPr>
+            <p:ph type="body" idx="1"/>
+          </p:nvPr>
+        </p:nvSpPr>
+        <p:spPr/>
+        <p:txBody>
+          <a:bodyPr/>
+          <a:lstStyle/>
+          <a:p>
+            <a:r>
+              <a:rPr lang="fr-BE" dirty="0" err="1" smtClean="0"/>
+              <a:t>Bestand</a:t>
+            </a:r>
+            <a:r>
+              <a:rPr lang="fr-BE" dirty="0" smtClean="0"/>
+              <a:t> </a:t>
+            </a:r>
+            <a:r>
+              <a:rPr lang="fr-BE" dirty="0" err="1" smtClean="0"/>
+              <a:t>is</a:t>
+            </a:r>
+            <a:r>
+              <a:rPr lang="fr-BE" dirty="0" smtClean="0"/>
+              <a:t> </a:t>
+            </a:r>
+            <a:r>
+              <a:rPr lang="fr-BE" dirty="0" err="1" smtClean="0"/>
+              <a:t>overzichtelijker</a:t>
+            </a:r>
+            <a:endParaRPr lang="fr-BE" dirty="0" smtClean="0"/>
+          </a:p>
+          <a:p>
+            <a:r>
+              <a:rPr lang="fr-BE" dirty="0" err="1" smtClean="0"/>
+              <a:t>Makkelijker</a:t>
+            </a:r>
+            <a:r>
+              <a:rPr lang="fr-BE" baseline="0" dirty="0" smtClean="0"/>
+              <a:t> om </a:t>
+            </a:r>
+            <a:r>
+              <a:rPr lang="fr-BE" baseline="0" dirty="0" err="1" smtClean="0"/>
+              <a:t>mee</a:t>
+            </a:r>
+            <a:r>
+              <a:rPr lang="fr-BE" baseline="0" dirty="0" smtClean="0"/>
+              <a:t> </a:t>
+            </a:r>
+            <a:r>
+              <a:rPr lang="fr-BE" baseline="0" dirty="0" err="1" smtClean="0"/>
+              <a:t>tegeven</a:t>
+            </a:r>
+            <a:r>
+              <a:rPr lang="fr-BE" baseline="0" dirty="0" smtClean="0"/>
+              <a:t> </a:t>
+            </a:r>
+            <a:r>
+              <a:rPr lang="fr-BE" baseline="0" dirty="0" err="1" smtClean="0"/>
+              <a:t>aan</a:t>
+            </a:r>
+            <a:r>
+              <a:rPr lang="fr-BE" baseline="0" dirty="0" smtClean="0"/>
+              <a:t> </a:t>
+            </a:r>
+            <a:r>
+              <a:rPr lang="fr-BE" baseline="0" dirty="0" err="1" smtClean="0"/>
+              <a:t>Hetzner</a:t>
+            </a:r>
+            <a:endParaRPr lang="fr-BE" dirty="0"/>
+          </a:p>
+        </p:txBody>
+      </p:sp>
+      <p:sp>
+        <p:nvSpPr>
+          <p:cNvPr id="4" name="Tijdelijke aanduiding voor dianummer 3"/>
+          <p:cNvSpPr>
+            <a:spLocks noGrp="1"/>
+          </p:cNvSpPr>
+          <p:nvPr>
+            <p:ph type="sldNum" sz="quarter" idx="10"/>
+          </p:nvPr>
+        </p:nvSpPr>
+        <p:spPr/>
+        <p:txBody>
+          <a:bodyPr/>
+          <a:lstStyle/>
+          <a:p>
+            <a:fld id="{517C3009-342E-40C4-85EF-689C6BCE3B29}" type="slidenum">
+              <a:rPr lang="en-US" smtClean="0"/>
+              <a:t>25</a:t>
+            </a:fld>
+            <a:endParaRPr lang="en-US"/>
+          </a:p>
+        </p:txBody>
+      </p:sp>
+    </p:spTree>
+    <p:extLst>
+      <p:ext uri="{BB962C8B-B14F-4D97-AF65-F5344CB8AC3E}">
+        <p14:creationId xmlns:p14="http://schemas.microsoft.com/office/powerpoint/2010/main" val="2119194983"/>
+      </p:ext>
+    </p:extLst>
+  </p:cSld>
+  <p:clrMapOvr>
+    <a:masterClrMapping/>
+  </p:clrMapOvr>
+</p:notes>
+</file>
+
+<file path=ppt/notesSlides/notesSlide18.xml><?xml version="1.0" encoding="utf-8"?>
+<p:notes xmlns:a="http://schemas.openxmlformats.org/drawingml/2006/main" xmlns:r="http://schemas.openxmlformats.org/officeDocument/2006/relationships" xmlns:p="http://schemas.openxmlformats.org/presentationml/2006/main">
+  <p:cSld>
+    <p:spTree>
+      <p:nvGrpSpPr>
+        <p:cNvPr id="1" name=""/>
+        <p:cNvGrpSpPr/>
+        <p:nvPr/>
+      </p:nvGrpSpPr>
+      <p:grpSpPr>
+        <a:xfrm>
+          <a:off x="0" y="0"/>
+          <a:ext cx="0" cy="0"/>
+          <a:chOff x="0" y="0"/>
+          <a:chExt cx="0" cy="0"/>
+        </a:xfrm>
+      </p:grpSpPr>
+      <p:sp>
+        <p:nvSpPr>
+          <p:cNvPr id="2" name="Tijdelijke aanduiding voor dia-afbeelding 1"/>
+          <p:cNvSpPr>
+            <a:spLocks noGrp="1" noRot="1" noChangeAspect="1"/>
+          </p:cNvSpPr>
+          <p:nvPr>
+            <p:ph type="sldImg"/>
+          </p:nvPr>
+        </p:nvSpPr>
+        <p:spPr/>
+      </p:sp>
+      <p:sp>
+        <p:nvSpPr>
+          <p:cNvPr id="3" name="Tijdelijke aanduiding voor notities 2"/>
+          <p:cNvSpPr>
+            <a:spLocks noGrp="1"/>
+          </p:cNvSpPr>
+          <p:nvPr>
+            <p:ph type="body" idx="1"/>
+          </p:nvPr>
+        </p:nvSpPr>
+        <p:spPr/>
+        <p:txBody>
+          <a:bodyPr/>
+          <a:lstStyle/>
+          <a:p>
+            <a:r>
+              <a:rPr lang="fr-BE" dirty="0" err="1" smtClean="0"/>
+              <a:t>Lijkt</a:t>
+            </a:r>
+            <a:r>
+              <a:rPr lang="fr-BE" baseline="0" dirty="0" smtClean="0"/>
+              <a:t> </a:t>
+            </a:r>
+            <a:r>
+              <a:rPr lang="fr-BE" dirty="0" err="1" smtClean="0"/>
+              <a:t>Sneller</a:t>
+            </a:r>
+            <a:r>
+              <a:rPr lang="fr-BE" dirty="0" smtClean="0"/>
+              <a:t> maar </a:t>
+            </a:r>
+            <a:r>
+              <a:rPr lang="fr-BE" dirty="0" err="1" smtClean="0"/>
+              <a:t>doordat</a:t>
+            </a:r>
+            <a:r>
+              <a:rPr lang="fr-BE" dirty="0" smtClean="0"/>
+              <a:t> </a:t>
+            </a:r>
+            <a:r>
+              <a:rPr lang="fr-BE" dirty="0" err="1" smtClean="0"/>
+              <a:t>altijd</a:t>
+            </a:r>
+            <a:r>
+              <a:rPr lang="fr-BE" dirty="0" smtClean="0"/>
+              <a:t> </a:t>
+            </a:r>
+            <a:r>
+              <a:rPr lang="fr-BE" dirty="0" err="1" smtClean="0"/>
+              <a:t>standaard</a:t>
+            </a:r>
+            <a:r>
+              <a:rPr lang="fr-BE" baseline="0" dirty="0" smtClean="0"/>
+              <a:t> </a:t>
+            </a:r>
+            <a:r>
+              <a:rPr lang="fr-BE" dirty="0" smtClean="0"/>
+              <a:t>cloud-</a:t>
+            </a:r>
+            <a:r>
+              <a:rPr lang="fr-BE" dirty="0" err="1" smtClean="0"/>
+              <a:t>init</a:t>
+            </a:r>
+            <a:r>
+              <a:rPr lang="fr-BE" dirty="0" smtClean="0"/>
+              <a:t> </a:t>
+            </a:r>
+            <a:r>
+              <a:rPr lang="fr-BE" dirty="0" err="1" smtClean="0"/>
+              <a:t>configuraties</a:t>
+            </a:r>
+            <a:r>
+              <a:rPr lang="fr-BE" dirty="0" smtClean="0"/>
+              <a:t> </a:t>
+            </a:r>
+            <a:r>
+              <a:rPr lang="fr-BE" dirty="0" err="1" smtClean="0"/>
+              <a:t>doet</a:t>
+            </a:r>
+            <a:r>
+              <a:rPr lang="fr-BE" dirty="0" smtClean="0"/>
+              <a:t> van 30 </a:t>
+            </a:r>
+            <a:r>
+              <a:rPr lang="fr-BE" dirty="0" err="1" smtClean="0"/>
+              <a:t>seconden</a:t>
+            </a:r>
+            <a:r>
+              <a:rPr lang="fr-BE" dirty="0" smtClean="0"/>
+              <a:t> kan dit </a:t>
+            </a:r>
+            <a:r>
+              <a:rPr lang="fr-BE" dirty="0" err="1" smtClean="0"/>
+              <a:t>misleiden</a:t>
+            </a:r>
+            <a:r>
+              <a:rPr lang="fr-BE" dirty="0" smtClean="0"/>
+              <a:t> </a:t>
+            </a:r>
+            <a:r>
+              <a:rPr lang="fr-BE" dirty="0" err="1" smtClean="0"/>
+              <a:t>want</a:t>
+            </a:r>
+            <a:r>
+              <a:rPr lang="fr-BE" dirty="0" smtClean="0"/>
+              <a:t> </a:t>
+            </a:r>
+            <a:r>
+              <a:rPr lang="fr-BE" dirty="0" err="1" smtClean="0"/>
+              <a:t>zonder</a:t>
+            </a:r>
+            <a:r>
+              <a:rPr lang="fr-BE" dirty="0" smtClean="0"/>
+              <a:t> die 30 </a:t>
+            </a:r>
+            <a:r>
+              <a:rPr lang="fr-BE" dirty="0" err="1" smtClean="0"/>
+              <a:t>seconden</a:t>
+            </a:r>
+            <a:r>
+              <a:rPr lang="fr-BE" dirty="0" smtClean="0"/>
+              <a:t> </a:t>
+            </a:r>
+            <a:r>
+              <a:rPr lang="fr-BE" dirty="0" err="1" smtClean="0"/>
+              <a:t>is</a:t>
+            </a:r>
+            <a:r>
+              <a:rPr lang="fr-BE" dirty="0" smtClean="0"/>
+              <a:t> het </a:t>
+            </a:r>
+            <a:r>
+              <a:rPr lang="fr-BE" dirty="0" err="1" smtClean="0"/>
+              <a:t>praktisch</a:t>
+            </a:r>
+            <a:r>
+              <a:rPr lang="fr-BE" dirty="0" smtClean="0"/>
+              <a:t> </a:t>
+            </a:r>
+            <a:r>
+              <a:rPr lang="fr-BE" dirty="0" err="1" smtClean="0"/>
+              <a:t>hetzelfde</a:t>
+            </a:r>
+            <a:endParaRPr lang="fr-BE" dirty="0"/>
+          </a:p>
+        </p:txBody>
+      </p:sp>
+      <p:sp>
+        <p:nvSpPr>
+          <p:cNvPr id="4" name="Tijdelijke aanduiding voor dianummer 3"/>
+          <p:cNvSpPr>
+            <a:spLocks noGrp="1"/>
+          </p:cNvSpPr>
+          <p:nvPr>
+            <p:ph type="sldNum" sz="quarter" idx="10"/>
+          </p:nvPr>
+        </p:nvSpPr>
+        <p:spPr/>
+        <p:txBody>
+          <a:bodyPr/>
+          <a:lstStyle/>
+          <a:p>
+            <a:fld id="{517C3009-342E-40C4-85EF-689C6BCE3B29}" type="slidenum">
+              <a:rPr lang="en-US" smtClean="0"/>
+              <a:t>26</a:t>
+            </a:fld>
+            <a:endParaRPr lang="en-US"/>
+          </a:p>
+        </p:txBody>
+      </p:sp>
+    </p:spTree>
+    <p:extLst>
+      <p:ext uri="{BB962C8B-B14F-4D97-AF65-F5344CB8AC3E}">
+        <p14:creationId xmlns:p14="http://schemas.microsoft.com/office/powerpoint/2010/main" val="2559464795"/>
+      </p:ext>
+    </p:extLst>
+  </p:cSld>
+  <p:clrMapOvr>
+    <a:masterClrMapping/>
+  </p:clrMapOvr>
+</p:notes>
+</file>
+
+<file path=ppt/notesSlides/notesSlide19.xml><?xml version="1.0" encoding="utf-8"?>
+<p:notes xmlns:a="http://schemas.openxmlformats.org/drawingml/2006/main" xmlns:r="http://schemas.openxmlformats.org/officeDocument/2006/relationships" xmlns:p="http://schemas.openxmlformats.org/presentationml/2006/main">
+  <p:cSld>
+    <p:spTree>
+      <p:nvGrpSpPr>
+        <p:cNvPr id="1" name=""/>
+        <p:cNvGrpSpPr/>
+        <p:nvPr/>
+      </p:nvGrpSpPr>
+      <p:grpSpPr>
+        <a:xfrm>
+          <a:off x="0" y="0"/>
+          <a:ext cx="0" cy="0"/>
+          <a:chOff x="0" y="0"/>
+          <a:chExt cx="0" cy="0"/>
+        </a:xfrm>
+      </p:grpSpPr>
+      <p:sp>
+        <p:nvSpPr>
+          <p:cNvPr id="2" name="Tijdelijke aanduiding voor dia-afbeelding 1"/>
+          <p:cNvSpPr>
+            <a:spLocks noGrp="1" noRot="1" noChangeAspect="1"/>
+          </p:cNvSpPr>
+          <p:nvPr>
+            <p:ph type="sldImg"/>
+          </p:nvPr>
+        </p:nvSpPr>
+        <p:spPr/>
+      </p:sp>
+      <p:sp>
+        <p:nvSpPr>
+          <p:cNvPr id="3" name="Tijdelijke aanduiding voor notities 2"/>
+          <p:cNvSpPr>
+            <a:spLocks noGrp="1"/>
+          </p:cNvSpPr>
+          <p:nvPr>
+            <p:ph type="body" idx="1"/>
+          </p:nvPr>
+        </p:nvSpPr>
+        <p:spPr/>
+        <p:txBody>
+          <a:bodyPr/>
+          <a:lstStyle/>
+          <a:p>
+            <a:r>
+              <a:rPr lang="fr-BE" dirty="0" err="1" smtClean="0"/>
+              <a:t>Ansible</a:t>
+            </a:r>
+            <a:r>
+              <a:rPr lang="fr-BE" dirty="0" smtClean="0"/>
+              <a:t> </a:t>
+            </a:r>
+            <a:r>
+              <a:rPr lang="fr-BE" dirty="0" err="1" smtClean="0"/>
+              <a:t>Beetje</a:t>
+            </a:r>
+            <a:r>
+              <a:rPr lang="fr-BE" baseline="0" dirty="0" smtClean="0"/>
+              <a:t> </a:t>
+            </a:r>
+            <a:r>
+              <a:rPr lang="fr-BE" baseline="0" dirty="0" err="1" smtClean="0"/>
+              <a:t>sneller</a:t>
+            </a:r>
+            <a:r>
+              <a:rPr lang="fr-BE" baseline="0" dirty="0" smtClean="0"/>
+              <a:t> maar dit </a:t>
+            </a:r>
+            <a:r>
+              <a:rPr lang="fr-BE" baseline="0" dirty="0" err="1" smtClean="0"/>
+              <a:t>is</a:t>
+            </a:r>
+            <a:r>
+              <a:rPr lang="fr-BE" baseline="0" dirty="0" smtClean="0"/>
+              <a:t> niet </a:t>
+            </a:r>
+            <a:r>
+              <a:rPr lang="fr-BE" baseline="0" dirty="0" err="1" smtClean="0"/>
+              <a:t>doorslaggevend</a:t>
+            </a:r>
+            <a:r>
+              <a:rPr lang="fr-BE" baseline="0" dirty="0" smtClean="0"/>
+              <a:t> in </a:t>
+            </a:r>
+            <a:r>
+              <a:rPr lang="fr-BE" baseline="0" dirty="0" err="1" smtClean="0"/>
+              <a:t>oplossing</a:t>
+            </a:r>
+            <a:endParaRPr lang="fr-BE" dirty="0"/>
+          </a:p>
+        </p:txBody>
+      </p:sp>
+      <p:sp>
+        <p:nvSpPr>
+          <p:cNvPr id="4" name="Tijdelijke aanduiding voor dianummer 3"/>
+          <p:cNvSpPr>
+            <a:spLocks noGrp="1"/>
+          </p:cNvSpPr>
+          <p:nvPr>
+            <p:ph type="sldNum" sz="quarter" idx="10"/>
+          </p:nvPr>
+        </p:nvSpPr>
+        <p:spPr/>
+        <p:txBody>
+          <a:bodyPr/>
+          <a:lstStyle/>
+          <a:p>
+            <a:fld id="{517C3009-342E-40C4-85EF-689C6BCE3B29}" type="slidenum">
+              <a:rPr lang="en-US" smtClean="0"/>
+              <a:t>27</a:t>
+            </a:fld>
+            <a:endParaRPr lang="en-US"/>
+          </a:p>
+        </p:txBody>
+      </p:sp>
+    </p:spTree>
+    <p:extLst>
+      <p:ext uri="{BB962C8B-B14F-4D97-AF65-F5344CB8AC3E}">
+        <p14:creationId xmlns:p14="http://schemas.microsoft.com/office/powerpoint/2010/main" val="3208734308"/>
       </p:ext>
     </p:extLst>
   </p:cSld>
@@ -4105,6 +6683,1257 @@
 </p:notes>
 </file>
 
+<file path=ppt/notesSlides/notesSlide20.xml><?xml version="1.0" encoding="utf-8"?>
+<p:notes xmlns:a="http://schemas.openxmlformats.org/drawingml/2006/main" xmlns:r="http://schemas.openxmlformats.org/officeDocument/2006/relationships" xmlns:p="http://schemas.openxmlformats.org/presentationml/2006/main">
+  <p:cSld>
+    <p:spTree>
+      <p:nvGrpSpPr>
+        <p:cNvPr id="1" name=""/>
+        <p:cNvGrpSpPr/>
+        <p:nvPr/>
+      </p:nvGrpSpPr>
+      <p:grpSpPr>
+        <a:xfrm>
+          <a:off x="0" y="0"/>
+          <a:ext cx="0" cy="0"/>
+          <a:chOff x="0" y="0"/>
+          <a:chExt cx="0" cy="0"/>
+        </a:xfrm>
+      </p:grpSpPr>
+      <p:sp>
+        <p:nvSpPr>
+          <p:cNvPr id="2" name="Tijdelijke aanduiding voor dia-afbeelding 1"/>
+          <p:cNvSpPr>
+            <a:spLocks noGrp="1" noRot="1" noChangeAspect="1"/>
+          </p:cNvSpPr>
+          <p:nvPr>
+            <p:ph type="sldImg"/>
+          </p:nvPr>
+        </p:nvSpPr>
+        <p:spPr/>
+      </p:sp>
+      <p:sp>
+        <p:nvSpPr>
+          <p:cNvPr id="3" name="Tijdelijke aanduiding voor notities 2"/>
+          <p:cNvSpPr>
+            <a:spLocks noGrp="1"/>
+          </p:cNvSpPr>
+          <p:nvPr>
+            <p:ph type="body" idx="1"/>
+          </p:nvPr>
+        </p:nvSpPr>
+        <p:spPr/>
+        <p:txBody>
+          <a:bodyPr/>
+          <a:lstStyle/>
+          <a:p>
+            <a:endParaRPr lang="fr-BE" dirty="0"/>
+          </a:p>
+        </p:txBody>
+      </p:sp>
+      <p:sp>
+        <p:nvSpPr>
+          <p:cNvPr id="4" name="Tijdelijke aanduiding voor dianummer 3"/>
+          <p:cNvSpPr>
+            <a:spLocks noGrp="1"/>
+          </p:cNvSpPr>
+          <p:nvPr>
+            <p:ph type="sldNum" sz="quarter" idx="10"/>
+          </p:nvPr>
+        </p:nvSpPr>
+        <p:spPr/>
+        <p:txBody>
+          <a:bodyPr/>
+          <a:lstStyle/>
+          <a:p>
+            <a:fld id="{517C3009-342E-40C4-85EF-689C6BCE3B29}" type="slidenum">
+              <a:rPr lang="en-US" smtClean="0"/>
+              <a:t>29</a:t>
+            </a:fld>
+            <a:endParaRPr lang="en-US"/>
+          </a:p>
+        </p:txBody>
+      </p:sp>
+    </p:spTree>
+    <p:extLst>
+      <p:ext uri="{BB962C8B-B14F-4D97-AF65-F5344CB8AC3E}">
+        <p14:creationId xmlns:p14="http://schemas.microsoft.com/office/powerpoint/2010/main" val="3689371118"/>
+      </p:ext>
+    </p:extLst>
+  </p:cSld>
+  <p:clrMapOvr>
+    <a:masterClrMapping/>
+  </p:clrMapOvr>
+</p:notes>
+</file>
+
+<file path=ppt/notesSlides/notesSlide21.xml><?xml version="1.0" encoding="utf-8"?>
+<p:notes xmlns:a="http://schemas.openxmlformats.org/drawingml/2006/main" xmlns:r="http://schemas.openxmlformats.org/officeDocument/2006/relationships" xmlns:p="http://schemas.openxmlformats.org/presentationml/2006/main">
+  <p:cSld>
+    <p:spTree>
+      <p:nvGrpSpPr>
+        <p:cNvPr id="1" name=""/>
+        <p:cNvGrpSpPr/>
+        <p:nvPr/>
+      </p:nvGrpSpPr>
+      <p:grpSpPr>
+        <a:xfrm>
+          <a:off x="0" y="0"/>
+          <a:ext cx="0" cy="0"/>
+          <a:chOff x="0" y="0"/>
+          <a:chExt cx="0" cy="0"/>
+        </a:xfrm>
+      </p:grpSpPr>
+      <p:sp>
+        <p:nvSpPr>
+          <p:cNvPr id="2" name="Tijdelijke aanduiding voor dia-afbeelding 1"/>
+          <p:cNvSpPr>
+            <a:spLocks noGrp="1" noRot="1" noChangeAspect="1"/>
+          </p:cNvSpPr>
+          <p:nvPr>
+            <p:ph type="sldImg"/>
+          </p:nvPr>
+        </p:nvSpPr>
+        <p:spPr/>
+      </p:sp>
+      <p:sp>
+        <p:nvSpPr>
+          <p:cNvPr id="3" name="Tijdelijke aanduiding voor notities 2"/>
+          <p:cNvSpPr>
+            <a:spLocks noGrp="1"/>
+          </p:cNvSpPr>
+          <p:nvPr>
+            <p:ph type="body" idx="1"/>
+          </p:nvPr>
+        </p:nvSpPr>
+        <p:spPr/>
+        <p:txBody>
+          <a:bodyPr/>
+          <a:lstStyle/>
+          <a:p>
+            <a:r>
+              <a:rPr lang="fr-BE" dirty="0" err="1" smtClean="0"/>
+              <a:t>LAMp</a:t>
+            </a:r>
+            <a:r>
+              <a:rPr lang="fr-BE" baseline="0" dirty="0" smtClean="0"/>
+              <a:t> </a:t>
+            </a:r>
+            <a:r>
+              <a:rPr lang="fr-BE" baseline="0" dirty="0" err="1" smtClean="0"/>
+              <a:t>veel</a:t>
+            </a:r>
+            <a:r>
+              <a:rPr lang="fr-BE" baseline="0" dirty="0" smtClean="0"/>
+              <a:t> compacter en </a:t>
+            </a:r>
+            <a:r>
+              <a:rPr lang="fr-BE" baseline="0" dirty="0" err="1" smtClean="0"/>
+              <a:t>duidelijker</a:t>
+            </a:r>
+            <a:endParaRPr lang="fr-BE" baseline="0" dirty="0" smtClean="0"/>
+          </a:p>
+          <a:p>
+            <a:endParaRPr lang="fr-BE" baseline="0" dirty="0" smtClean="0"/>
+          </a:p>
+          <a:p>
+            <a:r>
+              <a:rPr lang="fr-BE" baseline="0" dirty="0" err="1" smtClean="0"/>
+              <a:t>Mysql</a:t>
+            </a:r>
+            <a:r>
+              <a:rPr lang="fr-BE" baseline="0" dirty="0" smtClean="0"/>
+              <a:t> </a:t>
+            </a:r>
+            <a:r>
+              <a:rPr lang="fr-BE" baseline="0" dirty="0" err="1" smtClean="0"/>
+              <a:t>veel</a:t>
+            </a:r>
+            <a:r>
+              <a:rPr lang="fr-BE" baseline="0" dirty="0" smtClean="0"/>
+              <a:t> </a:t>
+            </a:r>
+            <a:r>
+              <a:rPr lang="fr-BE" baseline="0" dirty="0" err="1" smtClean="0"/>
+              <a:t>meer</a:t>
+            </a:r>
+            <a:r>
+              <a:rPr lang="fr-BE" baseline="0" dirty="0" smtClean="0"/>
+              <a:t> </a:t>
+            </a:r>
+            <a:r>
+              <a:rPr lang="fr-BE" baseline="0" dirty="0" err="1" smtClean="0"/>
+              <a:t>confiuraties</a:t>
+            </a:r>
+            <a:r>
+              <a:rPr lang="fr-BE" baseline="0" dirty="0" smtClean="0"/>
+              <a:t> en </a:t>
+            </a:r>
+            <a:r>
+              <a:rPr lang="fr-BE" baseline="0" dirty="0" err="1" smtClean="0"/>
+              <a:t>allemaal</a:t>
+            </a:r>
+            <a:r>
+              <a:rPr lang="fr-BE" baseline="0" dirty="0" smtClean="0"/>
+              <a:t> in 1 module</a:t>
+            </a:r>
+          </a:p>
+          <a:p>
+            <a:endParaRPr lang="fr-BE" dirty="0"/>
+          </a:p>
+        </p:txBody>
+      </p:sp>
+      <p:sp>
+        <p:nvSpPr>
+          <p:cNvPr id="4" name="Tijdelijke aanduiding voor dianummer 3"/>
+          <p:cNvSpPr>
+            <a:spLocks noGrp="1"/>
+          </p:cNvSpPr>
+          <p:nvPr>
+            <p:ph type="sldNum" sz="quarter" idx="10"/>
+          </p:nvPr>
+        </p:nvSpPr>
+        <p:spPr/>
+        <p:txBody>
+          <a:bodyPr/>
+          <a:lstStyle/>
+          <a:p>
+            <a:fld id="{517C3009-342E-40C4-85EF-689C6BCE3B29}" type="slidenum">
+              <a:rPr lang="en-US" smtClean="0"/>
+              <a:t>31</a:t>
+            </a:fld>
+            <a:endParaRPr lang="en-US"/>
+          </a:p>
+        </p:txBody>
+      </p:sp>
+    </p:spTree>
+    <p:extLst>
+      <p:ext uri="{BB962C8B-B14F-4D97-AF65-F5344CB8AC3E}">
+        <p14:creationId xmlns:p14="http://schemas.microsoft.com/office/powerpoint/2010/main" val="1734433957"/>
+      </p:ext>
+    </p:extLst>
+  </p:cSld>
+  <p:clrMapOvr>
+    <a:masterClrMapping/>
+  </p:clrMapOvr>
+</p:notes>
+</file>
+
+<file path=ppt/notesSlides/notesSlide22.xml><?xml version="1.0" encoding="utf-8"?>
+<p:notes xmlns:a="http://schemas.openxmlformats.org/drawingml/2006/main" xmlns:r="http://schemas.openxmlformats.org/officeDocument/2006/relationships" xmlns:p="http://schemas.openxmlformats.org/presentationml/2006/main">
+  <p:cSld>
+    <p:spTree>
+      <p:nvGrpSpPr>
+        <p:cNvPr id="1" name=""/>
+        <p:cNvGrpSpPr/>
+        <p:nvPr/>
+      </p:nvGrpSpPr>
+      <p:grpSpPr>
+        <a:xfrm>
+          <a:off x="0" y="0"/>
+          <a:ext cx="0" cy="0"/>
+          <a:chOff x="0" y="0"/>
+          <a:chExt cx="0" cy="0"/>
+        </a:xfrm>
+      </p:grpSpPr>
+      <p:sp>
+        <p:nvSpPr>
+          <p:cNvPr id="2" name="Tijdelijke aanduiding voor dia-afbeelding 1"/>
+          <p:cNvSpPr>
+            <a:spLocks noGrp="1" noRot="1" noChangeAspect="1"/>
+          </p:cNvSpPr>
+          <p:nvPr>
+            <p:ph type="sldImg"/>
+          </p:nvPr>
+        </p:nvSpPr>
+        <p:spPr/>
+      </p:sp>
+      <p:sp>
+        <p:nvSpPr>
+          <p:cNvPr id="3" name="Tijdelijke aanduiding voor notities 2"/>
+          <p:cNvSpPr>
+            <a:spLocks noGrp="1"/>
+          </p:cNvSpPr>
+          <p:nvPr>
+            <p:ph type="body" idx="1"/>
+          </p:nvPr>
+        </p:nvSpPr>
+        <p:spPr/>
+        <p:txBody>
+          <a:bodyPr/>
+          <a:lstStyle/>
+          <a:p>
+            <a:r>
+              <a:rPr lang="fr-BE" dirty="0" err="1" smtClean="0"/>
+              <a:t>Alle</a:t>
+            </a:r>
+            <a:r>
+              <a:rPr lang="fr-BE" baseline="0" dirty="0" smtClean="0"/>
+              <a:t> </a:t>
+            </a:r>
+            <a:r>
+              <a:rPr lang="fr-BE" baseline="0" dirty="0" err="1" smtClean="0"/>
+              <a:t>conf</a:t>
+            </a:r>
+            <a:r>
+              <a:rPr lang="fr-BE" baseline="0" dirty="0" smtClean="0"/>
+              <a:t> </a:t>
+            </a:r>
+            <a:r>
+              <a:rPr lang="fr-BE" baseline="0" dirty="0" smtClean="0">
+                <a:sym typeface="Wingdings" panose="05000000000000000000" pitchFamily="2" charset="2"/>
+              </a:rPr>
+              <a:t> </a:t>
+            </a:r>
+            <a:r>
+              <a:rPr lang="fr-BE" baseline="0" dirty="0" err="1" smtClean="0">
+                <a:sym typeface="Wingdings" panose="05000000000000000000" pitchFamily="2" charset="2"/>
+              </a:rPr>
+              <a:t>commmando</a:t>
+            </a:r>
+            <a:r>
+              <a:rPr lang="fr-BE" baseline="0" dirty="0" smtClean="0">
+                <a:sym typeface="Wingdings" panose="05000000000000000000" pitchFamily="2" charset="2"/>
+              </a:rPr>
+              <a:t> module</a:t>
+            </a:r>
+            <a:endParaRPr lang="fr-BE" dirty="0"/>
+          </a:p>
+        </p:txBody>
+      </p:sp>
+      <p:sp>
+        <p:nvSpPr>
+          <p:cNvPr id="4" name="Tijdelijke aanduiding voor dianummer 3"/>
+          <p:cNvSpPr>
+            <a:spLocks noGrp="1"/>
+          </p:cNvSpPr>
+          <p:nvPr>
+            <p:ph type="sldNum" sz="quarter" idx="10"/>
+          </p:nvPr>
+        </p:nvSpPr>
+        <p:spPr/>
+        <p:txBody>
+          <a:bodyPr/>
+          <a:lstStyle/>
+          <a:p>
+            <a:fld id="{517C3009-342E-40C4-85EF-689C6BCE3B29}" type="slidenum">
+              <a:rPr lang="en-US" smtClean="0"/>
+              <a:t>32</a:t>
+            </a:fld>
+            <a:endParaRPr lang="en-US"/>
+          </a:p>
+        </p:txBody>
+      </p:sp>
+    </p:spTree>
+    <p:extLst>
+      <p:ext uri="{BB962C8B-B14F-4D97-AF65-F5344CB8AC3E}">
+        <p14:creationId xmlns:p14="http://schemas.microsoft.com/office/powerpoint/2010/main" val="3530547248"/>
+      </p:ext>
+    </p:extLst>
+  </p:cSld>
+  <p:clrMapOvr>
+    <a:masterClrMapping/>
+  </p:clrMapOvr>
+</p:notes>
+</file>
+
+<file path=ppt/notesSlides/notesSlide23.xml><?xml version="1.0" encoding="utf-8"?>
+<p:notes xmlns:a="http://schemas.openxmlformats.org/drawingml/2006/main" xmlns:r="http://schemas.openxmlformats.org/officeDocument/2006/relationships" xmlns:p="http://schemas.openxmlformats.org/presentationml/2006/main">
+  <p:cSld>
+    <p:spTree>
+      <p:nvGrpSpPr>
+        <p:cNvPr id="1" name=""/>
+        <p:cNvGrpSpPr/>
+        <p:nvPr/>
+      </p:nvGrpSpPr>
+      <p:grpSpPr>
+        <a:xfrm>
+          <a:off x="0" y="0"/>
+          <a:ext cx="0" cy="0"/>
+          <a:chOff x="0" y="0"/>
+          <a:chExt cx="0" cy="0"/>
+        </a:xfrm>
+      </p:grpSpPr>
+      <p:sp>
+        <p:nvSpPr>
+          <p:cNvPr id="2" name="Tijdelijke aanduiding voor dia-afbeelding 1"/>
+          <p:cNvSpPr>
+            <a:spLocks noGrp="1" noRot="1" noChangeAspect="1"/>
+          </p:cNvSpPr>
+          <p:nvPr>
+            <p:ph type="sldImg"/>
+          </p:nvPr>
+        </p:nvSpPr>
+        <p:spPr/>
+      </p:sp>
+      <p:sp>
+        <p:nvSpPr>
+          <p:cNvPr id="3" name="Tijdelijke aanduiding voor notities 2"/>
+          <p:cNvSpPr>
+            <a:spLocks noGrp="1"/>
+          </p:cNvSpPr>
+          <p:nvPr>
+            <p:ph type="body" idx="1"/>
+          </p:nvPr>
+        </p:nvSpPr>
+        <p:spPr/>
+        <p:txBody>
+          <a:bodyPr/>
+          <a:lstStyle/>
+          <a:p>
+            <a:r>
+              <a:rPr lang="fr-BE" dirty="0" smtClean="0"/>
+              <a:t>Cloud-</a:t>
+            </a:r>
+            <a:r>
+              <a:rPr lang="fr-BE" dirty="0" err="1" smtClean="0"/>
+              <a:t>init</a:t>
+            </a:r>
+            <a:r>
+              <a:rPr lang="fr-BE" baseline="0" dirty="0" smtClean="0"/>
+              <a:t> via </a:t>
+            </a:r>
+            <a:r>
+              <a:rPr lang="fr-BE" baseline="0" dirty="0" err="1" smtClean="0"/>
+              <a:t>remote</a:t>
+            </a:r>
+            <a:r>
+              <a:rPr lang="fr-BE" baseline="0" dirty="0" smtClean="0"/>
+              <a:t> server </a:t>
+            </a:r>
+            <a:r>
+              <a:rPr lang="fr-BE" baseline="0" dirty="0" err="1" smtClean="0"/>
+              <a:t>wel</a:t>
+            </a:r>
+            <a:r>
+              <a:rPr lang="fr-BE" baseline="0" dirty="0" smtClean="0"/>
+              <a:t> </a:t>
+            </a:r>
+            <a:r>
+              <a:rPr lang="fr-BE" baseline="0" dirty="0" err="1" smtClean="0"/>
+              <a:t>mogelijk</a:t>
+            </a:r>
+            <a:r>
+              <a:rPr lang="fr-BE" baseline="0" dirty="0" smtClean="0"/>
+              <a:t> maar oz </a:t>
+            </a:r>
+            <a:r>
+              <a:rPr lang="fr-BE" baseline="0" dirty="0" err="1" smtClean="0"/>
+              <a:t>werkt</a:t>
+            </a:r>
+            <a:r>
+              <a:rPr lang="fr-BE" baseline="0" dirty="0" smtClean="0"/>
+              <a:t> </a:t>
+            </a:r>
+            <a:r>
+              <a:rPr lang="fr-BE" baseline="0" dirty="0" err="1" smtClean="0"/>
+              <a:t>deze</a:t>
+            </a:r>
+            <a:r>
+              <a:rPr lang="fr-BE" baseline="0" dirty="0" smtClean="0"/>
+              <a:t> setup niet</a:t>
+            </a:r>
+            <a:endParaRPr lang="fr-BE" dirty="0"/>
+          </a:p>
+        </p:txBody>
+      </p:sp>
+      <p:sp>
+        <p:nvSpPr>
+          <p:cNvPr id="4" name="Tijdelijke aanduiding voor dianummer 3"/>
+          <p:cNvSpPr>
+            <a:spLocks noGrp="1"/>
+          </p:cNvSpPr>
+          <p:nvPr>
+            <p:ph type="sldNum" sz="quarter" idx="10"/>
+          </p:nvPr>
+        </p:nvSpPr>
+        <p:spPr/>
+        <p:txBody>
+          <a:bodyPr/>
+          <a:lstStyle/>
+          <a:p>
+            <a:fld id="{517C3009-342E-40C4-85EF-689C6BCE3B29}" type="slidenum">
+              <a:rPr lang="en-US" smtClean="0"/>
+              <a:t>38</a:t>
+            </a:fld>
+            <a:endParaRPr lang="en-US"/>
+          </a:p>
+        </p:txBody>
+      </p:sp>
+    </p:spTree>
+    <p:extLst>
+      <p:ext uri="{BB962C8B-B14F-4D97-AF65-F5344CB8AC3E}">
+        <p14:creationId xmlns:p14="http://schemas.microsoft.com/office/powerpoint/2010/main" val="238547011"/>
+      </p:ext>
+    </p:extLst>
+  </p:cSld>
+  <p:clrMapOvr>
+    <a:masterClrMapping/>
+  </p:clrMapOvr>
+</p:notes>
+</file>
+
+<file path=ppt/notesSlides/notesSlide24.xml><?xml version="1.0" encoding="utf-8"?>
+<p:notes xmlns:a="http://schemas.openxmlformats.org/drawingml/2006/main" xmlns:r="http://schemas.openxmlformats.org/officeDocument/2006/relationships" xmlns:p="http://schemas.openxmlformats.org/presentationml/2006/main">
+  <p:cSld>
+    <p:spTree>
+      <p:nvGrpSpPr>
+        <p:cNvPr id="1" name=""/>
+        <p:cNvGrpSpPr/>
+        <p:nvPr/>
+      </p:nvGrpSpPr>
+      <p:grpSpPr>
+        <a:xfrm>
+          <a:off x="0" y="0"/>
+          <a:ext cx="0" cy="0"/>
+          <a:chOff x="0" y="0"/>
+          <a:chExt cx="0" cy="0"/>
+        </a:xfrm>
+      </p:grpSpPr>
+      <p:sp>
+        <p:nvSpPr>
+          <p:cNvPr id="2" name="Tijdelijke aanduiding voor dia-afbeelding 1"/>
+          <p:cNvSpPr>
+            <a:spLocks noGrp="1" noRot="1" noChangeAspect="1"/>
+          </p:cNvSpPr>
+          <p:nvPr>
+            <p:ph type="sldImg"/>
+          </p:nvPr>
+        </p:nvSpPr>
+        <p:spPr/>
+      </p:sp>
+      <p:sp>
+        <p:nvSpPr>
+          <p:cNvPr id="3" name="Tijdelijke aanduiding voor notities 2"/>
+          <p:cNvSpPr>
+            <a:spLocks noGrp="1"/>
+          </p:cNvSpPr>
+          <p:nvPr>
+            <p:ph type="body" idx="1"/>
+          </p:nvPr>
+        </p:nvSpPr>
+        <p:spPr/>
+        <p:txBody>
+          <a:bodyPr/>
+          <a:lstStyle/>
+          <a:p>
+            <a:r>
+              <a:rPr lang="fr-BE" dirty="0" smtClean="0"/>
+              <a:t>Docker-compose </a:t>
+            </a:r>
+            <a:r>
+              <a:rPr lang="fr-BE" dirty="0" err="1" smtClean="0"/>
+              <a:t>is</a:t>
+            </a:r>
+            <a:r>
+              <a:rPr lang="fr-BE" dirty="0" smtClean="0"/>
+              <a:t> manier om containers </a:t>
+            </a:r>
+            <a:r>
+              <a:rPr lang="fr-BE" dirty="0" err="1" smtClean="0"/>
+              <a:t>aan</a:t>
+            </a:r>
+            <a:r>
+              <a:rPr lang="fr-BE" baseline="0" dirty="0" smtClean="0"/>
+              <a:t> te </a:t>
+            </a:r>
+            <a:r>
+              <a:rPr lang="fr-BE" baseline="0" dirty="0" err="1" smtClean="0"/>
+              <a:t>maken</a:t>
+            </a:r>
+            <a:endParaRPr lang="fr-BE" dirty="0"/>
+          </a:p>
+        </p:txBody>
+      </p:sp>
+      <p:sp>
+        <p:nvSpPr>
+          <p:cNvPr id="4" name="Tijdelijke aanduiding voor dianummer 3"/>
+          <p:cNvSpPr>
+            <a:spLocks noGrp="1"/>
+          </p:cNvSpPr>
+          <p:nvPr>
+            <p:ph type="sldNum" sz="quarter" idx="10"/>
+          </p:nvPr>
+        </p:nvSpPr>
+        <p:spPr/>
+        <p:txBody>
+          <a:bodyPr/>
+          <a:lstStyle/>
+          <a:p>
+            <a:fld id="{517C3009-342E-40C4-85EF-689C6BCE3B29}" type="slidenum">
+              <a:rPr lang="en-US" smtClean="0"/>
+              <a:t>41</a:t>
+            </a:fld>
+            <a:endParaRPr lang="en-US"/>
+          </a:p>
+        </p:txBody>
+      </p:sp>
+    </p:spTree>
+    <p:extLst>
+      <p:ext uri="{BB962C8B-B14F-4D97-AF65-F5344CB8AC3E}">
+        <p14:creationId xmlns:p14="http://schemas.microsoft.com/office/powerpoint/2010/main" val="6602263"/>
+      </p:ext>
+    </p:extLst>
+  </p:cSld>
+  <p:clrMapOvr>
+    <a:masterClrMapping/>
+  </p:clrMapOvr>
+</p:notes>
+</file>
+
+<file path=ppt/notesSlides/notesSlide25.xml><?xml version="1.0" encoding="utf-8"?>
+<p:notes xmlns:a="http://schemas.openxmlformats.org/drawingml/2006/main" xmlns:r="http://schemas.openxmlformats.org/officeDocument/2006/relationships" xmlns:p="http://schemas.openxmlformats.org/presentationml/2006/main">
+  <p:cSld>
+    <p:spTree>
+      <p:nvGrpSpPr>
+        <p:cNvPr id="1" name=""/>
+        <p:cNvGrpSpPr/>
+        <p:nvPr/>
+      </p:nvGrpSpPr>
+      <p:grpSpPr>
+        <a:xfrm>
+          <a:off x="0" y="0"/>
+          <a:ext cx="0" cy="0"/>
+          <a:chOff x="0" y="0"/>
+          <a:chExt cx="0" cy="0"/>
+        </a:xfrm>
+      </p:grpSpPr>
+      <p:sp>
+        <p:nvSpPr>
+          <p:cNvPr id="2" name="Tijdelijke aanduiding voor dia-afbeelding 1"/>
+          <p:cNvSpPr>
+            <a:spLocks noGrp="1" noRot="1" noChangeAspect="1"/>
+          </p:cNvSpPr>
+          <p:nvPr>
+            <p:ph type="sldImg"/>
+          </p:nvPr>
+        </p:nvSpPr>
+        <p:spPr/>
+      </p:sp>
+      <p:sp>
+        <p:nvSpPr>
+          <p:cNvPr id="3" name="Tijdelijke aanduiding voor notities 2"/>
+          <p:cNvSpPr>
+            <a:spLocks noGrp="1"/>
+          </p:cNvSpPr>
+          <p:nvPr>
+            <p:ph type="body" idx="1"/>
+          </p:nvPr>
+        </p:nvSpPr>
+        <p:spPr/>
+        <p:txBody>
+          <a:bodyPr/>
+          <a:lstStyle/>
+          <a:p>
+            <a:r>
+              <a:rPr lang="fr-BE" dirty="0" smtClean="0"/>
+              <a:t>Docker-</a:t>
+            </a:r>
+            <a:r>
+              <a:rPr lang="fr-BE" dirty="0" err="1" smtClean="0"/>
+              <a:t>py</a:t>
+            </a:r>
+            <a:r>
+              <a:rPr lang="fr-BE" baseline="0" dirty="0" smtClean="0"/>
+              <a:t> </a:t>
+            </a:r>
+            <a:r>
+              <a:rPr lang="fr-BE" baseline="0" dirty="0" err="1" smtClean="0"/>
+              <a:t>voor</a:t>
+            </a:r>
+            <a:r>
+              <a:rPr lang="fr-BE" baseline="0" dirty="0" smtClean="0"/>
+              <a:t> de module van </a:t>
+            </a:r>
+            <a:r>
+              <a:rPr lang="fr-BE" baseline="0" dirty="0" err="1" smtClean="0"/>
+              <a:t>Ansible</a:t>
+            </a:r>
+            <a:endParaRPr lang="fr-BE" baseline="0" dirty="0" smtClean="0"/>
+          </a:p>
+          <a:p>
+            <a:endParaRPr lang="fr-BE" baseline="0" dirty="0" smtClean="0"/>
+          </a:p>
+          <a:p>
+            <a:r>
+              <a:rPr lang="fr-BE" baseline="0" dirty="0" err="1" smtClean="0"/>
+              <a:t>Andere</a:t>
+            </a:r>
+            <a:r>
+              <a:rPr lang="fr-BE" baseline="0" dirty="0" smtClean="0"/>
+              <a:t> 2 </a:t>
+            </a:r>
+            <a:r>
+              <a:rPr lang="fr-BE" baseline="0" dirty="0" err="1" smtClean="0"/>
+              <a:t>voor</a:t>
+            </a:r>
+            <a:r>
+              <a:rPr lang="fr-BE" baseline="0" dirty="0" smtClean="0"/>
+              <a:t> docker-</a:t>
+            </a:r>
+            <a:r>
+              <a:rPr lang="fr-BE" baseline="0" dirty="0" err="1" smtClean="0"/>
+              <a:t>py</a:t>
+            </a:r>
+            <a:r>
+              <a:rPr lang="fr-BE" baseline="0" dirty="0" smtClean="0"/>
+              <a:t> </a:t>
+            </a:r>
+            <a:r>
+              <a:rPr lang="fr-BE" baseline="0" dirty="0" err="1" smtClean="0"/>
+              <a:t>anders</a:t>
+            </a:r>
+            <a:r>
+              <a:rPr lang="fr-BE" baseline="0" dirty="0" smtClean="0"/>
+              <a:t> </a:t>
+            </a:r>
+            <a:r>
+              <a:rPr lang="fr-BE" baseline="0" dirty="0" err="1" smtClean="0"/>
+              <a:t>werkt</a:t>
+            </a:r>
+            <a:r>
+              <a:rPr lang="fr-BE" baseline="0" dirty="0" smtClean="0"/>
+              <a:t> dit niet</a:t>
+            </a:r>
+            <a:endParaRPr lang="fr-BE" dirty="0"/>
+          </a:p>
+        </p:txBody>
+      </p:sp>
+      <p:sp>
+        <p:nvSpPr>
+          <p:cNvPr id="4" name="Tijdelijke aanduiding voor dianummer 3"/>
+          <p:cNvSpPr>
+            <a:spLocks noGrp="1"/>
+          </p:cNvSpPr>
+          <p:nvPr>
+            <p:ph type="sldNum" sz="quarter" idx="10"/>
+          </p:nvPr>
+        </p:nvSpPr>
+        <p:spPr/>
+        <p:txBody>
+          <a:bodyPr/>
+          <a:lstStyle/>
+          <a:p>
+            <a:fld id="{517C3009-342E-40C4-85EF-689C6BCE3B29}" type="slidenum">
+              <a:rPr lang="en-US" smtClean="0"/>
+              <a:t>42</a:t>
+            </a:fld>
+            <a:endParaRPr lang="en-US"/>
+          </a:p>
+        </p:txBody>
+      </p:sp>
+    </p:spTree>
+    <p:extLst>
+      <p:ext uri="{BB962C8B-B14F-4D97-AF65-F5344CB8AC3E}">
+        <p14:creationId xmlns:p14="http://schemas.microsoft.com/office/powerpoint/2010/main" val="619304690"/>
+      </p:ext>
+    </p:extLst>
+  </p:cSld>
+  <p:clrMapOvr>
+    <a:masterClrMapping/>
+  </p:clrMapOvr>
+</p:notes>
+</file>
+
+<file path=ppt/notesSlides/notesSlide26.xml><?xml version="1.0" encoding="utf-8"?>
+<p:notes xmlns:a="http://schemas.openxmlformats.org/drawingml/2006/main" xmlns:r="http://schemas.openxmlformats.org/officeDocument/2006/relationships" xmlns:p="http://schemas.openxmlformats.org/presentationml/2006/main">
+  <p:cSld>
+    <p:spTree>
+      <p:nvGrpSpPr>
+        <p:cNvPr id="1" name=""/>
+        <p:cNvGrpSpPr/>
+        <p:nvPr/>
+      </p:nvGrpSpPr>
+      <p:grpSpPr>
+        <a:xfrm>
+          <a:off x="0" y="0"/>
+          <a:ext cx="0" cy="0"/>
+          <a:chOff x="0" y="0"/>
+          <a:chExt cx="0" cy="0"/>
+        </a:xfrm>
+      </p:grpSpPr>
+      <p:sp>
+        <p:nvSpPr>
+          <p:cNvPr id="2" name="Tijdelijke aanduiding voor dia-afbeelding 1"/>
+          <p:cNvSpPr>
+            <a:spLocks noGrp="1" noRot="1" noChangeAspect="1"/>
+          </p:cNvSpPr>
+          <p:nvPr>
+            <p:ph type="sldImg"/>
+          </p:nvPr>
+        </p:nvSpPr>
+        <p:spPr/>
+      </p:sp>
+      <p:sp>
+        <p:nvSpPr>
+          <p:cNvPr id="3" name="Tijdelijke aanduiding voor notities 2"/>
+          <p:cNvSpPr>
+            <a:spLocks noGrp="1"/>
+          </p:cNvSpPr>
+          <p:nvPr>
+            <p:ph type="body" idx="1"/>
+          </p:nvPr>
+        </p:nvSpPr>
+        <p:spPr/>
+        <p:txBody>
+          <a:bodyPr/>
+          <a:lstStyle/>
+          <a:p>
+            <a:r>
+              <a:rPr lang="fr-BE" dirty="0" err="1" smtClean="0"/>
+              <a:t>Paar</a:t>
+            </a:r>
+            <a:r>
+              <a:rPr lang="fr-BE" dirty="0" smtClean="0"/>
+              <a:t> </a:t>
+            </a:r>
+            <a:r>
+              <a:rPr lang="fr-BE" dirty="0" err="1" smtClean="0"/>
+              <a:t>containerrs</a:t>
+            </a:r>
+            <a:r>
+              <a:rPr lang="fr-BE" dirty="0" smtClean="0"/>
+              <a:t> mss</a:t>
+            </a:r>
+            <a:r>
+              <a:rPr lang="fr-BE" baseline="0" dirty="0" smtClean="0"/>
+              <a:t> cloud-</a:t>
+            </a:r>
+            <a:r>
+              <a:rPr lang="fr-BE" baseline="0" dirty="0" err="1" smtClean="0"/>
+              <a:t>init</a:t>
+            </a:r>
+            <a:endParaRPr lang="fr-BE" baseline="0" dirty="0" smtClean="0"/>
+          </a:p>
+          <a:p>
+            <a:endParaRPr lang="fr-BE" baseline="0" dirty="0" smtClean="0"/>
+          </a:p>
+          <a:p>
+            <a:r>
+              <a:rPr lang="fr-BE" baseline="0" dirty="0" smtClean="0"/>
+              <a:t>Maar </a:t>
+            </a:r>
+            <a:r>
+              <a:rPr lang="fr-BE" baseline="0" dirty="0" err="1" smtClean="0"/>
+              <a:t>meerdere</a:t>
+            </a:r>
+            <a:r>
+              <a:rPr lang="fr-BE" baseline="0" dirty="0" smtClean="0"/>
+              <a:t> </a:t>
+            </a:r>
+            <a:r>
+              <a:rPr lang="fr-BE" baseline="0" dirty="0" err="1" smtClean="0"/>
+              <a:t>ansible</a:t>
+            </a:r>
+            <a:endParaRPr lang="fr-BE" baseline="0" dirty="0" smtClean="0"/>
+          </a:p>
+          <a:p>
+            <a:r>
+              <a:rPr lang="fr-BE" baseline="0" dirty="0" smtClean="0"/>
+              <a:t>Via die module </a:t>
+            </a:r>
+            <a:r>
+              <a:rPr lang="fr-BE" baseline="0" dirty="0" err="1" smtClean="0"/>
+              <a:t>veel</a:t>
+            </a:r>
+            <a:r>
+              <a:rPr lang="fr-BE" baseline="0" dirty="0" smtClean="0"/>
+              <a:t> </a:t>
+            </a:r>
+            <a:r>
+              <a:rPr lang="fr-BE" baseline="0" dirty="0" err="1" smtClean="0"/>
+              <a:t>securder</a:t>
+            </a:r>
+            <a:r>
+              <a:rPr lang="fr-BE" baseline="0" dirty="0" smtClean="0"/>
+              <a:t> en </a:t>
+            </a:r>
+            <a:r>
+              <a:rPr lang="fr-BE" baseline="0" dirty="0" err="1" smtClean="0"/>
+              <a:t>duidelijker</a:t>
+            </a:r>
+            <a:endParaRPr lang="fr-BE" baseline="0" dirty="0" smtClean="0"/>
+          </a:p>
+          <a:p>
+            <a:endParaRPr lang="fr-BE" baseline="0" dirty="0" smtClean="0"/>
+          </a:p>
+          <a:p>
+            <a:r>
+              <a:rPr lang="fr-BE" baseline="0" dirty="0" err="1" smtClean="0"/>
+              <a:t>Werken</a:t>
+            </a:r>
+            <a:r>
+              <a:rPr lang="fr-BE" baseline="0" dirty="0" smtClean="0"/>
+              <a:t> met die </a:t>
+            </a:r>
+            <a:r>
+              <a:rPr lang="fr-BE" baseline="0" dirty="0" err="1" smtClean="0"/>
+              <a:t>write_files</a:t>
+            </a:r>
+            <a:r>
+              <a:rPr lang="fr-BE" baseline="0" dirty="0" smtClean="0"/>
+              <a:t> module </a:t>
+            </a:r>
+            <a:r>
+              <a:rPr lang="fr-BE" baseline="0" dirty="0" err="1" smtClean="0"/>
+              <a:t>is</a:t>
+            </a:r>
+            <a:r>
+              <a:rPr lang="fr-BE" baseline="0" dirty="0" smtClean="0"/>
+              <a:t> niet </a:t>
+            </a:r>
+            <a:r>
+              <a:rPr lang="fr-BE" baseline="0" dirty="0" err="1" smtClean="0"/>
+              <a:t>handg</a:t>
+            </a:r>
+            <a:r>
+              <a:rPr lang="fr-BE" baseline="0" dirty="0" smtClean="0"/>
+              <a:t> </a:t>
+            </a:r>
+            <a:r>
+              <a:rPr lang="fr-BE" baseline="0" dirty="0" err="1" smtClean="0"/>
+              <a:t>voor</a:t>
+            </a:r>
+            <a:r>
+              <a:rPr lang="fr-BE" baseline="0" dirty="0" smtClean="0"/>
+              <a:t> </a:t>
+            </a:r>
+            <a:r>
+              <a:rPr lang="fr-BE" baseline="0" dirty="0" err="1" smtClean="0"/>
+              <a:t>meerdere</a:t>
+            </a:r>
+            <a:r>
+              <a:rPr lang="fr-BE" baseline="0" dirty="0" smtClean="0"/>
+              <a:t> containers</a:t>
+            </a:r>
+            <a:endParaRPr lang="fr-BE" dirty="0"/>
+          </a:p>
+        </p:txBody>
+      </p:sp>
+      <p:sp>
+        <p:nvSpPr>
+          <p:cNvPr id="4" name="Tijdelijke aanduiding voor dianummer 3"/>
+          <p:cNvSpPr>
+            <a:spLocks noGrp="1"/>
+          </p:cNvSpPr>
+          <p:nvPr>
+            <p:ph type="sldNum" sz="quarter" idx="10"/>
+          </p:nvPr>
+        </p:nvSpPr>
+        <p:spPr/>
+        <p:txBody>
+          <a:bodyPr/>
+          <a:lstStyle/>
+          <a:p>
+            <a:fld id="{517C3009-342E-40C4-85EF-689C6BCE3B29}" type="slidenum">
+              <a:rPr lang="en-US" smtClean="0"/>
+              <a:t>44</a:t>
+            </a:fld>
+            <a:endParaRPr lang="en-US"/>
+          </a:p>
+        </p:txBody>
+      </p:sp>
+    </p:spTree>
+    <p:extLst>
+      <p:ext uri="{BB962C8B-B14F-4D97-AF65-F5344CB8AC3E}">
+        <p14:creationId xmlns:p14="http://schemas.microsoft.com/office/powerpoint/2010/main" val="1464461747"/>
+      </p:ext>
+    </p:extLst>
+  </p:cSld>
+  <p:clrMapOvr>
+    <a:masterClrMapping/>
+  </p:clrMapOvr>
+</p:notes>
+</file>
+
+<file path=ppt/notesSlides/notesSlide27.xml><?xml version="1.0" encoding="utf-8"?>
+<p:notes xmlns:a="http://schemas.openxmlformats.org/drawingml/2006/main" xmlns:r="http://schemas.openxmlformats.org/officeDocument/2006/relationships" xmlns:p="http://schemas.openxmlformats.org/presentationml/2006/main">
+  <p:cSld>
+    <p:spTree>
+      <p:nvGrpSpPr>
+        <p:cNvPr id="1" name=""/>
+        <p:cNvGrpSpPr/>
+        <p:nvPr/>
+      </p:nvGrpSpPr>
+      <p:grpSpPr>
+        <a:xfrm>
+          <a:off x="0" y="0"/>
+          <a:ext cx="0" cy="0"/>
+          <a:chOff x="0" y="0"/>
+          <a:chExt cx="0" cy="0"/>
+        </a:xfrm>
+      </p:grpSpPr>
+      <p:sp>
+        <p:nvSpPr>
+          <p:cNvPr id="2" name="Tijdelijke aanduiding voor dia-afbeelding 1"/>
+          <p:cNvSpPr>
+            <a:spLocks noGrp="1" noRot="1" noChangeAspect="1"/>
+          </p:cNvSpPr>
+          <p:nvPr>
+            <p:ph type="sldImg"/>
+          </p:nvPr>
+        </p:nvSpPr>
+        <p:spPr/>
+      </p:sp>
+      <p:sp>
+        <p:nvSpPr>
+          <p:cNvPr id="3" name="Tijdelijke aanduiding voor notities 2"/>
+          <p:cNvSpPr>
+            <a:spLocks noGrp="1"/>
+          </p:cNvSpPr>
+          <p:nvPr>
+            <p:ph type="body" idx="1"/>
+          </p:nvPr>
+        </p:nvSpPr>
+        <p:spPr/>
+        <p:txBody>
+          <a:bodyPr/>
+          <a:lstStyle/>
+          <a:p>
+            <a:endParaRPr lang="fr-BE"/>
+          </a:p>
+        </p:txBody>
+      </p:sp>
+      <p:sp>
+        <p:nvSpPr>
+          <p:cNvPr id="4" name="Tijdelijke aanduiding voor dianummer 3"/>
+          <p:cNvSpPr>
+            <a:spLocks noGrp="1"/>
+          </p:cNvSpPr>
+          <p:nvPr>
+            <p:ph type="sldNum" sz="quarter" idx="10"/>
+          </p:nvPr>
+        </p:nvSpPr>
+        <p:spPr/>
+        <p:txBody>
+          <a:bodyPr/>
+          <a:lstStyle/>
+          <a:p>
+            <a:fld id="{517C3009-342E-40C4-85EF-689C6BCE3B29}" type="slidenum">
+              <a:rPr lang="en-US" smtClean="0"/>
+              <a:t>45</a:t>
+            </a:fld>
+            <a:endParaRPr lang="en-US"/>
+          </a:p>
+        </p:txBody>
+      </p:sp>
+    </p:spTree>
+    <p:extLst>
+      <p:ext uri="{BB962C8B-B14F-4D97-AF65-F5344CB8AC3E}">
+        <p14:creationId xmlns:p14="http://schemas.microsoft.com/office/powerpoint/2010/main" val="1314201857"/>
+      </p:ext>
+    </p:extLst>
+  </p:cSld>
+  <p:clrMapOvr>
+    <a:masterClrMapping/>
+  </p:clrMapOvr>
+</p:notes>
+</file>
+
+<file path=ppt/notesSlides/notesSlide28.xml><?xml version="1.0" encoding="utf-8"?>
+<p:notes xmlns:a="http://schemas.openxmlformats.org/drawingml/2006/main" xmlns:r="http://schemas.openxmlformats.org/officeDocument/2006/relationships" xmlns:p="http://schemas.openxmlformats.org/presentationml/2006/main">
+  <p:cSld>
+    <p:spTree>
+      <p:nvGrpSpPr>
+        <p:cNvPr id="1" name=""/>
+        <p:cNvGrpSpPr/>
+        <p:nvPr/>
+      </p:nvGrpSpPr>
+      <p:grpSpPr>
+        <a:xfrm>
+          <a:off x="0" y="0"/>
+          <a:ext cx="0" cy="0"/>
+          <a:chOff x="0" y="0"/>
+          <a:chExt cx="0" cy="0"/>
+        </a:xfrm>
+      </p:grpSpPr>
+      <p:sp>
+        <p:nvSpPr>
+          <p:cNvPr id="2" name="Tijdelijke aanduiding voor dia-afbeelding 1"/>
+          <p:cNvSpPr>
+            <a:spLocks noGrp="1" noRot="1" noChangeAspect="1"/>
+          </p:cNvSpPr>
+          <p:nvPr>
+            <p:ph type="sldImg"/>
+          </p:nvPr>
+        </p:nvSpPr>
+        <p:spPr/>
+      </p:sp>
+      <p:sp>
+        <p:nvSpPr>
+          <p:cNvPr id="3" name="Tijdelijke aanduiding voor notities 2"/>
+          <p:cNvSpPr>
+            <a:spLocks noGrp="1"/>
+          </p:cNvSpPr>
+          <p:nvPr>
+            <p:ph type="body" idx="1"/>
+          </p:nvPr>
+        </p:nvSpPr>
+        <p:spPr/>
+        <p:txBody>
+          <a:bodyPr/>
+          <a:lstStyle/>
+          <a:p>
+            <a:r>
+              <a:rPr lang="fr-BE" dirty="0" err="1" smtClean="0"/>
+              <a:t>Eerste</a:t>
+            </a:r>
+            <a:r>
+              <a:rPr lang="fr-BE" dirty="0" smtClean="0"/>
+              <a:t> </a:t>
+            </a:r>
+            <a:r>
+              <a:rPr lang="fr-BE" dirty="0" err="1" smtClean="0"/>
+              <a:t>vraag</a:t>
+            </a:r>
+            <a:r>
+              <a:rPr lang="fr-BE" dirty="0" smtClean="0"/>
+              <a:t> </a:t>
+            </a:r>
+            <a:r>
+              <a:rPr lang="fr-BE" dirty="0" err="1" smtClean="0"/>
+              <a:t>beantwoorden</a:t>
+            </a:r>
+            <a:r>
+              <a:rPr lang="fr-BE" dirty="0" smtClean="0"/>
+              <a:t>:</a:t>
+            </a:r>
+            <a:r>
+              <a:rPr lang="fr-BE" baseline="0" dirty="0" smtClean="0"/>
+              <a:t> </a:t>
+            </a:r>
+            <a:r>
+              <a:rPr lang="fr-BE" baseline="0" dirty="0" err="1" smtClean="0"/>
+              <a:t>overbodig</a:t>
+            </a:r>
+            <a:r>
+              <a:rPr lang="fr-BE" baseline="0" dirty="0" smtClean="0"/>
+              <a:t>?</a:t>
+            </a:r>
+            <a:endParaRPr lang="fr-BE" dirty="0"/>
+          </a:p>
+        </p:txBody>
+      </p:sp>
+      <p:sp>
+        <p:nvSpPr>
+          <p:cNvPr id="4" name="Tijdelijke aanduiding voor dianummer 3"/>
+          <p:cNvSpPr>
+            <a:spLocks noGrp="1"/>
+          </p:cNvSpPr>
+          <p:nvPr>
+            <p:ph type="sldNum" sz="quarter" idx="10"/>
+          </p:nvPr>
+        </p:nvSpPr>
+        <p:spPr/>
+        <p:txBody>
+          <a:bodyPr/>
+          <a:lstStyle/>
+          <a:p>
+            <a:fld id="{517C3009-342E-40C4-85EF-689C6BCE3B29}" type="slidenum">
+              <a:rPr lang="en-US" smtClean="0"/>
+              <a:t>46</a:t>
+            </a:fld>
+            <a:endParaRPr lang="en-US"/>
+          </a:p>
+        </p:txBody>
+      </p:sp>
+    </p:spTree>
+    <p:extLst>
+      <p:ext uri="{BB962C8B-B14F-4D97-AF65-F5344CB8AC3E}">
+        <p14:creationId xmlns:p14="http://schemas.microsoft.com/office/powerpoint/2010/main" val="1284766593"/>
+      </p:ext>
+    </p:extLst>
+  </p:cSld>
+  <p:clrMapOvr>
+    <a:masterClrMapping/>
+  </p:clrMapOvr>
+</p:notes>
+</file>
+
+<file path=ppt/notesSlides/notesSlide29.xml><?xml version="1.0" encoding="utf-8"?>
+<p:notes xmlns:a="http://schemas.openxmlformats.org/drawingml/2006/main" xmlns:r="http://schemas.openxmlformats.org/officeDocument/2006/relationships" xmlns:p="http://schemas.openxmlformats.org/presentationml/2006/main">
+  <p:cSld>
+    <p:spTree>
+      <p:nvGrpSpPr>
+        <p:cNvPr id="1" name=""/>
+        <p:cNvGrpSpPr/>
+        <p:nvPr/>
+      </p:nvGrpSpPr>
+      <p:grpSpPr>
+        <a:xfrm>
+          <a:off x="0" y="0"/>
+          <a:ext cx="0" cy="0"/>
+          <a:chOff x="0" y="0"/>
+          <a:chExt cx="0" cy="0"/>
+        </a:xfrm>
+      </p:grpSpPr>
+      <p:sp>
+        <p:nvSpPr>
+          <p:cNvPr id="2" name="Tijdelijke aanduiding voor dia-afbeelding 1"/>
+          <p:cNvSpPr>
+            <a:spLocks noGrp="1" noRot="1" noChangeAspect="1"/>
+          </p:cNvSpPr>
+          <p:nvPr>
+            <p:ph type="sldImg"/>
+          </p:nvPr>
+        </p:nvSpPr>
+        <p:spPr/>
+      </p:sp>
+      <p:sp>
+        <p:nvSpPr>
+          <p:cNvPr id="3" name="Tijdelijke aanduiding voor notities 2"/>
+          <p:cNvSpPr>
+            <a:spLocks noGrp="1"/>
+          </p:cNvSpPr>
+          <p:nvPr>
+            <p:ph type="body" idx="1"/>
+          </p:nvPr>
+        </p:nvSpPr>
+        <p:spPr/>
+        <p:txBody>
+          <a:bodyPr/>
+          <a:lstStyle/>
+          <a:p>
+            <a:endParaRPr lang="fr-BE"/>
+          </a:p>
+        </p:txBody>
+      </p:sp>
+      <p:sp>
+        <p:nvSpPr>
+          <p:cNvPr id="4" name="Tijdelijke aanduiding voor dianummer 3"/>
+          <p:cNvSpPr>
+            <a:spLocks noGrp="1"/>
+          </p:cNvSpPr>
+          <p:nvPr>
+            <p:ph type="sldNum" sz="quarter" idx="10"/>
+          </p:nvPr>
+        </p:nvSpPr>
+        <p:spPr/>
+        <p:txBody>
+          <a:bodyPr/>
+          <a:lstStyle/>
+          <a:p>
+            <a:fld id="{517C3009-342E-40C4-85EF-689C6BCE3B29}" type="slidenum">
+              <a:rPr lang="en-US" smtClean="0"/>
+              <a:t>49</a:t>
+            </a:fld>
+            <a:endParaRPr lang="en-US"/>
+          </a:p>
+        </p:txBody>
+      </p:sp>
+    </p:spTree>
+    <p:extLst>
+      <p:ext uri="{BB962C8B-B14F-4D97-AF65-F5344CB8AC3E}">
+        <p14:creationId xmlns:p14="http://schemas.microsoft.com/office/powerpoint/2010/main" val="2277481204"/>
+      </p:ext>
+    </p:extLst>
+  </p:cSld>
+  <p:clrMapOvr>
+    <a:masterClrMapping/>
+  </p:clrMapOvr>
+</p:notes>
+</file>
+
 <file path=ppt/notesSlides/notesSlide3.xml><?xml version="1.0" encoding="utf-8"?>
 <p:notes xmlns:a="http://schemas.openxmlformats.org/drawingml/2006/main" xmlns:r="http://schemas.openxmlformats.org/officeDocument/2006/relationships" xmlns:p="http://schemas.openxmlformats.org/presentationml/2006/main">
   <p:cSld>
@@ -4180,6 +8009,150 @@
     <p:extLst>
       <p:ext uri="{BB962C8B-B14F-4D97-AF65-F5344CB8AC3E}">
         <p14:creationId xmlns:p14="http://schemas.microsoft.com/office/powerpoint/2010/main" val="2703508342"/>
+      </p:ext>
+    </p:extLst>
+  </p:cSld>
+  <p:clrMapOvr>
+    <a:masterClrMapping/>
+  </p:clrMapOvr>
+</p:notes>
+</file>
+
+<file path=ppt/notesSlides/notesSlide30.xml><?xml version="1.0" encoding="utf-8"?>
+<p:notes xmlns:a="http://schemas.openxmlformats.org/drawingml/2006/main" xmlns:r="http://schemas.openxmlformats.org/officeDocument/2006/relationships" xmlns:p="http://schemas.openxmlformats.org/presentationml/2006/main">
+  <p:cSld>
+    <p:spTree>
+      <p:nvGrpSpPr>
+        <p:cNvPr id="1" name=""/>
+        <p:cNvGrpSpPr/>
+        <p:nvPr/>
+      </p:nvGrpSpPr>
+      <p:grpSpPr>
+        <a:xfrm>
+          <a:off x="0" y="0"/>
+          <a:ext cx="0" cy="0"/>
+          <a:chOff x="0" y="0"/>
+          <a:chExt cx="0" cy="0"/>
+        </a:xfrm>
+      </p:grpSpPr>
+      <p:sp>
+        <p:nvSpPr>
+          <p:cNvPr id="2" name="Tijdelijke aanduiding voor dia-afbeelding 1"/>
+          <p:cNvSpPr>
+            <a:spLocks noGrp="1" noRot="1" noChangeAspect="1"/>
+          </p:cNvSpPr>
+          <p:nvPr>
+            <p:ph type="sldImg"/>
+          </p:nvPr>
+        </p:nvSpPr>
+        <p:spPr/>
+      </p:sp>
+      <p:sp>
+        <p:nvSpPr>
+          <p:cNvPr id="3" name="Tijdelijke aanduiding voor notities 2"/>
+          <p:cNvSpPr>
+            <a:spLocks noGrp="1"/>
+          </p:cNvSpPr>
+          <p:nvPr>
+            <p:ph type="body" idx="1"/>
+          </p:nvPr>
+        </p:nvSpPr>
+        <p:spPr/>
+        <p:txBody>
+          <a:bodyPr/>
+          <a:lstStyle/>
+          <a:p>
+            <a:r>
+              <a:rPr lang="fr-BE" dirty="0" err="1" smtClean="0"/>
+              <a:t>Andere</a:t>
+            </a:r>
+            <a:r>
+              <a:rPr lang="fr-BE" baseline="0" dirty="0" smtClean="0"/>
+              <a:t> </a:t>
+            </a:r>
+            <a:r>
+              <a:rPr lang="fr-BE" baseline="0" dirty="0" err="1" smtClean="0"/>
+              <a:t>aanroeping</a:t>
+            </a:r>
+            <a:r>
+              <a:rPr lang="fr-BE" baseline="0" dirty="0" smtClean="0"/>
+              <a:t>: via </a:t>
+            </a:r>
+            <a:r>
+              <a:rPr lang="fr-BE" baseline="0" dirty="0" err="1" smtClean="0"/>
+              <a:t>remote</a:t>
+            </a:r>
+            <a:r>
+              <a:rPr lang="fr-BE" baseline="0" dirty="0" smtClean="0"/>
+              <a:t> server script </a:t>
+            </a:r>
+            <a:r>
+              <a:rPr lang="fr-BE" baseline="0" dirty="0" err="1" smtClean="0"/>
+              <a:t>aanroepen</a:t>
+            </a:r>
+            <a:r>
+              <a:rPr lang="fr-BE" baseline="0" dirty="0" smtClean="0"/>
+              <a:t> en </a:t>
+            </a:r>
+            <a:r>
+              <a:rPr lang="fr-BE" baseline="0" dirty="0" err="1" smtClean="0"/>
+              <a:t>uitvoeren</a:t>
+            </a:r>
+            <a:r>
+              <a:rPr lang="fr-BE" baseline="0" dirty="0" smtClean="0"/>
+              <a:t> </a:t>
+            </a:r>
+            <a:r>
+              <a:rPr lang="fr-BE" baseline="0" dirty="0" err="1" smtClean="0"/>
+              <a:t>ipv</a:t>
+            </a:r>
+            <a:r>
+              <a:rPr lang="fr-BE" baseline="0" dirty="0" smtClean="0"/>
+              <a:t> </a:t>
+            </a:r>
+            <a:r>
+              <a:rPr lang="fr-BE" baseline="0" dirty="0" err="1" smtClean="0"/>
+              <a:t>als</a:t>
+            </a:r>
+            <a:r>
+              <a:rPr lang="fr-BE" baseline="0" dirty="0" smtClean="0"/>
+              <a:t> </a:t>
+            </a:r>
+            <a:r>
+              <a:rPr lang="fr-BE" baseline="0" dirty="0" err="1" smtClean="0"/>
+              <a:t>localhost</a:t>
+            </a:r>
+            <a:endParaRPr lang="fr-BE" dirty="0"/>
+          </a:p>
+        </p:txBody>
+      </p:sp>
+      <p:sp>
+        <p:nvSpPr>
+          <p:cNvPr id="4" name="Tijdelijke aanduiding voor dianummer 3"/>
+          <p:cNvSpPr>
+            <a:spLocks noGrp="1"/>
+          </p:cNvSpPr>
+          <p:nvPr>
+            <p:ph type="sldNum" sz="quarter" idx="10"/>
+          </p:nvPr>
+        </p:nvSpPr>
+        <p:spPr/>
+        <p:txBody>
+          <a:bodyPr/>
+          <a:lstStyle/>
+          <a:p>
+            <a:fld id="{517C3009-342E-40C4-85EF-689C6BCE3B29}" type="slidenum">
+              <a:rPr lang="en-US" smtClean="0"/>
+              <a:t>50</a:t>
+            </a:fld>
+            <a:endParaRPr lang="en-US"/>
+          </a:p>
+        </p:txBody>
+      </p:sp>
+    </p:spTree>
+    <p:extLst>
+      <p:ext uri="{BB962C8B-B14F-4D97-AF65-F5344CB8AC3E}">
+        <p14:creationId xmlns:p14="http://schemas.microsoft.com/office/powerpoint/2010/main" val="1295920544"/>
       </p:ext>
     </p:extLst>
   </p:cSld>
@@ -14770,7 +18743,7 @@
           <p:cNvPr id="2" name="Titel 1">
             <a:extLst>
               <a:ext uri="{FF2B5EF4-FFF2-40B4-BE49-F238E27FC236}">
-                <a16:creationId xmlns="" xmlns:a16="http://schemas.microsoft.com/office/drawing/2014/main" id="{D481FFFA-1DAA-44E6-BCC1-99C33983AA75}"/>
+                <a16:creationId xmlns:a16="http://schemas.microsoft.com/office/drawing/2014/main" xmlns="" id="{D481FFFA-1DAA-44E6-BCC1-99C33983AA75}"/>
               </a:ext>
             </a:extLst>
           </p:cNvPr>
@@ -14833,7 +18806,7 @@
           <p:cNvPr id="3" name="Ondertitel 2">
             <a:extLst>
               <a:ext uri="{FF2B5EF4-FFF2-40B4-BE49-F238E27FC236}">
-                <a16:creationId xmlns="" xmlns:a16="http://schemas.microsoft.com/office/drawing/2014/main" id="{031F8334-AAF5-4007-9933-F5257E49CC91}"/>
+                <a16:creationId xmlns:a16="http://schemas.microsoft.com/office/drawing/2014/main" xmlns="" id="{031F8334-AAF5-4007-9933-F5257E49CC91}"/>
               </a:ext>
             </a:extLst>
           </p:cNvPr>
@@ -15040,10 +19013,14 @@
           <a:lstStyle/>
           <a:p>
             <a:r>
-              <a:rPr lang="en-US" smtClean="0"/>
-              <a:t>Stand Van Zaken</a:t>
-            </a:r>
-            <a:endParaRPr lang="en-US"/>
+              <a:rPr lang="en-US" dirty="0" smtClean="0"/>
+              <a:t>Stand Van </a:t>
+            </a:r>
+            <a:r>
+              <a:rPr lang="en-US" dirty="0" err="1" smtClean="0"/>
+              <a:t>Zaken</a:t>
+            </a:r>
+            <a:endParaRPr lang="en-US" dirty="0"/>
           </a:p>
         </p:txBody>
       </p:sp>
@@ -15057,6 +19034,13 @@
   <p:clrMapOvr>
     <a:masterClrMapping/>
   </p:clrMapOvr>
+  <p:timing>
+    <p:tnLst>
+      <p:par>
+        <p:cTn id="1" dur="indefinite" restart="never" nodeType="tmRoot"/>
+      </p:par>
+    </p:tnLst>
+  </p:timing>
 </p:sld>
 </file>
 
@@ -15231,6 +19215,13 @@
   <p:clrMapOvr>
     <a:masterClrMapping/>
   </p:clrMapOvr>
+  <p:timing>
+    <p:tnLst>
+      <p:par>
+        <p:cTn id="1" dur="indefinite" restart="never" nodeType="tmRoot"/>
+      </p:par>
+    </p:tnLst>
+  </p:timing>
 </p:sld>
 </file>
 
@@ -15444,6 +19435,13 @@
   <p:clrMapOvr>
     <a:masterClrMapping/>
   </p:clrMapOvr>
+  <p:timing>
+    <p:tnLst>
+      <p:par>
+        <p:cTn id="1" dur="indefinite" restart="never" nodeType="tmRoot"/>
+      </p:par>
+    </p:tnLst>
+  </p:timing>
 </p:sld>
 </file>
 
@@ -15601,6 +19599,13 @@
   <p:clrMapOvr>
     <a:masterClrMapping/>
   </p:clrMapOvr>
+  <p:timing>
+    <p:tnLst>
+      <p:par>
+        <p:cTn id="1" dur="indefinite" restart="never" nodeType="tmRoot"/>
+      </p:par>
+    </p:tnLst>
+  </p:timing>
 </p:sld>
 </file>
 
@@ -15826,6 +19831,13 @@
   <p:clrMapOvr>
     <a:masterClrMapping/>
   </p:clrMapOvr>
+  <p:timing>
+    <p:tnLst>
+      <p:par>
+        <p:cTn id="1" dur="indefinite" restart="never" nodeType="tmRoot"/>
+      </p:par>
+    </p:tnLst>
+  </p:timing>
 </p:sld>
 </file>
 
@@ -15977,7 +19989,7 @@
           <p:nvPr/>
         </p:nvPicPr>
         <p:blipFill>
-          <a:blip r:embed="rId2">
+          <a:blip r:embed="rId3">
             <a:extLst>
               <a:ext uri="{28A0092B-C50C-407E-A947-70E740481C1C}">
                 <a14:useLocalDpi xmlns:a14="http://schemas.microsoft.com/office/drawing/2010/main" val="0"/>
@@ -16007,7 +20019,7 @@
           <p:nvPr/>
         </p:nvPicPr>
         <p:blipFill>
-          <a:blip r:embed="rId3">
+          <a:blip r:embed="rId4">
             <a:extLst>
               <a:ext uri="{28A0092B-C50C-407E-A947-70E740481C1C}">
                 <a14:useLocalDpi xmlns:a14="http://schemas.microsoft.com/office/drawing/2010/main" val="0"/>
@@ -16180,6 +20192,29 @@
           </a:p>
         </p:txBody>
       </p:sp>
+      <p:sp>
+        <p:nvSpPr>
+          <p:cNvPr id="2" name="Tijdelijke aanduiding voor voettekst 1"/>
+          <p:cNvSpPr>
+            <a:spLocks noGrp="1"/>
+          </p:cNvSpPr>
+          <p:nvPr>
+            <p:ph type="ftr" sz="quarter" idx="11"/>
+          </p:nvPr>
+        </p:nvSpPr>
+        <p:spPr/>
+        <p:txBody>
+          <a:bodyPr/>
+          <a:lstStyle/>
+          <a:p>
+            <a:r>
+              <a:rPr lang="en-US" smtClean="0"/>
+              <a:t>Stand Van Zaken</a:t>
+            </a:r>
+            <a:endParaRPr lang="en-US"/>
+          </a:p>
+        </p:txBody>
+      </p:sp>
     </p:spTree>
     <p:extLst>
       <p:ext uri="{BB962C8B-B14F-4D97-AF65-F5344CB8AC3E}">
@@ -16190,6 +20225,13 @@
   <p:clrMapOvr>
     <a:masterClrMapping/>
   </p:clrMapOvr>
+  <p:timing>
+    <p:tnLst>
+      <p:par>
+        <p:cTn id="1" dur="indefinite" restart="never" nodeType="tmRoot"/>
+      </p:par>
+    </p:tnLst>
+  </p:timing>
 </p:sld>
 </file>
 
@@ -16402,6 +20444,29 @@
           </a:p>
         </p:txBody>
       </p:sp>
+      <p:sp>
+        <p:nvSpPr>
+          <p:cNvPr id="2" name="Tijdelijke aanduiding voor voettekst 1"/>
+          <p:cNvSpPr>
+            <a:spLocks noGrp="1"/>
+          </p:cNvSpPr>
+          <p:nvPr>
+            <p:ph type="ftr" sz="quarter" idx="11"/>
+          </p:nvPr>
+        </p:nvSpPr>
+        <p:spPr/>
+        <p:txBody>
+          <a:bodyPr/>
+          <a:lstStyle/>
+          <a:p>
+            <a:r>
+              <a:rPr lang="en-US" smtClean="0"/>
+              <a:t>Stand Van Zaken</a:t>
+            </a:r>
+            <a:endParaRPr lang="en-US"/>
+          </a:p>
+        </p:txBody>
+      </p:sp>
     </p:spTree>
     <p:extLst>
       <p:ext uri="{BB962C8B-B14F-4D97-AF65-F5344CB8AC3E}">
@@ -16412,6 +20477,13 @@
   <p:clrMapOvr>
     <a:masterClrMapping/>
   </p:clrMapOvr>
+  <p:timing>
+    <p:tnLst>
+      <p:par>
+        <p:cTn id="1" dur="indefinite" restart="never" nodeType="tmRoot"/>
+      </p:par>
+    </p:tnLst>
+  </p:timing>
 </p:sld>
 </file>
 
@@ -16660,6 +20732,29 @@
           </a:p>
         </p:txBody>
       </p:sp>
+      <p:sp>
+        <p:nvSpPr>
+          <p:cNvPr id="5" name="Tijdelijke aanduiding voor voettekst 4"/>
+          <p:cNvSpPr>
+            <a:spLocks noGrp="1"/>
+          </p:cNvSpPr>
+          <p:nvPr>
+            <p:ph type="ftr" sz="quarter" idx="11"/>
+          </p:nvPr>
+        </p:nvSpPr>
+        <p:spPr/>
+        <p:txBody>
+          <a:bodyPr/>
+          <a:lstStyle/>
+          <a:p>
+            <a:r>
+              <a:rPr lang="en-US" smtClean="0"/>
+              <a:t>Stand Van Zaken</a:t>
+            </a:r>
+            <a:endParaRPr lang="en-US"/>
+          </a:p>
+        </p:txBody>
+      </p:sp>
     </p:spTree>
     <p:extLst>
       <p:ext uri="{BB962C8B-B14F-4D97-AF65-F5344CB8AC3E}">
@@ -16670,6 +20765,13 @@
   <p:clrMapOvr>
     <a:masterClrMapping/>
   </p:clrMapOvr>
+  <p:timing>
+    <p:tnLst>
+      <p:par>
+        <p:cTn id="1" dur="indefinite" restart="never" nodeType="tmRoot"/>
+      </p:par>
+    </p:tnLst>
+  </p:timing>
 </p:sld>
 </file>
 
@@ -16780,7 +20882,7 @@
           <a:p>
             <a:r>
               <a:rPr lang="en-US" smtClean="0"/>
-              <a:t>Achtergrond</a:t>
+              <a:t>Experimenten</a:t>
             </a:r>
             <a:endParaRPr lang="en-US"/>
           </a:p>
@@ -17111,7 +21213,7 @@
           <a:p>
             <a:r>
               <a:rPr lang="en-US" smtClean="0"/>
-              <a:t>Achtergrond</a:t>
+              <a:t>Experimenten</a:t>
             </a:r>
             <a:endParaRPr lang="en-US"/>
           </a:p>
@@ -17223,8 +21325,21 @@
           <a:p>
             <a:r>
               <a:rPr lang="nl-BE" dirty="0" smtClean="0"/>
-              <a:t>3 Omgevingen</a:t>
-            </a:r>
+              <a:t>3 </a:t>
+            </a:r>
+            <a:r>
+              <a:rPr lang="nl-BE" dirty="0" smtClean="0"/>
+              <a:t>Omgevingen Op </a:t>
+            </a:r>
+            <a:r>
+              <a:rPr lang="nl-BE" dirty="0" err="1" smtClean="0"/>
+              <a:t>Hetzner</a:t>
+            </a:r>
+            <a:r>
+              <a:rPr lang="nl-BE" dirty="0" smtClean="0"/>
+              <a:t> Cloud</a:t>
+            </a:r>
+            <a:endParaRPr lang="nl-BE" dirty="0" smtClean="0"/>
           </a:p>
           <a:p>
             <a:pPr lvl="1"/>
@@ -17416,6 +21531,29 @@
               <a:rPr lang="en-US" smtClean="0"/>
               <a:t>21</a:t>
             </a:fld>
+            <a:endParaRPr lang="en-US"/>
+          </a:p>
+        </p:txBody>
+      </p:sp>
+      <p:sp>
+        <p:nvSpPr>
+          <p:cNvPr id="8" name="Tijdelijke aanduiding voor voettekst 7"/>
+          <p:cNvSpPr>
+            <a:spLocks noGrp="1"/>
+          </p:cNvSpPr>
+          <p:nvPr>
+            <p:ph type="ftr" sz="quarter" idx="11"/>
+          </p:nvPr>
+        </p:nvSpPr>
+        <p:spPr/>
+        <p:txBody>
+          <a:bodyPr/>
+          <a:lstStyle/>
+          <a:p>
+            <a:r>
+              <a:rPr lang="en-US" smtClean="0"/>
+              <a:t>Experimenten</a:t>
+            </a:r>
             <a:endParaRPr lang="en-US"/>
           </a:p>
         </p:txBody>
@@ -17430,6 +21568,13 @@
   <p:clrMapOvr>
     <a:masterClrMapping/>
   </p:clrMapOvr>
+  <p:timing>
+    <p:tnLst>
+      <p:par>
+        <p:cTn id="1" dur="indefinite" restart="never" nodeType="tmRoot"/>
+      </p:par>
+    </p:tnLst>
+  </p:timing>
 </p:sld>
 </file>
 
@@ -17523,6 +21668,29 @@
           </a:p>
         </p:txBody>
       </p:sp>
+      <p:sp>
+        <p:nvSpPr>
+          <p:cNvPr id="2" name="Tijdelijke aanduiding voor voettekst 1"/>
+          <p:cNvSpPr>
+            <a:spLocks noGrp="1"/>
+          </p:cNvSpPr>
+          <p:nvPr>
+            <p:ph type="ftr" sz="quarter" idx="11"/>
+          </p:nvPr>
+        </p:nvSpPr>
+        <p:spPr/>
+        <p:txBody>
+          <a:bodyPr/>
+          <a:lstStyle/>
+          <a:p>
+            <a:r>
+              <a:rPr lang="en-US" smtClean="0"/>
+              <a:t>Experimenten</a:t>
+            </a:r>
+            <a:endParaRPr lang="en-US"/>
+          </a:p>
+        </p:txBody>
+      </p:sp>
     </p:spTree>
     <p:extLst>
       <p:ext uri="{BB962C8B-B14F-4D97-AF65-F5344CB8AC3E}">
@@ -17533,6 +21701,13 @@
   <p:clrMapOvr>
     <a:masterClrMapping/>
   </p:clrMapOvr>
+  <p:timing>
+    <p:tnLst>
+      <p:par>
+        <p:cTn id="1" dur="indefinite" restart="never" nodeType="tmRoot"/>
+      </p:par>
+    </p:tnLst>
+  </p:timing>
 </p:sld>
 </file>
 
@@ -17651,7 +21826,7 @@
             </a:r>
             <a:r>
               <a:rPr lang="fr-BE" sz="1800" dirty="0" err="1" smtClean="0"/>
-              <a:t>updaten</a:t>
+              <a:t>upgraden</a:t>
             </a:r>
             <a:endParaRPr lang="fr-BE" sz="1800" dirty="0" smtClean="0"/>
           </a:p>
@@ -18491,7 +22666,7 @@
           <p:nvPr/>
         </p:nvPicPr>
         <p:blipFill>
-          <a:blip r:embed="rId2">
+          <a:blip r:embed="rId3">
             <a:extLst>
               <a:ext uri="{28A0092B-C50C-407E-A947-70E740481C1C}">
                 <a14:useLocalDpi xmlns:a14="http://schemas.microsoft.com/office/drawing/2010/main" val="0"/>
@@ -18680,6 +22855,29 @@
           </a:p>
         </p:txBody>
       </p:sp>
+      <p:sp>
+        <p:nvSpPr>
+          <p:cNvPr id="2" name="Tijdelijke aanduiding voor voettekst 1"/>
+          <p:cNvSpPr>
+            <a:spLocks noGrp="1"/>
+          </p:cNvSpPr>
+          <p:nvPr>
+            <p:ph type="ftr" sz="quarter" idx="11"/>
+          </p:nvPr>
+        </p:nvSpPr>
+        <p:spPr/>
+        <p:txBody>
+          <a:bodyPr/>
+          <a:lstStyle/>
+          <a:p>
+            <a:r>
+              <a:rPr lang="en-US" smtClean="0"/>
+              <a:t>Experimenten</a:t>
+            </a:r>
+            <a:endParaRPr lang="en-US"/>
+          </a:p>
+        </p:txBody>
+      </p:sp>
     </p:spTree>
     <p:extLst>
       <p:ext uri="{BB962C8B-B14F-4D97-AF65-F5344CB8AC3E}">
@@ -18690,6 +22888,13 @@
   <p:clrMapOvr>
     <a:masterClrMapping/>
   </p:clrMapOvr>
+  <p:timing>
+    <p:tnLst>
+      <p:par>
+        <p:cTn id="1" dur="indefinite" restart="never" nodeType="tmRoot"/>
+      </p:par>
+    </p:tnLst>
+  </p:timing>
 </p:sld>
 </file>
 
@@ -18735,7 +22940,15 @@
             </a:r>
             <a:r>
               <a:rPr lang="fr-BE" dirty="0" err="1" smtClean="0"/>
-              <a:t>Resultaat</a:t>
+              <a:t>Ansible</a:t>
+            </a:r>
+            <a:r>
+              <a:rPr lang="fr-BE" dirty="0" smtClean="0"/>
+              <a:t> &amp; cloud-</a:t>
+            </a:r>
+            <a:r>
+              <a:rPr lang="fr-BE" dirty="0" err="1" smtClean="0"/>
+              <a:t>init</a:t>
             </a:r>
             <a:endParaRPr lang="fr-BE" dirty="0"/>
           </a:p>
@@ -18818,6 +23031,29 @@
               <a:rPr lang="en-US" smtClean="0"/>
               <a:t>24</a:t>
             </a:fld>
+            <a:endParaRPr lang="en-US"/>
+          </a:p>
+        </p:txBody>
+      </p:sp>
+      <p:sp>
+        <p:nvSpPr>
+          <p:cNvPr id="2" name="Tijdelijke aanduiding voor voettekst 1"/>
+          <p:cNvSpPr>
+            <a:spLocks noGrp="1"/>
+          </p:cNvSpPr>
+          <p:nvPr>
+            <p:ph type="ftr" sz="quarter" idx="11"/>
+          </p:nvPr>
+        </p:nvSpPr>
+        <p:spPr/>
+        <p:txBody>
+          <a:bodyPr/>
+          <a:lstStyle/>
+          <a:p>
+            <a:r>
+              <a:rPr lang="en-US" smtClean="0"/>
+              <a:t>Experimenten</a:t>
+            </a:r>
             <a:endParaRPr lang="en-US"/>
           </a:p>
         </p:txBody>
@@ -18832,6 +23068,13 @@
   <p:clrMapOvr>
     <a:masterClrMapping/>
   </p:clrMapOvr>
+  <p:timing>
+    <p:tnLst>
+      <p:par>
+        <p:cTn id="1" dur="indefinite" restart="never" nodeType="tmRoot"/>
+      </p:par>
+    </p:tnLst>
+  </p:timing>
 </p:sld>
 </file>
 
@@ -18876,8 +23119,12 @@
               <a:t>: </a:t>
             </a:r>
             <a:r>
+              <a:rPr lang="fr-BE" dirty="0" smtClean="0"/>
+              <a:t>Cloud-</a:t>
+            </a:r>
+            <a:r>
               <a:rPr lang="fr-BE" dirty="0" err="1" smtClean="0"/>
-              <a:t>Resultaat</a:t>
+              <a:t>init</a:t>
             </a:r>
             <a:endParaRPr lang="fr-BE" dirty="0"/>
           </a:p>
@@ -18895,7 +23142,7 @@
         </p:nvSpPr>
         <p:spPr>
           <a:xfrm>
-            <a:off x="1103312" y="1645414"/>
+            <a:off x="1104293" y="1353651"/>
             <a:ext cx="8946541" cy="4195481"/>
           </a:xfrm>
         </p:spPr>
@@ -18945,8 +23192,36 @@
             </a:r>
             <a:r>
               <a:rPr lang="fr-BE" dirty="0" smtClean="0"/>
-              <a:t> script</a:t>
-            </a:r>
+              <a:t> </a:t>
+            </a:r>
+            <a:r>
+              <a:rPr lang="fr-BE" dirty="0" smtClean="0"/>
+              <a:t>script</a:t>
+            </a:r>
+          </a:p>
+          <a:p>
+            <a:pPr lvl="1"/>
+            <a:r>
+              <a:rPr lang="fr-BE" dirty="0" err="1" smtClean="0"/>
+              <a:t>Geen</a:t>
+            </a:r>
+            <a:r>
+              <a:rPr lang="fr-BE" dirty="0" smtClean="0"/>
+              <a:t> module </a:t>
+            </a:r>
+            <a:r>
+              <a:rPr lang="fr-BE" dirty="0" err="1" smtClean="0"/>
+              <a:t>aanmaken</a:t>
+            </a:r>
+            <a:r>
+              <a:rPr lang="fr-BE" dirty="0" smtClean="0"/>
+              <a:t> </a:t>
+            </a:r>
+            <a:r>
+              <a:rPr lang="fr-BE" dirty="0" err="1" smtClean="0"/>
+              <a:t>map</a:t>
+            </a:r>
+            <a:endParaRPr lang="fr-BE" dirty="0" smtClean="0"/>
           </a:p>
         </p:txBody>
       </p:sp>
@@ -18982,7 +23257,7 @@
           <p:nvPr/>
         </p:nvPicPr>
         <p:blipFill>
-          <a:blip r:embed="rId2">
+          <a:blip r:embed="rId3">
             <a:extLst>
               <a:ext uri="{28A0092B-C50C-407E-A947-70E740481C1C}">
                 <a14:useLocalDpi xmlns:a14="http://schemas.microsoft.com/office/drawing/2010/main" val="0"/>
@@ -19012,7 +23287,7 @@
           <p:nvPr/>
         </p:nvPicPr>
         <p:blipFill rotWithShape="1">
-          <a:blip r:embed="rId3">
+          <a:blip r:embed="rId4">
             <a:extLst>
               <a:ext uri="{28A0092B-C50C-407E-A947-70E740481C1C}">
                 <a14:useLocalDpi xmlns:a14="http://schemas.microsoft.com/office/drawing/2010/main" val="0"/>
@@ -19041,7 +23316,7 @@
           <p:nvPr/>
         </p:nvPicPr>
         <p:blipFill rotWithShape="1">
-          <a:blip r:embed="rId3">
+          <a:blip r:embed="rId4">
             <a:extLst>
               <a:ext uri="{28A0092B-C50C-407E-A947-70E740481C1C}">
                 <a14:useLocalDpi xmlns:a14="http://schemas.microsoft.com/office/drawing/2010/main" val="0"/>
@@ -19061,6 +23336,29 @@
           </a:prstGeom>
         </p:spPr>
       </p:pic>
+      <p:sp>
+        <p:nvSpPr>
+          <p:cNvPr id="4" name="Tijdelijke aanduiding voor voettekst 3"/>
+          <p:cNvSpPr>
+            <a:spLocks noGrp="1"/>
+          </p:cNvSpPr>
+          <p:nvPr>
+            <p:ph type="ftr" sz="quarter" idx="11"/>
+          </p:nvPr>
+        </p:nvSpPr>
+        <p:spPr/>
+        <p:txBody>
+          <a:bodyPr/>
+          <a:lstStyle/>
+          <a:p>
+            <a:r>
+              <a:rPr lang="en-US" smtClean="0"/>
+              <a:t>Experimenten</a:t>
+            </a:r>
+            <a:endParaRPr lang="en-US"/>
+          </a:p>
+        </p:txBody>
+      </p:sp>
     </p:spTree>
     <p:extLst>
       <p:ext uri="{BB962C8B-B14F-4D97-AF65-F5344CB8AC3E}">
@@ -19071,6 +23369,13 @@
   <p:clrMapOvr>
     <a:masterClrMapping/>
   </p:clrMapOvr>
+  <p:timing>
+    <p:tnLst>
+      <p:par>
+        <p:cTn id="1" dur="indefinite" restart="never" nodeType="tmRoot"/>
+      </p:par>
+    </p:tnLst>
+  </p:timing>
 </p:sld>
 </file>
 
@@ -19116,7 +23421,7 @@
             </a:r>
             <a:r>
               <a:rPr lang="fr-BE" dirty="0" err="1" smtClean="0"/>
-              <a:t>Resultaat</a:t>
+              <a:t>Ansible</a:t>
             </a:r>
             <a:endParaRPr lang="fr-BE" dirty="0"/>
           </a:p>
@@ -19174,7 +23479,7 @@
         </p:xfrm>
         <a:graphic>
           <a:graphicData uri="http://schemas.openxmlformats.org/drawingml/2006/chart">
-            <c:chart xmlns:c="http://schemas.openxmlformats.org/drawingml/2006/chart" xmlns:r="http://schemas.openxmlformats.org/officeDocument/2006/relationships" r:id="rId2"/>
+            <c:chart xmlns:c="http://schemas.openxmlformats.org/drawingml/2006/chart" xmlns:r="http://schemas.openxmlformats.org/officeDocument/2006/relationships" r:id="rId3"/>
           </a:graphicData>
         </a:graphic>
       </p:graphicFrame>
@@ -19197,6 +23502,29 @@
               <a:rPr lang="en-US" smtClean="0"/>
               <a:t>26</a:t>
             </a:fld>
+            <a:endParaRPr lang="en-US"/>
+          </a:p>
+        </p:txBody>
+      </p:sp>
+      <p:sp>
+        <p:nvSpPr>
+          <p:cNvPr id="2" name="Tijdelijke aanduiding voor voettekst 1"/>
+          <p:cNvSpPr>
+            <a:spLocks noGrp="1"/>
+          </p:cNvSpPr>
+          <p:nvPr>
+            <p:ph type="ftr" sz="quarter" idx="11"/>
+          </p:nvPr>
+        </p:nvSpPr>
+        <p:spPr/>
+        <p:txBody>
+          <a:bodyPr/>
+          <a:lstStyle/>
+          <a:p>
+            <a:r>
+              <a:rPr lang="en-US" smtClean="0"/>
+              <a:t>Experimenten</a:t>
+            </a:r>
             <a:endParaRPr lang="en-US"/>
           </a:p>
         </p:txBody>
@@ -19211,6 +23539,13 @@
   <p:clrMapOvr>
     <a:masterClrMapping/>
   </p:clrMapOvr>
+  <p:timing>
+    <p:tnLst>
+      <p:par>
+        <p:cTn id="1" dur="indefinite" restart="never" nodeType="tmRoot"/>
+      </p:par>
+    </p:tnLst>
+  </p:timing>
 </p:sld>
 </file>
 
@@ -19412,7 +23747,7 @@
         </p:xfrm>
         <a:graphic>
           <a:graphicData uri="http://schemas.openxmlformats.org/drawingml/2006/chart">
-            <c:chart xmlns:c="http://schemas.openxmlformats.org/drawingml/2006/chart" xmlns:r="http://schemas.openxmlformats.org/officeDocument/2006/relationships" r:id="rId2"/>
+            <c:chart xmlns:c="http://schemas.openxmlformats.org/drawingml/2006/chart" xmlns:r="http://schemas.openxmlformats.org/officeDocument/2006/relationships" r:id="rId3"/>
           </a:graphicData>
         </a:graphic>
       </p:graphicFrame>
@@ -19435,6 +23770,29 @@
               <a:rPr lang="en-US" smtClean="0"/>
               <a:t>27</a:t>
             </a:fld>
+            <a:endParaRPr lang="en-US"/>
+          </a:p>
+        </p:txBody>
+      </p:sp>
+      <p:sp>
+        <p:nvSpPr>
+          <p:cNvPr id="2" name="Tijdelijke aanduiding voor voettekst 1"/>
+          <p:cNvSpPr>
+            <a:spLocks noGrp="1"/>
+          </p:cNvSpPr>
+          <p:nvPr>
+            <p:ph type="ftr" sz="quarter" idx="11"/>
+          </p:nvPr>
+        </p:nvSpPr>
+        <p:spPr/>
+        <p:txBody>
+          <a:bodyPr/>
+          <a:lstStyle/>
+          <a:p>
+            <a:r>
+              <a:rPr lang="en-US" smtClean="0"/>
+              <a:t>Experimenten</a:t>
+            </a:r>
             <a:endParaRPr lang="en-US"/>
           </a:p>
         </p:txBody>
@@ -19449,6 +23807,13 @@
   <p:clrMapOvr>
     <a:masterClrMapping/>
   </p:clrMapOvr>
+  <p:timing>
+    <p:tnLst>
+      <p:par>
+        <p:cTn id="1" dur="indefinite" restart="never" nodeType="tmRoot"/>
+      </p:par>
+    </p:tnLst>
+  </p:timing>
 </p:sld>
 </file>
 
@@ -19542,6 +23907,29 @@
           </a:p>
         </p:txBody>
       </p:sp>
+      <p:sp>
+        <p:nvSpPr>
+          <p:cNvPr id="2" name="Tijdelijke aanduiding voor voettekst 1"/>
+          <p:cNvSpPr>
+            <a:spLocks noGrp="1"/>
+          </p:cNvSpPr>
+          <p:nvPr>
+            <p:ph type="ftr" sz="quarter" idx="11"/>
+          </p:nvPr>
+        </p:nvSpPr>
+        <p:spPr/>
+        <p:txBody>
+          <a:bodyPr/>
+          <a:lstStyle/>
+          <a:p>
+            <a:r>
+              <a:rPr lang="en-US" smtClean="0"/>
+              <a:t>Experimenten</a:t>
+            </a:r>
+            <a:endParaRPr lang="en-US"/>
+          </a:p>
+        </p:txBody>
+      </p:sp>
     </p:spTree>
     <p:extLst>
       <p:ext uri="{BB962C8B-B14F-4D97-AF65-F5344CB8AC3E}">
@@ -19552,6 +23940,13 @@
   <p:clrMapOvr>
     <a:masterClrMapping/>
   </p:clrMapOvr>
+  <p:timing>
+    <p:tnLst>
+      <p:par>
+        <p:cTn id="1" dur="indefinite" restart="never" nodeType="tmRoot"/>
+      </p:par>
+    </p:tnLst>
+  </p:timing>
 </p:sld>
 </file>
 
@@ -19676,6 +24071,29 @@
           </a:p>
         </p:txBody>
       </p:sp>
+      <p:sp>
+        <p:nvSpPr>
+          <p:cNvPr id="5" name="Tijdelijke aanduiding voor voettekst 4"/>
+          <p:cNvSpPr>
+            <a:spLocks noGrp="1"/>
+          </p:cNvSpPr>
+          <p:nvPr>
+            <p:ph type="ftr" sz="quarter" idx="11"/>
+          </p:nvPr>
+        </p:nvSpPr>
+        <p:spPr/>
+        <p:txBody>
+          <a:bodyPr/>
+          <a:lstStyle/>
+          <a:p>
+            <a:r>
+              <a:rPr lang="en-US" smtClean="0"/>
+              <a:t>Experimenten</a:t>
+            </a:r>
+            <a:endParaRPr lang="en-US"/>
+          </a:p>
+        </p:txBody>
+      </p:sp>
     </p:spTree>
     <p:extLst>
       <p:ext uri="{BB962C8B-B14F-4D97-AF65-F5344CB8AC3E}">
@@ -19686,6 +24104,13 @@
   <p:clrMapOvr>
     <a:masterClrMapping/>
   </p:clrMapOvr>
+  <p:timing>
+    <p:tnLst>
+      <p:par>
+        <p:cTn id="1" dur="indefinite" restart="never" nodeType="tmRoot"/>
+      </p:par>
+    </p:tnLst>
+  </p:timing>
 </p:sld>
 </file>
 
@@ -19711,7 +24136,7 @@
           <p:cNvPr id="2" name="Titel 1">
             <a:extLst>
               <a:ext uri="{FF2B5EF4-FFF2-40B4-BE49-F238E27FC236}">
-                <a16:creationId xmlns="" xmlns:a16="http://schemas.microsoft.com/office/drawing/2014/main" id="{71DC1BA2-F48F-4618-9ADF-362CD2D84EB5}"/>
+                <a16:creationId xmlns:a16="http://schemas.microsoft.com/office/drawing/2014/main" xmlns="" id="{71DC1BA2-F48F-4618-9ADF-362CD2D84EB5}"/>
               </a:ext>
             </a:extLst>
           </p:cNvPr>
@@ -19739,7 +24164,7 @@
           <p:cNvPr id="3" name="Tijdelijke aanduiding voor inhoud 2">
             <a:extLst>
               <a:ext uri="{FF2B5EF4-FFF2-40B4-BE49-F238E27FC236}">
-                <a16:creationId xmlns="" xmlns:a16="http://schemas.microsoft.com/office/drawing/2014/main" id="{4C752CD8-7375-4A6F-9B6A-35043D20FECB}"/>
+                <a16:creationId xmlns:a16="http://schemas.microsoft.com/office/drawing/2014/main" xmlns="" id="{4C752CD8-7375-4A6F-9B6A-35043D20FECB}"/>
               </a:ext>
             </a:extLst>
           </p:cNvPr>
@@ -19750,10 +24175,15 @@
             <p:ph idx="1"/>
           </p:nvPr>
         </p:nvSpPr>
-        <p:spPr/>
+        <p:spPr>
+          <a:xfrm>
+            <a:off x="1103312" y="1853248"/>
+            <a:ext cx="8946541" cy="4395151"/>
+          </a:xfrm>
+        </p:spPr>
         <p:txBody>
           <a:bodyPr>
-            <a:normAutofit fontScale="85000" lnSpcReduction="20000"/>
+            <a:normAutofit fontScale="77500" lnSpcReduction="20000"/>
           </a:bodyPr>
           <a:lstStyle/>
           <a:p>
@@ -19833,7 +24263,6 @@
               <a:rPr lang="nl-BE" dirty="0" smtClean="0"/>
               <a:t>Methodologie</a:t>
             </a:r>
-            <a:endParaRPr lang="nl-BE" dirty="0" smtClean="0"/>
           </a:p>
           <a:p>
             <a:pPr lvl="1"/>
@@ -19879,7 +24308,22 @@
             </a:pPr>
             <a:r>
               <a:rPr lang="nl-BE" dirty="0" smtClean="0"/>
-              <a:t>Conclusie &amp; Toekomstige onderzoeksvragen</a:t>
+              <a:t>Conclusie </a:t>
+            </a:r>
+            <a:endParaRPr lang="nl-BE" dirty="0" smtClean="0"/>
+          </a:p>
+          <a:p>
+            <a:pPr marL="457200" indent="-457200">
+              <a:buFont typeface="+mj-lt"/>
+              <a:buAutoNum type="arabicPeriod"/>
+            </a:pPr>
+            <a:r>
+              <a:rPr lang="nl-BE" dirty="0" smtClean="0"/>
+              <a:t>Toekomstige </a:t>
+            </a:r>
+            <a:r>
+              <a:rPr lang="nl-BE" dirty="0" smtClean="0"/>
+              <a:t>onderzoeksvragen</a:t>
             </a:r>
             <a:endParaRPr lang="nl-BE" dirty="0"/>
           </a:p>
@@ -19969,12 +24413,12 @@
               <a:t>Configuraties</a:t>
             </a:r>
             <a:r>
-              <a:rPr lang="fr-BE" dirty="0"/>
+              <a:rPr lang="fr-BE" dirty="0" smtClean="0"/>
               <a:t>: </a:t>
             </a:r>
             <a:r>
-              <a:rPr lang="fr-BE" dirty="0" err="1"/>
-              <a:t>Resultaat</a:t>
+              <a:rPr lang="fr-BE" dirty="0" err="1" smtClean="0"/>
+              <a:t>Verschil</a:t>
             </a:r>
             <a:endParaRPr lang="fr-BE" dirty="0"/>
           </a:p>
@@ -19996,39 +24440,15 @@
           <a:lstStyle/>
           <a:p>
             <a:r>
-              <a:rPr lang="fr-BE" dirty="0" err="1"/>
-              <a:t>Verschil</a:t>
-            </a:r>
-            <a:r>
-              <a:rPr lang="fr-BE" dirty="0"/>
-              <a:t> </a:t>
-            </a:r>
-            <a:r>
-              <a:rPr lang="fr-BE" dirty="0" err="1"/>
-              <a:t>tussen</a:t>
-            </a:r>
-            <a:r>
-              <a:rPr lang="fr-BE" dirty="0"/>
-              <a:t> MySQL en </a:t>
-            </a:r>
-            <a:r>
-              <a:rPr lang="fr-BE" dirty="0" err="1"/>
-              <a:t>Lamp</a:t>
-            </a:r>
-            <a:endParaRPr lang="fr-BE" dirty="0"/>
-          </a:p>
-          <a:p>
-            <a:pPr lvl="1"/>
-            <a:r>
-              <a:rPr lang="fr-BE" dirty="0"/>
+              <a:rPr lang="fr-BE" dirty="0" smtClean="0"/>
               <a:t>Cloud-</a:t>
             </a:r>
             <a:r>
-              <a:rPr lang="fr-BE" dirty="0" err="1"/>
+              <a:rPr lang="fr-BE" dirty="0" err="1" smtClean="0"/>
               <a:t>init</a:t>
             </a:r>
             <a:r>
-              <a:rPr lang="fr-BE" dirty="0"/>
+              <a:rPr lang="fr-BE" dirty="0" smtClean="0"/>
               <a:t> </a:t>
             </a:r>
             <a:r>
@@ -20064,6 +24484,29 @@
               <a:rPr lang="en-US" smtClean="0"/>
               <a:t>30</a:t>
             </a:fld>
+            <a:endParaRPr lang="en-US"/>
+          </a:p>
+        </p:txBody>
+      </p:sp>
+      <p:sp>
+        <p:nvSpPr>
+          <p:cNvPr id="2" name="Tijdelijke aanduiding voor voettekst 1"/>
+          <p:cNvSpPr>
+            <a:spLocks noGrp="1"/>
+          </p:cNvSpPr>
+          <p:nvPr>
+            <p:ph type="ftr" sz="quarter" idx="11"/>
+          </p:nvPr>
+        </p:nvSpPr>
+        <p:spPr/>
+        <p:txBody>
+          <a:bodyPr/>
+          <a:lstStyle/>
+          <a:p>
+            <a:r>
+              <a:rPr lang="en-US" smtClean="0"/>
+              <a:t>Experimenten</a:t>
+            </a:r>
             <a:endParaRPr lang="en-US"/>
           </a:p>
         </p:txBody>
@@ -20078,6 +24521,13 @@
   <p:clrMapOvr>
     <a:masterClrMapping/>
   </p:clrMapOvr>
+  <p:timing>
+    <p:tnLst>
+      <p:par>
+        <p:cTn id="1" dur="indefinite" restart="never" nodeType="tmRoot"/>
+      </p:par>
+    </p:tnLst>
+  </p:timing>
 </p:sld>
 </file>
 
@@ -20127,7 +24577,7 @@
             </a:r>
             <a:r>
               <a:rPr lang="fr-BE" dirty="0" err="1" smtClean="0"/>
-              <a:t>Resultaat</a:t>
+              <a:t>Verschil</a:t>
             </a:r>
             <a:endParaRPr lang="fr-BE" dirty="0"/>
           </a:p>
@@ -20172,7 +24622,7 @@
           </p:nvPr>
         </p:nvPicPr>
         <p:blipFill>
-          <a:blip r:embed="rId2">
+          <a:blip r:embed="rId3">
             <a:extLst>
               <a:ext uri="{28A0092B-C50C-407E-A947-70E740481C1C}">
                 <a14:useLocalDpi xmlns:a14="http://schemas.microsoft.com/office/drawing/2010/main" val="0"/>
@@ -20229,7 +24679,7 @@
           </p:nvPr>
         </p:nvPicPr>
         <p:blipFill>
-          <a:blip r:embed="rId3">
+          <a:blip r:embed="rId4">
             <a:extLst>
               <a:ext uri="{28A0092B-C50C-407E-A947-70E740481C1C}">
                 <a14:useLocalDpi xmlns:a14="http://schemas.microsoft.com/office/drawing/2010/main" val="0"/>
@@ -20270,6 +24720,29 @@
           </a:p>
         </p:txBody>
       </p:sp>
+      <p:sp>
+        <p:nvSpPr>
+          <p:cNvPr id="3" name="Tijdelijke aanduiding voor voettekst 2"/>
+          <p:cNvSpPr>
+            <a:spLocks noGrp="1"/>
+          </p:cNvSpPr>
+          <p:nvPr>
+            <p:ph type="ftr" sz="quarter" idx="11"/>
+          </p:nvPr>
+        </p:nvSpPr>
+        <p:spPr/>
+        <p:txBody>
+          <a:bodyPr/>
+          <a:lstStyle/>
+          <a:p>
+            <a:r>
+              <a:rPr lang="en-US" smtClean="0"/>
+              <a:t>Experimenten</a:t>
+            </a:r>
+            <a:endParaRPr lang="en-US"/>
+          </a:p>
+        </p:txBody>
+      </p:sp>
     </p:spTree>
     <p:extLst>
       <p:ext uri="{BB962C8B-B14F-4D97-AF65-F5344CB8AC3E}">
@@ -20280,6 +24753,13 @@
   <p:clrMapOvr>
     <a:masterClrMapping/>
   </p:clrMapOvr>
+  <p:timing>
+    <p:tnLst>
+      <p:par>
+        <p:cTn id="1" dur="indefinite" restart="never" nodeType="tmRoot"/>
+      </p:par>
+    </p:tnLst>
+  </p:timing>
 </p:sld>
 </file>
 
@@ -20300,120 +24780,6 @@
           <a:chExt cx="0" cy="0"/>
         </a:xfrm>
       </p:grpSpPr>
-      <p:sp>
-        <p:nvSpPr>
-          <p:cNvPr id="8" name="Titel 7"/>
-          <p:cNvSpPr>
-            <a:spLocks noGrp="1"/>
-          </p:cNvSpPr>
-          <p:nvPr>
-            <p:ph type="title"/>
-          </p:nvPr>
-        </p:nvSpPr>
-        <p:spPr/>
-        <p:txBody>
-          <a:bodyPr/>
-          <a:lstStyle/>
-          <a:p>
-            <a:r>
-              <a:rPr lang="fr-BE" dirty="0"/>
-              <a:t>Server </a:t>
-            </a:r>
-            <a:r>
-              <a:rPr lang="fr-BE" dirty="0" err="1"/>
-              <a:t>Configuraties</a:t>
-            </a:r>
-            <a:r>
-              <a:rPr lang="fr-BE" dirty="0"/>
-              <a:t>: </a:t>
-            </a:r>
-            <a:r>
-              <a:rPr lang="fr-BE" dirty="0" err="1"/>
-              <a:t>Resultaat</a:t>
-            </a:r>
-            <a:endParaRPr lang="fr-BE" dirty="0"/>
-          </a:p>
-        </p:txBody>
-      </p:sp>
-      <p:sp>
-        <p:nvSpPr>
-          <p:cNvPr id="9" name="Tijdelijke aanduiding voor inhoud 8"/>
-          <p:cNvSpPr>
-            <a:spLocks noGrp="1"/>
-          </p:cNvSpPr>
-          <p:nvPr>
-            <p:ph sz="half" idx="1"/>
-          </p:nvPr>
-        </p:nvSpPr>
-        <p:spPr/>
-        <p:txBody>
-          <a:bodyPr>
-            <a:normAutofit/>
-          </a:bodyPr>
-          <a:lstStyle/>
-          <a:p>
-            <a:r>
-              <a:rPr lang="fr-BE" dirty="0" smtClean="0"/>
-              <a:t>Cloud-</a:t>
-            </a:r>
-            <a:r>
-              <a:rPr lang="fr-BE" dirty="0" err="1" smtClean="0"/>
-              <a:t>init</a:t>
-            </a:r>
-            <a:endParaRPr lang="fr-BE" dirty="0" smtClean="0"/>
-          </a:p>
-          <a:p>
-            <a:pPr lvl="1"/>
-            <a:r>
-              <a:rPr lang="fr-BE" dirty="0" err="1" smtClean="0"/>
-              <a:t>Meeste</a:t>
-            </a:r>
-            <a:r>
-              <a:rPr lang="fr-BE" dirty="0" smtClean="0"/>
-              <a:t> </a:t>
-            </a:r>
-            <a:r>
-              <a:rPr lang="fr-BE" dirty="0" err="1" smtClean="0"/>
-              <a:t>configuraties</a:t>
-            </a:r>
-            <a:r>
-              <a:rPr lang="fr-BE" dirty="0" smtClean="0"/>
-              <a:t> in </a:t>
-            </a:r>
-            <a:r>
-              <a:rPr lang="fr-BE" i="1" dirty="0" err="1" smtClean="0"/>
-              <a:t>runcmd</a:t>
-            </a:r>
-            <a:endParaRPr lang="fr-BE" dirty="0" smtClean="0"/>
-          </a:p>
-          <a:p>
-            <a:endParaRPr lang="fr-BE" dirty="0"/>
-          </a:p>
-        </p:txBody>
-      </p:sp>
-      <p:sp>
-        <p:nvSpPr>
-          <p:cNvPr id="7" name="Tijdelijke aanduiding voor dianummer 6"/>
-          <p:cNvSpPr>
-            <a:spLocks noGrp="1"/>
-          </p:cNvSpPr>
-          <p:nvPr>
-            <p:ph type="sldNum" sz="quarter" idx="12"/>
-          </p:nvPr>
-        </p:nvSpPr>
-        <p:spPr/>
-        <p:txBody>
-          <a:bodyPr/>
-          <a:lstStyle/>
-          <a:p>
-            <a:fld id="{4436F60F-0C7F-4E8F-906C-164A4C087B51}" type="slidenum">
-              <a:rPr lang="en-US" smtClean="0"/>
-              <a:t>32</a:t>
-            </a:fld>
-            <a:endParaRPr lang="en-US"/>
-          </a:p>
-        </p:txBody>
-      </p:sp>
       <p:pic>
         <p:nvPicPr>
           <p:cNvPr id="16" name="Tijdelijke aanduiding voor inhoud 15"/>
@@ -20425,7 +24791,7 @@
           </p:nvPr>
         </p:nvPicPr>
         <p:blipFill>
-          <a:blip r:embed="rId2">
+          <a:blip r:embed="rId3">
             <a:extLst>
               <a:ext uri="{28A0092B-C50C-407E-A947-70E740481C1C}">
                 <a14:useLocalDpi xmlns:a14="http://schemas.microsoft.com/office/drawing/2010/main" val="0"/>
@@ -20438,11 +24804,140 @@
         </p:blipFill>
         <p:spPr>
           <a:xfrm>
-            <a:off x="5868766" y="1853248"/>
+            <a:off x="5348472" y="1853248"/>
             <a:ext cx="5321973" cy="4179529"/>
           </a:xfrm>
         </p:spPr>
       </p:pic>
+      <p:sp>
+        <p:nvSpPr>
+          <p:cNvPr id="8" name="Titel 7"/>
+          <p:cNvSpPr>
+            <a:spLocks noGrp="1"/>
+          </p:cNvSpPr>
+          <p:nvPr>
+            <p:ph type="title"/>
+          </p:nvPr>
+        </p:nvSpPr>
+        <p:spPr/>
+        <p:txBody>
+          <a:bodyPr/>
+          <a:lstStyle/>
+          <a:p>
+            <a:r>
+              <a:rPr lang="fr-BE" dirty="0"/>
+              <a:t>Server </a:t>
+            </a:r>
+            <a:r>
+              <a:rPr lang="fr-BE" dirty="0" err="1"/>
+              <a:t>Configuraties</a:t>
+            </a:r>
+            <a:r>
+              <a:rPr lang="fr-BE" dirty="0"/>
+              <a:t>: </a:t>
+            </a:r>
+            <a:r>
+              <a:rPr lang="fr-BE" dirty="0" smtClean="0"/>
+              <a:t>Cloud-</a:t>
+            </a:r>
+            <a:r>
+              <a:rPr lang="fr-BE" dirty="0" err="1" smtClean="0"/>
+              <a:t>init</a:t>
+            </a:r>
+            <a:endParaRPr lang="fr-BE" dirty="0"/>
+          </a:p>
+        </p:txBody>
+      </p:sp>
+      <p:sp>
+        <p:nvSpPr>
+          <p:cNvPr id="9" name="Tijdelijke aanduiding voor inhoud 8"/>
+          <p:cNvSpPr>
+            <a:spLocks noGrp="1"/>
+          </p:cNvSpPr>
+          <p:nvPr>
+            <p:ph sz="half" idx="1"/>
+          </p:nvPr>
+        </p:nvSpPr>
+        <p:spPr/>
+        <p:txBody>
+          <a:bodyPr>
+            <a:normAutofit/>
+          </a:bodyPr>
+          <a:lstStyle/>
+          <a:p>
+            <a:r>
+              <a:rPr lang="fr-BE" dirty="0" err="1" smtClean="0"/>
+              <a:t>Meeste</a:t>
+            </a:r>
+            <a:r>
+              <a:rPr lang="fr-BE" dirty="0" smtClean="0"/>
+              <a:t> </a:t>
+            </a:r>
+            <a:r>
+              <a:rPr lang="fr-BE" dirty="0" err="1" smtClean="0"/>
+              <a:t>configuraties</a:t>
+            </a:r>
+            <a:r>
+              <a:rPr lang="fr-BE" dirty="0" smtClean="0"/>
+              <a:t> in </a:t>
+            </a:r>
+            <a:r>
+              <a:rPr lang="fr-BE" i="1" dirty="0" err="1" smtClean="0"/>
+              <a:t>runcmd</a:t>
+            </a:r>
+            <a:endParaRPr lang="fr-BE" dirty="0" smtClean="0"/>
+          </a:p>
+          <a:p>
+            <a:endParaRPr lang="fr-BE" dirty="0"/>
+          </a:p>
+        </p:txBody>
+      </p:sp>
+      <p:sp>
+        <p:nvSpPr>
+          <p:cNvPr id="7" name="Tijdelijke aanduiding voor dianummer 6"/>
+          <p:cNvSpPr>
+            <a:spLocks noGrp="1"/>
+          </p:cNvSpPr>
+          <p:nvPr>
+            <p:ph type="sldNum" sz="quarter" idx="12"/>
+          </p:nvPr>
+        </p:nvSpPr>
+        <p:spPr/>
+        <p:txBody>
+          <a:bodyPr/>
+          <a:lstStyle/>
+          <a:p>
+            <a:fld id="{4436F60F-0C7F-4E8F-906C-164A4C087B51}" type="slidenum">
+              <a:rPr lang="en-US" smtClean="0"/>
+              <a:t>32</a:t>
+            </a:fld>
+            <a:endParaRPr lang="en-US"/>
+          </a:p>
+        </p:txBody>
+      </p:sp>
+      <p:sp>
+        <p:nvSpPr>
+          <p:cNvPr id="2" name="Tijdelijke aanduiding voor voettekst 1"/>
+          <p:cNvSpPr>
+            <a:spLocks noGrp="1"/>
+          </p:cNvSpPr>
+          <p:nvPr>
+            <p:ph type="ftr" sz="quarter" idx="11"/>
+          </p:nvPr>
+        </p:nvSpPr>
+        <p:spPr/>
+        <p:txBody>
+          <a:bodyPr/>
+          <a:lstStyle/>
+          <a:p>
+            <a:r>
+              <a:rPr lang="en-US" dirty="0" err="1" smtClean="0"/>
+              <a:t>Experimenten</a:t>
+            </a:r>
+            <a:endParaRPr lang="en-US" dirty="0"/>
+          </a:p>
+        </p:txBody>
+      </p:sp>
     </p:spTree>
     <p:extLst>
       <p:ext uri="{BB962C8B-B14F-4D97-AF65-F5344CB8AC3E}">
@@ -20453,6 +24948,13 @@
   <p:clrMapOvr>
     <a:masterClrMapping/>
   </p:clrMapOvr>
+  <p:timing>
+    <p:tnLst>
+      <p:par>
+        <p:cTn id="1" dur="indefinite" restart="never" nodeType="tmRoot"/>
+      </p:par>
+    </p:tnLst>
+  </p:timing>
 </p:sld>
 </file>
 
@@ -20501,8 +25003,12 @@
               <a:t>: </a:t>
             </a:r>
             <a:r>
-              <a:rPr lang="fr-BE" dirty="0" err="1"/>
-              <a:t>Resultaat</a:t>
+              <a:rPr lang="fr-BE" dirty="0" err="1" smtClean="0"/>
+              <a:t>Ansible</a:t>
+            </a:r>
+            <a:r>
+              <a:rPr lang="fr-BE" dirty="0" smtClean="0"/>
+              <a:t> </a:t>
             </a:r>
             <a:endParaRPr lang="fr-BE" dirty="0"/>
           </a:p>
@@ -20527,23 +25033,18 @@
           <a:p>
             <a:r>
               <a:rPr lang="fr-BE" dirty="0" err="1" smtClean="0"/>
-              <a:t>Ansible</a:t>
-            </a:r>
-            <a:endParaRPr lang="fr-BE" dirty="0"/>
-          </a:p>
-          <a:p>
-            <a:pPr lvl="1"/>
-            <a:r>
-              <a:rPr lang="fr-BE" dirty="0" err="1" smtClean="0"/>
               <a:t>Meer</a:t>
             </a:r>
             <a:r>
               <a:rPr lang="fr-BE" dirty="0" smtClean="0"/>
-              <a:t> Modules</a:t>
-            </a:r>
-          </a:p>
-          <a:p>
-            <a:pPr lvl="1"/>
+              <a:t> </a:t>
+            </a:r>
+            <a:r>
+              <a:rPr lang="fr-BE" dirty="0" smtClean="0"/>
+              <a:t>Modules</a:t>
+            </a:r>
+          </a:p>
+          <a:p>
             <a:r>
               <a:rPr lang="fr-BE" dirty="0" err="1" smtClean="0"/>
               <a:t>Sneller</a:t>
@@ -20551,7 +25052,6 @@
             <a:endParaRPr lang="fr-BE" dirty="0" smtClean="0"/>
           </a:p>
           <a:p>
-            <a:pPr lvl="1"/>
             <a:r>
               <a:rPr lang="fr-BE" dirty="0" err="1" smtClean="0"/>
               <a:t>Betere</a:t>
@@ -20567,75 +25067,11 @@
             <a:endParaRPr lang="fr-BE" dirty="0"/>
           </a:p>
           <a:p>
-            <a:r>
-              <a:rPr lang="fr-BE" dirty="0" err="1" smtClean="0"/>
-              <a:t>Ansible</a:t>
-            </a:r>
-            <a:r>
-              <a:rPr lang="fr-BE" dirty="0" smtClean="0"/>
-              <a:t> en cloud-</a:t>
-            </a:r>
-            <a:r>
-              <a:rPr lang="fr-BE" dirty="0" err="1" smtClean="0"/>
-              <a:t>init</a:t>
-            </a:r>
-            <a:endParaRPr lang="fr-BE" dirty="0" smtClean="0"/>
-          </a:p>
-          <a:p>
-            <a:pPr lvl="1"/>
-            <a:r>
-              <a:rPr lang="fr-BE" dirty="0" err="1" smtClean="0"/>
-              <a:t>Sneller</a:t>
-            </a:r>
-            <a:endParaRPr lang="fr-BE" dirty="0" smtClean="0"/>
-          </a:p>
-          <a:p>
-            <a:pPr lvl="1"/>
-            <a:r>
-              <a:rPr lang="fr-BE" dirty="0" err="1" smtClean="0"/>
-              <a:t>Makkelijke</a:t>
-            </a:r>
-            <a:r>
-              <a:rPr lang="fr-BE" dirty="0" smtClean="0"/>
-              <a:t> </a:t>
-            </a:r>
-            <a:r>
-              <a:rPr lang="fr-BE" dirty="0" err="1" smtClean="0"/>
-              <a:t>aanroeping</a:t>
-            </a:r>
-            <a:endParaRPr lang="fr-BE" dirty="0" smtClean="0"/>
-          </a:p>
-          <a:p>
             <a:pPr lvl="1"/>
             <a:endParaRPr lang="fr-BE" dirty="0"/>
           </a:p>
         </p:txBody>
       </p:sp>
-      <p:graphicFrame>
-        <p:nvGraphicFramePr>
-          <p:cNvPr id="14" name="Tijdelijke aanduiding voor inhoud 13"/>
-          <p:cNvGraphicFramePr>
-            <a:graphicFrameLocks noGrp="1"/>
-          </p:cNvGraphicFramePr>
-          <p:nvPr>
-            <p:ph sz="half" idx="2"/>
-            <p:extLst>
-              <p:ext uri="{D42A27DB-BD31-4B8C-83A1-F6EECF244321}">
-                <p14:modId xmlns:p14="http://schemas.microsoft.com/office/powerpoint/2010/main" val="3613722829"/>
-              </p:ext>
-            </p:extLst>
-          </p:nvPr>
-        </p:nvGraphicFramePr>
-        <p:xfrm>
-          <a:off x="5654675" y="2055813"/>
-          <a:ext cx="4395788" cy="4200525"/>
-        </p:xfrm>
-        <a:graphic>
-          <a:graphicData uri="http://schemas.openxmlformats.org/drawingml/2006/chart">
-            <c:chart xmlns:c="http://schemas.openxmlformats.org/drawingml/2006/chart" xmlns:r="http://schemas.openxmlformats.org/officeDocument/2006/relationships" r:id="rId2"/>
-          </a:graphicData>
-        </a:graphic>
-      </p:graphicFrame>
       <p:sp>
         <p:nvSpPr>
           <p:cNvPr id="7" name="Tijdelijke aanduiding voor dianummer 6"/>
@@ -20655,6 +25091,58 @@
               <a:rPr lang="en-US" smtClean="0"/>
               <a:t>33</a:t>
             </a:fld>
+            <a:endParaRPr lang="en-US"/>
+          </a:p>
+        </p:txBody>
+      </p:sp>
+      <p:pic>
+        <p:nvPicPr>
+          <p:cNvPr id="3" name="Tijdelijke aanduiding voor inhoud 2"/>
+          <p:cNvPicPr>
+            <a:picLocks noGrp="1" noChangeAspect="1"/>
+          </p:cNvPicPr>
+          <p:nvPr>
+            <p:ph sz="half" idx="2"/>
+          </p:nvPr>
+        </p:nvPicPr>
+        <p:blipFill>
+          <a:blip r:embed="rId2">
+            <a:extLst>
+              <a:ext uri="{28A0092B-C50C-407E-A947-70E740481C1C}">
+                <a14:useLocalDpi xmlns:a14="http://schemas.microsoft.com/office/drawing/2010/main" val="0"/>
+              </a:ext>
+            </a:extLst>
+          </a:blip>
+          <a:stretch>
+            <a:fillRect/>
+          </a:stretch>
+        </p:blipFill>
+        <p:spPr>
+          <a:xfrm>
+            <a:off x="5654675" y="2521507"/>
+            <a:ext cx="4395788" cy="3269136"/>
+          </a:xfrm>
+        </p:spPr>
+      </p:pic>
+      <p:sp>
+        <p:nvSpPr>
+          <p:cNvPr id="4" name="Tijdelijke aanduiding voor voettekst 3"/>
+          <p:cNvSpPr>
+            <a:spLocks noGrp="1"/>
+          </p:cNvSpPr>
+          <p:nvPr>
+            <p:ph type="ftr" sz="quarter" idx="11"/>
+          </p:nvPr>
+        </p:nvSpPr>
+        <p:spPr/>
+        <p:txBody>
+          <a:bodyPr/>
+          <a:lstStyle/>
+          <a:p>
+            <a:r>
+              <a:rPr lang="en-US" smtClean="0"/>
+              <a:t>Experimenten</a:t>
+            </a:r>
             <a:endParaRPr lang="en-US"/>
           </a:p>
         </p:txBody>
@@ -20669,6 +25157,13 @@
   <p:clrMapOvr>
     <a:masterClrMapping/>
   </p:clrMapOvr>
+  <p:timing>
+    <p:tnLst>
+      <p:par>
+        <p:cTn id="1" dur="indefinite" restart="never" nodeType="tmRoot"/>
+      </p:par>
+    </p:tnLst>
+  </p:timing>
 </p:sld>
 </file>
 
@@ -20717,8 +25212,8 @@
               <a:t>: </a:t>
             </a:r>
             <a:r>
-              <a:rPr lang="fr-BE" dirty="0" err="1" smtClean="0"/>
-              <a:t>Resultaat</a:t>
+              <a:rPr lang="fr-BE" dirty="0" smtClean="0"/>
+              <a:t>Output</a:t>
             </a:r>
             <a:endParaRPr lang="fr-BE" dirty="0"/>
           </a:p>
@@ -20805,6 +25300,29 @@
           </a:p>
         </p:txBody>
       </p:sp>
+      <p:sp>
+        <p:nvSpPr>
+          <p:cNvPr id="3" name="Tijdelijke aanduiding voor voettekst 2"/>
+          <p:cNvSpPr>
+            <a:spLocks noGrp="1"/>
+          </p:cNvSpPr>
+          <p:nvPr>
+            <p:ph type="ftr" sz="quarter" idx="11"/>
+          </p:nvPr>
+        </p:nvSpPr>
+        <p:spPr/>
+        <p:txBody>
+          <a:bodyPr/>
+          <a:lstStyle/>
+          <a:p>
+            <a:r>
+              <a:rPr lang="en-US" smtClean="0"/>
+              <a:t>Experimenten</a:t>
+            </a:r>
+            <a:endParaRPr lang="en-US"/>
+          </a:p>
+        </p:txBody>
+      </p:sp>
     </p:spTree>
     <p:extLst>
       <p:ext uri="{BB962C8B-B14F-4D97-AF65-F5344CB8AC3E}">
@@ -20815,6 +25333,13 @@
   <p:clrMapOvr>
     <a:masterClrMapping/>
   </p:clrMapOvr>
+  <p:timing>
+    <p:tnLst>
+      <p:par>
+        <p:cTn id="1" dur="indefinite" restart="never" nodeType="tmRoot"/>
+      </p:par>
+    </p:tnLst>
+  </p:timing>
 </p:sld>
 </file>
 
@@ -20837,7 +25362,7 @@
       </p:grpSpPr>
       <p:sp>
         <p:nvSpPr>
-          <p:cNvPr id="2" name="Titel 1"/>
+          <p:cNvPr id="8" name="Titel 7"/>
           <p:cNvSpPr>
             <a:spLocks noGrp="1"/>
           </p:cNvSpPr>
@@ -20863,99 +25388,76 @@
               <a:t>: </a:t>
             </a:r>
             <a:r>
-              <a:rPr lang="fr-BE" dirty="0" err="1"/>
-              <a:t>Resultaat</a:t>
-            </a:r>
-            <a:endParaRPr lang="fr-BE" dirty="0"/>
-          </a:p>
-        </p:txBody>
-      </p:sp>
-      <p:sp>
-        <p:nvSpPr>
-          <p:cNvPr id="6" name="Tijdelijke aanduiding voor inhoud 5"/>
-          <p:cNvSpPr>
-            <a:spLocks noGrp="1"/>
-          </p:cNvSpPr>
-          <p:nvPr>
-            <p:ph idx="1"/>
-          </p:nvPr>
-        </p:nvSpPr>
-        <p:spPr/>
-        <p:txBody>
-          <a:bodyPr/>
-          <a:lstStyle/>
-          <a:p>
-            <a:r>
               <a:rPr lang="fr-BE" dirty="0" err="1" smtClean="0"/>
-              <a:t>Beste</a:t>
+              <a:t>Ansible</a:t>
+            </a:r>
+            <a:r>
+              <a:rPr lang="fr-BE" dirty="0" smtClean="0"/>
+              <a:t> &amp; cloud-</a:t>
+            </a:r>
+            <a:r>
+              <a:rPr lang="fr-BE" dirty="0" err="1" smtClean="0"/>
+              <a:t>init</a:t>
             </a:r>
             <a:r>
               <a:rPr lang="fr-BE" dirty="0" smtClean="0"/>
               <a:t> </a:t>
             </a:r>
+            <a:endParaRPr lang="fr-BE" dirty="0"/>
+          </a:p>
+        </p:txBody>
+      </p:sp>
+      <p:sp>
+        <p:nvSpPr>
+          <p:cNvPr id="9" name="Tijdelijke aanduiding voor inhoud 8"/>
+          <p:cNvSpPr>
+            <a:spLocks noGrp="1"/>
+          </p:cNvSpPr>
+          <p:nvPr>
+            <p:ph sz="half" idx="1"/>
+          </p:nvPr>
+        </p:nvSpPr>
+        <p:spPr/>
+        <p:txBody>
+          <a:bodyPr>
+            <a:normAutofit/>
+          </a:bodyPr>
+          <a:lstStyle/>
+          <a:p>
             <a:r>
               <a:rPr lang="fr-BE" dirty="0" err="1" smtClean="0"/>
-              <a:t>Optie</a:t>
+              <a:t>Sneller</a:t>
+            </a:r>
+            <a:endParaRPr lang="fr-BE" dirty="0" smtClean="0"/>
+          </a:p>
+          <a:p>
+            <a:r>
+              <a:rPr lang="fr-BE" dirty="0" err="1" smtClean="0"/>
+              <a:t>Makkelijkere</a:t>
             </a:r>
             <a:r>
               <a:rPr lang="fr-BE" dirty="0" smtClean="0"/>
-              <a:t>?</a:t>
-            </a:r>
-          </a:p>
-          <a:p>
-            <a:pPr lvl="1"/>
+              <a:t> </a:t>
+            </a:r>
             <a:r>
               <a:rPr lang="fr-BE" dirty="0" err="1" smtClean="0"/>
-              <a:t>Ansible</a:t>
+              <a:t>aanroeping</a:t>
             </a:r>
             <a:endParaRPr lang="fr-BE" dirty="0"/>
-          </a:p>
-          <a:p>
-            <a:pPr lvl="1"/>
-            <a:endParaRPr lang="fr-BE" dirty="0" smtClean="0"/>
           </a:p>
           <a:p>
             <a:pPr lvl="1"/>
             <a:endParaRPr lang="fr-BE" dirty="0"/>
           </a:p>
           <a:p>
-            <a:r>
-              <a:rPr lang="fr-BE" dirty="0" err="1" smtClean="0"/>
-              <a:t>Bij</a:t>
-            </a:r>
-            <a:r>
-              <a:rPr lang="fr-BE" dirty="0" smtClean="0"/>
-              <a:t> startup?</a:t>
-            </a:r>
-          </a:p>
-          <a:p>
-            <a:pPr lvl="1"/>
-            <a:r>
-              <a:rPr lang="fr-BE" dirty="0" err="1" smtClean="0"/>
-              <a:t>Ansible</a:t>
-            </a:r>
-            <a:r>
-              <a:rPr lang="fr-BE" dirty="0" smtClean="0"/>
-              <a:t> &amp; cloud-</a:t>
-            </a:r>
-            <a:r>
-              <a:rPr lang="fr-BE" dirty="0" err="1" smtClean="0"/>
-              <a:t>init</a:t>
-            </a:r>
-            <a:endParaRPr lang="fr-BE" dirty="0" smtClean="0"/>
-          </a:p>
-          <a:p>
             <a:pPr lvl="1"/>
             <a:endParaRPr lang="fr-BE" dirty="0"/>
           </a:p>
-          <a:p>
-            <a:endParaRPr lang="fr-BE" dirty="0"/>
-          </a:p>
-        </p:txBody>
-      </p:sp>
-      <p:sp>
-        <p:nvSpPr>
-          <p:cNvPr id="5" name="Tijdelijke aanduiding voor dianummer 4"/>
+        </p:txBody>
+      </p:sp>
+      <p:sp>
+        <p:nvSpPr>
+          <p:cNvPr id="7" name="Tijdelijke aanduiding voor dianummer 6"/>
           <p:cNvSpPr>
             <a:spLocks noGrp="1"/>
           </p:cNvSpPr>
@@ -20976,16 +25478,75 @@
           </a:p>
         </p:txBody>
       </p:sp>
+      <p:pic>
+        <p:nvPicPr>
+          <p:cNvPr id="3" name="Tijdelijke aanduiding voor inhoud 2"/>
+          <p:cNvPicPr>
+            <a:picLocks noGrp="1" noChangeAspect="1"/>
+          </p:cNvPicPr>
+          <p:nvPr>
+            <p:ph sz="half" idx="2"/>
+          </p:nvPr>
+        </p:nvPicPr>
+        <p:blipFill>
+          <a:blip r:embed="rId2">
+            <a:extLst>
+              <a:ext uri="{28A0092B-C50C-407E-A947-70E740481C1C}">
+                <a14:useLocalDpi xmlns:a14="http://schemas.microsoft.com/office/drawing/2010/main" val="0"/>
+              </a:ext>
+            </a:extLst>
+          </a:blip>
+          <a:stretch>
+            <a:fillRect/>
+          </a:stretch>
+        </p:blipFill>
+        <p:spPr>
+          <a:xfrm>
+            <a:off x="5654675" y="2521507"/>
+            <a:ext cx="4395788" cy="3269136"/>
+          </a:xfrm>
+        </p:spPr>
+      </p:pic>
+      <p:sp>
+        <p:nvSpPr>
+          <p:cNvPr id="2" name="Tijdelijke aanduiding voor voettekst 1"/>
+          <p:cNvSpPr>
+            <a:spLocks noGrp="1"/>
+          </p:cNvSpPr>
+          <p:nvPr>
+            <p:ph type="ftr" sz="quarter" idx="11"/>
+          </p:nvPr>
+        </p:nvSpPr>
+        <p:spPr/>
+        <p:txBody>
+          <a:bodyPr/>
+          <a:lstStyle/>
+          <a:p>
+            <a:r>
+              <a:rPr lang="en-US" smtClean="0"/>
+              <a:t>Experimenten</a:t>
+            </a:r>
+            <a:endParaRPr lang="en-US"/>
+          </a:p>
+        </p:txBody>
+      </p:sp>
     </p:spTree>
     <p:extLst>
       <p:ext uri="{BB962C8B-B14F-4D97-AF65-F5344CB8AC3E}">
-        <p14:creationId xmlns:p14="http://schemas.microsoft.com/office/powerpoint/2010/main" val="2602585114"/>
+        <p14:creationId xmlns:p14="http://schemas.microsoft.com/office/powerpoint/2010/main" val="685301460"/>
       </p:ext>
     </p:extLst>
   </p:cSld>
   <p:clrMapOvr>
     <a:masterClrMapping/>
   </p:clrMapOvr>
+  <p:timing>
+    <p:tnLst>
+      <p:par>
+        <p:cTn id="1" dur="indefinite" restart="never" nodeType="tmRoot"/>
+      </p:par>
+    </p:tnLst>
+  </p:timing>
 </p:sld>
 </file>
 
@@ -21008,7 +25569,7 @@
       </p:grpSpPr>
       <p:sp>
         <p:nvSpPr>
-          <p:cNvPr id="6" name="Titel 5"/>
+          <p:cNvPr id="2" name="Titel 1"/>
           <p:cNvSpPr>
             <a:spLocks noGrp="1"/>
           </p:cNvSpPr>
@@ -21022,40 +25583,104 @@
           <a:lstStyle/>
           <a:p>
             <a:r>
+              <a:rPr lang="fr-BE" dirty="0"/>
+              <a:t>Server </a:t>
+            </a:r>
+            <a:r>
               <a:rPr lang="fr-BE" dirty="0" err="1"/>
-              <a:t>Aanpassing</a:t>
+              <a:t>Configuraties</a:t>
             </a:r>
             <a:r>
               <a:rPr lang="fr-BE" dirty="0"/>
+              <a:t>: </a:t>
+            </a:r>
+            <a:r>
+              <a:rPr lang="fr-BE" dirty="0" err="1"/>
+              <a:t>Resultaat</a:t>
+            </a:r>
+            <a:endParaRPr lang="fr-BE" dirty="0"/>
+          </a:p>
+        </p:txBody>
+      </p:sp>
+      <p:sp>
+        <p:nvSpPr>
+          <p:cNvPr id="6" name="Tijdelijke aanduiding voor inhoud 5"/>
+          <p:cNvSpPr>
+            <a:spLocks noGrp="1"/>
+          </p:cNvSpPr>
+          <p:nvPr>
+            <p:ph idx="1"/>
+          </p:nvPr>
+        </p:nvSpPr>
+        <p:spPr/>
+        <p:txBody>
+          <a:bodyPr/>
+          <a:lstStyle/>
+          <a:p>
+            <a:r>
+              <a:rPr lang="fr-BE" dirty="0" err="1" smtClean="0"/>
+              <a:t>Beste</a:t>
+            </a:r>
+            <a:r>
+              <a:rPr lang="fr-BE" dirty="0" smtClean="0"/>
               <a:t> </a:t>
             </a:r>
             <a:r>
+              <a:rPr lang="fr-BE" dirty="0" err="1" smtClean="0"/>
+              <a:t>Optie</a:t>
+            </a:r>
+            <a:r>
               <a:rPr lang="fr-BE" dirty="0" smtClean="0"/>
-              <a:t>Na Startup</a:t>
+              <a:t>?</a:t>
+            </a:r>
+          </a:p>
+          <a:p>
+            <a:pPr lvl="1"/>
+            <a:r>
+              <a:rPr lang="fr-BE" dirty="0" err="1" smtClean="0"/>
+              <a:t>Ansible</a:t>
             </a:r>
             <a:endParaRPr lang="fr-BE" dirty="0"/>
           </a:p>
-        </p:txBody>
-      </p:sp>
-      <p:sp>
-        <p:nvSpPr>
-          <p:cNvPr id="7" name="Tijdelijke aanduiding voor tekst 6"/>
-          <p:cNvSpPr>
-            <a:spLocks noGrp="1"/>
-          </p:cNvSpPr>
-          <p:nvPr>
-            <p:ph type="body" idx="1"/>
-          </p:nvPr>
-        </p:nvSpPr>
-        <p:spPr/>
-        <p:txBody>
-          <a:bodyPr/>
-          <a:lstStyle/>
-          <a:p>
+          <a:p>
+            <a:pPr lvl="1"/>
+            <a:endParaRPr lang="fr-BE" dirty="0" smtClean="0"/>
+          </a:p>
+          <a:p>
+            <a:pPr lvl="1"/>
+            <a:endParaRPr lang="fr-BE" dirty="0"/>
+          </a:p>
+          <a:p>
+            <a:r>
+              <a:rPr lang="fr-BE" dirty="0" err="1" smtClean="0"/>
+              <a:t>Bij</a:t>
+            </a:r>
             <a:r>
               <a:rPr lang="fr-BE" dirty="0" smtClean="0"/>
-              <a:t>Maarten De Smedt</a:t>
-            </a:r>
+              <a:t> startup?</a:t>
+            </a:r>
+          </a:p>
+          <a:p>
+            <a:pPr lvl="1"/>
+            <a:r>
+              <a:rPr lang="fr-BE" dirty="0" err="1" smtClean="0"/>
+              <a:t>Ansible</a:t>
+            </a:r>
+            <a:r>
+              <a:rPr lang="fr-BE" dirty="0" smtClean="0"/>
+              <a:t> &amp; cloud-</a:t>
+            </a:r>
+            <a:r>
+              <a:rPr lang="fr-BE" dirty="0" err="1" smtClean="0"/>
+              <a:t>init</a:t>
+            </a:r>
+            <a:endParaRPr lang="fr-BE" dirty="0" smtClean="0"/>
+          </a:p>
+          <a:p>
+            <a:pPr lvl="1"/>
+            <a:endParaRPr lang="fr-BE" dirty="0"/>
+          </a:p>
+          <a:p>
             <a:endParaRPr lang="fr-BE" dirty="0"/>
           </a:p>
         </p:txBody>
@@ -21083,16 +25708,70 @@
           </a:p>
         </p:txBody>
       </p:sp>
+      <p:graphicFrame>
+        <p:nvGraphicFramePr>
+          <p:cNvPr id="7" name="Tijdelijke aanduiding voor inhoud 13"/>
+          <p:cNvGraphicFramePr>
+            <a:graphicFrameLocks/>
+          </p:cNvGraphicFramePr>
+          <p:nvPr>
+            <p:extLst>
+              <p:ext uri="{D42A27DB-BD31-4B8C-83A1-F6EECF244321}">
+                <p14:modId xmlns:p14="http://schemas.microsoft.com/office/powerpoint/2010/main" val="2149909053"/>
+              </p:ext>
+            </p:extLst>
+          </p:nvPr>
+        </p:nvGraphicFramePr>
+        <p:xfrm>
+          <a:off x="6375851" y="1853248"/>
+          <a:ext cx="4395788" cy="4200525"/>
+        </p:xfrm>
+        <a:graphic>
+          <a:graphicData uri="http://schemas.openxmlformats.org/drawingml/2006/chart">
+            <c:chart xmlns:c="http://schemas.openxmlformats.org/drawingml/2006/chart" xmlns:r="http://schemas.openxmlformats.org/officeDocument/2006/relationships" r:id="rId2"/>
+          </a:graphicData>
+        </a:graphic>
+      </p:graphicFrame>
+      <p:sp>
+        <p:nvSpPr>
+          <p:cNvPr id="3" name="Tijdelijke aanduiding voor voettekst 2"/>
+          <p:cNvSpPr>
+            <a:spLocks noGrp="1"/>
+          </p:cNvSpPr>
+          <p:nvPr>
+            <p:ph type="ftr" sz="quarter" idx="11"/>
+          </p:nvPr>
+        </p:nvSpPr>
+        <p:spPr/>
+        <p:txBody>
+          <a:bodyPr/>
+          <a:lstStyle/>
+          <a:p>
+            <a:r>
+              <a:rPr lang="en-US" smtClean="0"/>
+              <a:t>Experimenten</a:t>
+            </a:r>
+            <a:endParaRPr lang="en-US"/>
+          </a:p>
+        </p:txBody>
+      </p:sp>
     </p:spTree>
     <p:extLst>
       <p:ext uri="{BB962C8B-B14F-4D97-AF65-F5344CB8AC3E}">
-        <p14:creationId xmlns:p14="http://schemas.microsoft.com/office/powerpoint/2010/main" val="1575480019"/>
+        <p14:creationId xmlns:p14="http://schemas.microsoft.com/office/powerpoint/2010/main" val="2602585114"/>
       </p:ext>
     </p:extLst>
   </p:cSld>
   <p:clrMapOvr>
     <a:masterClrMapping/>
   </p:clrMapOvr>
+  <p:timing>
+    <p:tnLst>
+      <p:par>
+        <p:cTn id="1" dur="indefinite" restart="never" nodeType="tmRoot"/>
+      </p:par>
+    </p:tnLst>
+  </p:timing>
 </p:sld>
 </file>
 
@@ -21115,7 +25794,7 @@
       </p:grpSpPr>
       <p:sp>
         <p:nvSpPr>
-          <p:cNvPr id="5" name="Titel 4"/>
+          <p:cNvPr id="6" name="Titel 5"/>
           <p:cNvSpPr>
             <a:spLocks noGrp="1"/>
           </p:cNvSpPr>
@@ -21134,121 +25813,42 @@
             </a:r>
             <a:r>
               <a:rPr lang="fr-BE" dirty="0"/>
-              <a:t> Na Startup</a:t>
-            </a:r>
-          </a:p>
-        </p:txBody>
-      </p:sp>
-      <p:sp>
-        <p:nvSpPr>
-          <p:cNvPr id="6" name="Tijdelijke aanduiding voor inhoud 5"/>
-          <p:cNvSpPr>
-            <a:spLocks noGrp="1"/>
-          </p:cNvSpPr>
-          <p:nvPr>
-            <p:ph idx="1"/>
-          </p:nvPr>
-        </p:nvSpPr>
-        <p:spPr/>
-        <p:txBody>
-          <a:bodyPr/>
-          <a:lstStyle/>
-          <a:p>
+              <a:t> </a:t>
+            </a:r>
             <a:r>
               <a:rPr lang="fr-BE" dirty="0" smtClean="0"/>
-              <a:t>Cloud-</a:t>
-            </a:r>
-            <a:r>
-              <a:rPr lang="fr-BE" dirty="0" err="1" smtClean="0"/>
-              <a:t>init</a:t>
-            </a:r>
-            <a:endParaRPr lang="fr-BE" dirty="0" smtClean="0"/>
-          </a:p>
-          <a:p>
-            <a:pPr lvl="1"/>
+              <a:t>Na Startup</a:t>
+            </a:r>
+            <a:endParaRPr lang="fr-BE" dirty="0"/>
+          </a:p>
+        </p:txBody>
+      </p:sp>
+      <p:sp>
+        <p:nvSpPr>
+          <p:cNvPr id="7" name="Tijdelijke aanduiding voor tekst 6"/>
+          <p:cNvSpPr>
+            <a:spLocks noGrp="1"/>
+          </p:cNvSpPr>
+          <p:nvPr>
+            <p:ph type="body" idx="1"/>
+          </p:nvPr>
+        </p:nvSpPr>
+        <p:spPr/>
+        <p:txBody>
+          <a:bodyPr/>
+          <a:lstStyle/>
+          <a:p>
             <a:r>
               <a:rPr lang="fr-BE" dirty="0" smtClean="0"/>
-              <a:t>In </a:t>
-            </a:r>
-            <a:r>
-              <a:rPr lang="fr-BE" dirty="0" err="1"/>
-              <a:t>d</a:t>
-            </a:r>
-            <a:r>
-              <a:rPr lang="fr-BE" dirty="0" err="1" smtClean="0"/>
-              <a:t>eze</a:t>
-            </a:r>
-            <a:r>
-              <a:rPr lang="fr-BE" dirty="0" smtClean="0"/>
-              <a:t> setup niet </a:t>
-            </a:r>
-            <a:r>
-              <a:rPr lang="fr-BE" dirty="0" err="1" smtClean="0"/>
-              <a:t>mogelijk</a:t>
-            </a:r>
-            <a:endParaRPr lang="fr-BE" dirty="0" smtClean="0"/>
-          </a:p>
-          <a:p>
-            <a:pPr lvl="1"/>
+              <a:t>Maarten De Smedt</a:t>
+            </a:r>
             <a:endParaRPr lang="fr-BE" dirty="0"/>
           </a:p>
-          <a:p>
-            <a:r>
-              <a:rPr lang="fr-BE" dirty="0" err="1" smtClean="0"/>
-              <a:t>Ansible</a:t>
-            </a:r>
-            <a:endParaRPr lang="fr-BE" dirty="0" smtClean="0"/>
-          </a:p>
-          <a:p>
-            <a:pPr lvl="1"/>
-            <a:r>
-              <a:rPr lang="fr-BE" dirty="0" smtClean="0"/>
-              <a:t>Commando </a:t>
-            </a:r>
-            <a:r>
-              <a:rPr lang="fr-BE" dirty="0" err="1" smtClean="0"/>
-              <a:t>uitvoeren</a:t>
-            </a:r>
-            <a:endParaRPr lang="fr-BE" dirty="0" smtClean="0"/>
-          </a:p>
-          <a:p>
-            <a:pPr lvl="1"/>
-            <a:endParaRPr lang="fr-BE" dirty="0"/>
-          </a:p>
-          <a:p>
-            <a:endParaRPr lang="fr-BE" dirty="0" smtClean="0"/>
-          </a:p>
-          <a:p>
-            <a:r>
-              <a:rPr lang="fr-BE" dirty="0" err="1" smtClean="0"/>
-              <a:t>Beste</a:t>
-            </a:r>
-            <a:r>
-              <a:rPr lang="fr-BE" dirty="0" smtClean="0"/>
-              <a:t> </a:t>
-            </a:r>
-            <a:r>
-              <a:rPr lang="fr-BE" dirty="0" err="1" smtClean="0"/>
-              <a:t>Optie</a:t>
-            </a:r>
-            <a:r>
-              <a:rPr lang="fr-BE" dirty="0" smtClean="0"/>
-              <a:t>?</a:t>
-            </a:r>
-          </a:p>
-          <a:p>
-            <a:pPr lvl="1"/>
-            <a:r>
-              <a:rPr lang="fr-BE" dirty="0" err="1" smtClean="0"/>
-              <a:t>Ansible</a:t>
-            </a:r>
-            <a:endParaRPr lang="fr-BE" dirty="0" smtClean="0"/>
-          </a:p>
-        </p:txBody>
-      </p:sp>
-      <p:sp>
-        <p:nvSpPr>
-          <p:cNvPr id="4" name="Tijdelijke aanduiding voor dianummer 3"/>
+        </p:txBody>
+      </p:sp>
+      <p:sp>
+        <p:nvSpPr>
+          <p:cNvPr id="5" name="Tijdelijke aanduiding voor dianummer 4"/>
           <p:cNvSpPr>
             <a:spLocks noGrp="1"/>
           </p:cNvSpPr>
@@ -21269,16 +25869,46 @@
           </a:p>
         </p:txBody>
       </p:sp>
+      <p:sp>
+        <p:nvSpPr>
+          <p:cNvPr id="2" name="Tijdelijke aanduiding voor voettekst 1"/>
+          <p:cNvSpPr>
+            <a:spLocks noGrp="1"/>
+          </p:cNvSpPr>
+          <p:nvPr>
+            <p:ph type="ftr" sz="quarter" idx="11"/>
+          </p:nvPr>
+        </p:nvSpPr>
+        <p:spPr/>
+        <p:txBody>
+          <a:bodyPr/>
+          <a:lstStyle/>
+          <a:p>
+            <a:r>
+              <a:rPr lang="en-US" smtClean="0"/>
+              <a:t>Experimenten</a:t>
+            </a:r>
+            <a:endParaRPr lang="en-US"/>
+          </a:p>
+        </p:txBody>
+      </p:sp>
     </p:spTree>
     <p:extLst>
       <p:ext uri="{BB962C8B-B14F-4D97-AF65-F5344CB8AC3E}">
-        <p14:creationId xmlns:p14="http://schemas.microsoft.com/office/powerpoint/2010/main" val="1131676644"/>
+        <p14:creationId xmlns:p14="http://schemas.microsoft.com/office/powerpoint/2010/main" val="1575480019"/>
       </p:ext>
     </p:extLst>
   </p:cSld>
   <p:clrMapOvr>
     <a:masterClrMapping/>
   </p:clrMapOvr>
+  <p:timing>
+    <p:tnLst>
+      <p:par>
+        <p:cTn id="1" dur="indefinite" restart="never" nodeType="tmRoot"/>
+      </p:par>
+    </p:tnLst>
+  </p:timing>
 </p:sld>
 </file>
 
@@ -21301,7 +25931,7 @@
       </p:grpSpPr>
       <p:sp>
         <p:nvSpPr>
-          <p:cNvPr id="6" name="Titel 5"/>
+          <p:cNvPr id="5" name="Titel 4"/>
           <p:cNvSpPr>
             <a:spLocks noGrp="1"/>
           </p:cNvSpPr>
@@ -21315,39 +25945,126 @@
           <a:lstStyle/>
           <a:p>
             <a:r>
+              <a:rPr lang="fr-BE" dirty="0" err="1"/>
+              <a:t>Aanpassing</a:t>
+            </a:r>
+            <a:r>
+              <a:rPr lang="fr-BE" dirty="0"/>
+              <a:t> Na Startup</a:t>
+            </a:r>
+          </a:p>
+        </p:txBody>
+      </p:sp>
+      <p:sp>
+        <p:nvSpPr>
+          <p:cNvPr id="6" name="Tijdelijke aanduiding voor inhoud 5"/>
+          <p:cNvSpPr>
+            <a:spLocks noGrp="1"/>
+          </p:cNvSpPr>
+          <p:nvPr>
+            <p:ph idx="1"/>
+          </p:nvPr>
+        </p:nvSpPr>
+        <p:spPr/>
+        <p:txBody>
+          <a:bodyPr/>
+          <a:lstStyle/>
+          <a:p>
+            <a:r>
+              <a:rPr lang="fr-BE" dirty="0" smtClean="0"/>
+              <a:t>Cloud-</a:t>
+            </a:r>
+            <a:r>
               <a:rPr lang="fr-BE" dirty="0" err="1" smtClean="0"/>
-              <a:t>Dockerization</a:t>
-            </a:r>
+              <a:t>init</a:t>
+            </a:r>
+            <a:endParaRPr lang="fr-BE" dirty="0" smtClean="0"/>
+          </a:p>
+          <a:p>
+            <a:pPr lvl="1"/>
+            <a:r>
+              <a:rPr lang="fr-BE" dirty="0" smtClean="0"/>
+              <a:t>In </a:t>
+            </a:r>
+            <a:r>
+              <a:rPr lang="fr-BE" dirty="0" err="1"/>
+              <a:t>d</a:t>
+            </a:r>
+            <a:r>
+              <a:rPr lang="fr-BE" dirty="0" err="1" smtClean="0"/>
+              <a:t>eze</a:t>
+            </a:r>
+            <a:r>
+              <a:rPr lang="fr-BE" dirty="0" smtClean="0"/>
+              <a:t> setup niet </a:t>
+            </a:r>
+            <a:r>
+              <a:rPr lang="fr-BE" dirty="0" err="1" smtClean="0"/>
+              <a:t>mogelijk</a:t>
+            </a:r>
+            <a:endParaRPr lang="fr-BE" dirty="0" smtClean="0"/>
+          </a:p>
+          <a:p>
+            <a:pPr lvl="1"/>
             <a:endParaRPr lang="fr-BE" dirty="0"/>
           </a:p>
-        </p:txBody>
-      </p:sp>
-      <p:sp>
-        <p:nvSpPr>
-          <p:cNvPr id="7" name="Tijdelijke aanduiding voor tekst 6"/>
-          <p:cNvSpPr>
-            <a:spLocks noGrp="1"/>
-          </p:cNvSpPr>
-          <p:nvPr>
-            <p:ph type="body" idx="1"/>
-          </p:nvPr>
-        </p:nvSpPr>
-        <p:spPr/>
-        <p:txBody>
-          <a:bodyPr/>
-          <a:lstStyle/>
-          <a:p>
+          <a:p>
+            <a:r>
+              <a:rPr lang="fr-BE" dirty="0" err="1" smtClean="0"/>
+              <a:t>Ansible</a:t>
+            </a:r>
+            <a:endParaRPr lang="fr-BE" dirty="0" smtClean="0"/>
+          </a:p>
+          <a:p>
+            <a:pPr lvl="1"/>
             <a:r>
               <a:rPr lang="fr-BE" dirty="0" smtClean="0"/>
-              <a:t>Maarten De Smedt</a:t>
-            </a:r>
+              <a:t>Commando </a:t>
+            </a:r>
+            <a:r>
+              <a:rPr lang="fr-BE" dirty="0" err="1" smtClean="0"/>
+              <a:t>uitvoeren</a:t>
+            </a:r>
+            <a:endParaRPr lang="fr-BE" dirty="0" smtClean="0"/>
+          </a:p>
+          <a:p>
+            <a:pPr lvl="1"/>
             <a:endParaRPr lang="fr-BE" dirty="0"/>
           </a:p>
-        </p:txBody>
-      </p:sp>
-      <p:sp>
-        <p:nvSpPr>
-          <p:cNvPr id="5" name="Tijdelijke aanduiding voor dianummer 4"/>
+          <a:p>
+            <a:endParaRPr lang="fr-BE" dirty="0" smtClean="0"/>
+          </a:p>
+          <a:p>
+            <a:r>
+              <a:rPr lang="fr-BE" dirty="0" err="1" smtClean="0"/>
+              <a:t>Beste</a:t>
+            </a:r>
+            <a:r>
+              <a:rPr lang="fr-BE" dirty="0" smtClean="0"/>
+              <a:t> </a:t>
+            </a:r>
+            <a:r>
+              <a:rPr lang="fr-BE" dirty="0" err="1" smtClean="0"/>
+              <a:t>Optie</a:t>
+            </a:r>
+            <a:r>
+              <a:rPr lang="fr-BE" dirty="0" smtClean="0"/>
+              <a:t>?</a:t>
+            </a:r>
+          </a:p>
+          <a:p>
+            <a:pPr lvl="1"/>
+            <a:r>
+              <a:rPr lang="fr-BE" dirty="0" err="1" smtClean="0"/>
+              <a:t>Ansible</a:t>
+            </a:r>
+            <a:endParaRPr lang="fr-BE" dirty="0" smtClean="0"/>
+          </a:p>
+        </p:txBody>
+      </p:sp>
+      <p:sp>
+        <p:nvSpPr>
+          <p:cNvPr id="4" name="Tijdelijke aanduiding voor dianummer 3"/>
           <p:cNvSpPr>
             <a:spLocks noGrp="1"/>
           </p:cNvSpPr>
@@ -21368,16 +26085,46 @@
           </a:p>
         </p:txBody>
       </p:sp>
+      <p:sp>
+        <p:nvSpPr>
+          <p:cNvPr id="2" name="Tijdelijke aanduiding voor voettekst 1"/>
+          <p:cNvSpPr>
+            <a:spLocks noGrp="1"/>
+          </p:cNvSpPr>
+          <p:nvPr>
+            <p:ph type="ftr" sz="quarter" idx="11"/>
+          </p:nvPr>
+        </p:nvSpPr>
+        <p:spPr/>
+        <p:txBody>
+          <a:bodyPr/>
+          <a:lstStyle/>
+          <a:p>
+            <a:r>
+              <a:rPr lang="en-US" smtClean="0"/>
+              <a:t>Experimenten</a:t>
+            </a:r>
+            <a:endParaRPr lang="en-US"/>
+          </a:p>
+        </p:txBody>
+      </p:sp>
     </p:spTree>
     <p:extLst>
       <p:ext uri="{BB962C8B-B14F-4D97-AF65-F5344CB8AC3E}">
-        <p14:creationId xmlns:p14="http://schemas.microsoft.com/office/powerpoint/2010/main" val="1857862771"/>
+        <p14:creationId xmlns:p14="http://schemas.microsoft.com/office/powerpoint/2010/main" val="1131676644"/>
       </p:ext>
     </p:extLst>
   </p:cSld>
   <p:clrMapOvr>
     <a:masterClrMapping/>
   </p:clrMapOvr>
+  <p:timing>
+    <p:tnLst>
+      <p:par>
+        <p:cTn id="1" dur="indefinite" restart="never" nodeType="tmRoot"/>
+      </p:par>
+    </p:tnLst>
+  </p:timing>
 </p:sld>
 </file>
 
@@ -21400,7 +26147,7 @@
       </p:grpSpPr>
       <p:sp>
         <p:nvSpPr>
-          <p:cNvPr id="5" name="Titel 4"/>
+          <p:cNvPr id="6" name="Titel 5"/>
           <p:cNvSpPr>
             <a:spLocks noGrp="1"/>
           </p:cNvSpPr>
@@ -21414,7 +26161,7 @@
           <a:lstStyle/>
           <a:p>
             <a:r>
-              <a:rPr lang="fr-BE" dirty="0" err="1"/>
+              <a:rPr lang="fr-BE" dirty="0" err="1" smtClean="0"/>
               <a:t>Dockerization</a:t>
             </a:r>
             <a:endParaRPr lang="fr-BE" dirty="0"/>
@@ -21423,12 +26170,12 @@
       </p:sp>
       <p:sp>
         <p:nvSpPr>
-          <p:cNvPr id="6" name="Tijdelijke aanduiding voor inhoud 5"/>
-          <p:cNvSpPr>
-            <a:spLocks noGrp="1"/>
-          </p:cNvSpPr>
-          <p:nvPr>
-            <p:ph idx="1"/>
+          <p:cNvPr id="7" name="Tijdelijke aanduiding voor tekst 6"/>
+          <p:cNvSpPr>
+            <a:spLocks noGrp="1"/>
+          </p:cNvSpPr>
+          <p:nvPr>
+            <p:ph type="body" idx="1"/>
           </p:nvPr>
         </p:nvSpPr>
         <p:spPr/>
@@ -21438,164 +26185,15 @@
           <a:p>
             <a:r>
               <a:rPr lang="fr-BE" dirty="0" smtClean="0"/>
-              <a:t>Docker server</a:t>
-            </a:r>
-          </a:p>
-          <a:p>
-            <a:pPr lvl="1"/>
-            <a:r>
-              <a:rPr lang="fr-BE" dirty="0" smtClean="0"/>
-              <a:t>1 Container </a:t>
-            </a:r>
-            <a:r>
-              <a:rPr lang="fr-BE" dirty="0" smtClean="0">
-                <a:sym typeface="Wingdings" panose="05000000000000000000" pitchFamily="2" charset="2"/>
-              </a:rPr>
-              <a:t> </a:t>
-            </a:r>
-            <a:r>
-              <a:rPr lang="fr-BE" dirty="0" err="1" smtClean="0">
-                <a:sym typeface="Wingdings" panose="05000000000000000000" pitchFamily="2" charset="2"/>
-              </a:rPr>
-              <a:t>my-sql</a:t>
-            </a:r>
-            <a:r>
-              <a:rPr lang="fr-BE" dirty="0" smtClean="0">
-                <a:sym typeface="Wingdings" panose="05000000000000000000" pitchFamily="2" charset="2"/>
-              </a:rPr>
-              <a:t> server</a:t>
-            </a:r>
-          </a:p>
-          <a:p>
-            <a:pPr lvl="1"/>
-            <a:endParaRPr lang="fr-BE" dirty="0">
-              <a:sym typeface="Wingdings" panose="05000000000000000000" pitchFamily="2" charset="2"/>
-            </a:endParaRPr>
-          </a:p>
-          <a:p>
-            <a:r>
-              <a:rPr lang="fr-BE" dirty="0" smtClean="0">
-                <a:sym typeface="Wingdings" panose="05000000000000000000" pitchFamily="2" charset="2"/>
-              </a:rPr>
-              <a:t>Cloud-</a:t>
-            </a:r>
-            <a:r>
-              <a:rPr lang="fr-BE" dirty="0" err="1" smtClean="0">
-                <a:sym typeface="Wingdings" panose="05000000000000000000" pitchFamily="2" charset="2"/>
-              </a:rPr>
-              <a:t>init</a:t>
-            </a:r>
-            <a:r>
-              <a:rPr lang="fr-BE" dirty="0" smtClean="0">
-                <a:sym typeface="Wingdings" panose="05000000000000000000" pitchFamily="2" charset="2"/>
-              </a:rPr>
-              <a:t> </a:t>
-            </a:r>
-            <a:r>
-              <a:rPr lang="fr-BE" dirty="0" err="1" smtClean="0">
-                <a:sym typeface="Wingdings" panose="05000000000000000000" pitchFamily="2" charset="2"/>
-              </a:rPr>
-              <a:t>configuratie</a:t>
-            </a:r>
-            <a:endParaRPr lang="fr-BE" dirty="0" smtClean="0">
-              <a:sym typeface="Wingdings" panose="05000000000000000000" pitchFamily="2" charset="2"/>
-            </a:endParaRPr>
-          </a:p>
-          <a:p>
-            <a:pPr lvl="1"/>
-            <a:r>
-              <a:rPr lang="fr-BE" dirty="0" smtClean="0">
-                <a:sym typeface="Wingdings" panose="05000000000000000000" pitchFamily="2" charset="2"/>
-              </a:rPr>
-              <a:t>Docker-compose</a:t>
-            </a:r>
-          </a:p>
-          <a:p>
-            <a:endParaRPr lang="fr-BE" dirty="0">
-              <a:sym typeface="Wingdings" panose="05000000000000000000" pitchFamily="2" charset="2"/>
-            </a:endParaRPr>
-          </a:p>
-          <a:p>
-            <a:r>
-              <a:rPr lang="fr-BE" dirty="0" err="1" smtClean="0">
-                <a:sym typeface="Wingdings" panose="05000000000000000000" pitchFamily="2" charset="2"/>
-              </a:rPr>
-              <a:t>Ansible</a:t>
-            </a:r>
-            <a:r>
-              <a:rPr lang="fr-BE" dirty="0" smtClean="0">
-                <a:sym typeface="Wingdings" panose="05000000000000000000" pitchFamily="2" charset="2"/>
-              </a:rPr>
-              <a:t> en « </a:t>
-            </a:r>
-            <a:r>
-              <a:rPr lang="fr-BE" dirty="0" err="1" smtClean="0">
-                <a:sym typeface="Wingdings" panose="05000000000000000000" pitchFamily="2" charset="2"/>
-              </a:rPr>
-              <a:t>Ansible</a:t>
-            </a:r>
-            <a:r>
-              <a:rPr lang="fr-BE" dirty="0" smtClean="0">
-                <a:sym typeface="Wingdings" panose="05000000000000000000" pitchFamily="2" charset="2"/>
-              </a:rPr>
-              <a:t> &amp; cloud-</a:t>
-            </a:r>
-            <a:r>
-              <a:rPr lang="fr-BE" dirty="0" err="1" smtClean="0">
-                <a:sym typeface="Wingdings" panose="05000000000000000000" pitchFamily="2" charset="2"/>
-              </a:rPr>
-              <a:t>init</a:t>
-            </a:r>
-            <a:r>
-              <a:rPr lang="fr-BE" dirty="0" smtClean="0">
-                <a:sym typeface="Wingdings" panose="05000000000000000000" pitchFamily="2" charset="2"/>
-              </a:rPr>
-              <a:t> » </a:t>
-            </a:r>
-            <a:r>
-              <a:rPr lang="fr-BE" dirty="0" err="1" smtClean="0">
-                <a:sym typeface="Wingdings" panose="05000000000000000000" pitchFamily="2" charset="2"/>
-              </a:rPr>
-              <a:t>configuratie</a:t>
-            </a:r>
-            <a:endParaRPr lang="fr-BE" dirty="0" smtClean="0">
-              <a:sym typeface="Wingdings" panose="05000000000000000000" pitchFamily="2" charset="2"/>
-            </a:endParaRPr>
-          </a:p>
-          <a:p>
-            <a:pPr lvl="1"/>
-            <a:r>
-              <a:rPr lang="fr-BE" dirty="0" err="1" smtClean="0">
-                <a:sym typeface="Wingdings" panose="05000000000000000000" pitchFamily="2" charset="2"/>
-              </a:rPr>
-              <a:t>Ansible</a:t>
-            </a:r>
-            <a:r>
-              <a:rPr lang="fr-BE" dirty="0" smtClean="0">
-                <a:sym typeface="Wingdings" panose="05000000000000000000" pitchFamily="2" charset="2"/>
-              </a:rPr>
-              <a:t> module</a:t>
-            </a:r>
-          </a:p>
-          <a:p>
-            <a:pPr lvl="1"/>
-            <a:endParaRPr lang="fr-BE" dirty="0" smtClean="0">
-              <a:sym typeface="Wingdings" panose="05000000000000000000" pitchFamily="2" charset="2"/>
-            </a:endParaRPr>
-          </a:p>
-          <a:p>
-            <a:pPr lvl="1"/>
-            <a:endParaRPr lang="fr-BE" dirty="0" smtClean="0"/>
-          </a:p>
-          <a:p>
-            <a:pPr lvl="1"/>
-            <a:endParaRPr lang="fr-BE" dirty="0" smtClean="0"/>
-          </a:p>
-        </p:txBody>
-      </p:sp>
-      <p:sp>
-        <p:nvSpPr>
-          <p:cNvPr id="4" name="Tijdelijke aanduiding voor dianummer 3"/>
+              <a:t>Maarten De Smedt</a:t>
+            </a:r>
+            <a:endParaRPr lang="fr-BE" dirty="0"/>
+          </a:p>
+        </p:txBody>
+      </p:sp>
+      <p:sp>
+        <p:nvSpPr>
+          <p:cNvPr id="5" name="Tijdelijke aanduiding voor dianummer 4"/>
           <p:cNvSpPr>
             <a:spLocks noGrp="1"/>
           </p:cNvSpPr>
@@ -21616,16 +26214,46 @@
           </a:p>
         </p:txBody>
       </p:sp>
+      <p:sp>
+        <p:nvSpPr>
+          <p:cNvPr id="2" name="Tijdelijke aanduiding voor voettekst 1"/>
+          <p:cNvSpPr>
+            <a:spLocks noGrp="1"/>
+          </p:cNvSpPr>
+          <p:nvPr>
+            <p:ph type="ftr" sz="quarter" idx="11"/>
+          </p:nvPr>
+        </p:nvSpPr>
+        <p:spPr/>
+        <p:txBody>
+          <a:bodyPr/>
+          <a:lstStyle/>
+          <a:p>
+            <a:r>
+              <a:rPr lang="en-US" smtClean="0"/>
+              <a:t>Experimenten</a:t>
+            </a:r>
+            <a:endParaRPr lang="en-US"/>
+          </a:p>
+        </p:txBody>
+      </p:sp>
     </p:spTree>
     <p:extLst>
       <p:ext uri="{BB962C8B-B14F-4D97-AF65-F5344CB8AC3E}">
-        <p14:creationId xmlns:p14="http://schemas.microsoft.com/office/powerpoint/2010/main" val="451016163"/>
+        <p14:creationId xmlns:p14="http://schemas.microsoft.com/office/powerpoint/2010/main" val="1857862771"/>
       </p:ext>
     </p:extLst>
   </p:cSld>
   <p:clrMapOvr>
     <a:masterClrMapping/>
   </p:clrMapOvr>
+  <p:timing>
+    <p:tnLst>
+      <p:par>
+        <p:cTn id="1" dur="indefinite" restart="never" nodeType="tmRoot"/>
+      </p:par>
+    </p:tnLst>
+  </p:timing>
 </p:sld>
 </file>
 
@@ -21781,7 +26409,7 @@
       </p:grpSpPr>
       <p:sp>
         <p:nvSpPr>
-          <p:cNvPr id="2" name="Titel 1"/>
+          <p:cNvPr id="5" name="Titel 4"/>
           <p:cNvSpPr>
             <a:spLocks noGrp="1"/>
           </p:cNvSpPr>
@@ -21795,37 +26423,79 @@
           <a:lstStyle/>
           <a:p>
             <a:r>
-              <a:rPr lang="fr-BE" dirty="0" err="1" smtClean="0"/>
+              <a:rPr lang="fr-BE" dirty="0" err="1"/>
               <a:t>Dockerization</a:t>
             </a:r>
+            <a:endParaRPr lang="fr-BE" dirty="0"/>
+          </a:p>
+        </p:txBody>
+      </p:sp>
+      <p:sp>
+        <p:nvSpPr>
+          <p:cNvPr id="6" name="Tijdelijke aanduiding voor inhoud 5"/>
+          <p:cNvSpPr>
+            <a:spLocks noGrp="1"/>
+          </p:cNvSpPr>
+          <p:nvPr>
+            <p:ph idx="1"/>
+          </p:nvPr>
+        </p:nvSpPr>
+        <p:spPr/>
+        <p:txBody>
+          <a:bodyPr/>
+          <a:lstStyle/>
+          <a:p>
             <a:r>
               <a:rPr lang="fr-BE" dirty="0" smtClean="0"/>
-              <a:t>: </a:t>
-            </a:r>
-            <a:r>
-              <a:rPr lang="fr-BE" smtClean="0"/>
-              <a:t>Resultaat</a:t>
-            </a:r>
-            <a:endParaRPr lang="fr-BE" dirty="0"/>
-          </a:p>
-        </p:txBody>
-      </p:sp>
-      <p:sp>
-        <p:nvSpPr>
-          <p:cNvPr id="3" name="Tijdelijke aanduiding voor inhoud 2"/>
-          <p:cNvSpPr>
-            <a:spLocks noGrp="1"/>
-          </p:cNvSpPr>
-          <p:nvPr>
-            <p:ph idx="1"/>
-          </p:nvPr>
-        </p:nvSpPr>
-        <p:spPr/>
-        <p:txBody>
-          <a:bodyPr/>
-          <a:lstStyle/>
-          <a:p>
-            <a:endParaRPr lang="fr-BE" dirty="0"/>
+              <a:t>Docker server</a:t>
+            </a:r>
+          </a:p>
+          <a:p>
+            <a:pPr lvl="1"/>
+            <a:r>
+              <a:rPr lang="fr-BE" dirty="0" smtClean="0"/>
+              <a:t>1 Container </a:t>
+            </a:r>
+            <a:r>
+              <a:rPr lang="fr-BE" dirty="0" smtClean="0">
+                <a:sym typeface="Wingdings" panose="05000000000000000000" pitchFamily="2" charset="2"/>
+              </a:rPr>
+              <a:t> </a:t>
+            </a:r>
+            <a:r>
+              <a:rPr lang="fr-BE" dirty="0" err="1" smtClean="0">
+                <a:sym typeface="Wingdings" panose="05000000000000000000" pitchFamily="2" charset="2"/>
+              </a:rPr>
+              <a:t>my-sql</a:t>
+            </a:r>
+            <a:r>
+              <a:rPr lang="fr-BE" dirty="0" smtClean="0">
+                <a:sym typeface="Wingdings" panose="05000000000000000000" pitchFamily="2" charset="2"/>
+              </a:rPr>
+              <a:t> server</a:t>
+            </a:r>
+          </a:p>
+          <a:p>
+            <a:pPr lvl="1"/>
+            <a:endParaRPr lang="fr-BE" dirty="0">
+              <a:sym typeface="Wingdings" panose="05000000000000000000" pitchFamily="2" charset="2"/>
+            </a:endParaRPr>
+          </a:p>
+          <a:p>
+            <a:pPr marL="457200" lvl="1" indent="0">
+              <a:buNone/>
+            </a:pPr>
+            <a:endParaRPr lang="fr-BE" dirty="0" smtClean="0">
+              <a:sym typeface="Wingdings" panose="05000000000000000000" pitchFamily="2" charset="2"/>
+            </a:endParaRPr>
+          </a:p>
+          <a:p>
+            <a:pPr lvl="1"/>
+            <a:endParaRPr lang="fr-BE" dirty="0" smtClean="0"/>
+          </a:p>
+          <a:p>
+            <a:pPr lvl="1"/>
+            <a:endParaRPr lang="fr-BE" dirty="0" smtClean="0"/>
           </a:p>
         </p:txBody>
       </p:sp>
@@ -21848,6 +26518,227 @@
               <a:rPr lang="en-US" smtClean="0"/>
               <a:t>40</a:t>
             </a:fld>
+            <a:endParaRPr lang="en-US"/>
+          </a:p>
+        </p:txBody>
+      </p:sp>
+      <p:sp>
+        <p:nvSpPr>
+          <p:cNvPr id="2" name="Tijdelijke aanduiding voor voettekst 1"/>
+          <p:cNvSpPr>
+            <a:spLocks noGrp="1"/>
+          </p:cNvSpPr>
+          <p:nvPr>
+            <p:ph type="ftr" sz="quarter" idx="11"/>
+          </p:nvPr>
+        </p:nvSpPr>
+        <p:spPr/>
+        <p:txBody>
+          <a:bodyPr/>
+          <a:lstStyle/>
+          <a:p>
+            <a:r>
+              <a:rPr lang="en-US" smtClean="0"/>
+              <a:t>Experimenten</a:t>
+            </a:r>
+            <a:endParaRPr lang="en-US"/>
+          </a:p>
+        </p:txBody>
+      </p:sp>
+    </p:spTree>
+    <p:extLst>
+      <p:ext uri="{BB962C8B-B14F-4D97-AF65-F5344CB8AC3E}">
+        <p14:creationId xmlns:p14="http://schemas.microsoft.com/office/powerpoint/2010/main" val="451016163"/>
+      </p:ext>
+    </p:extLst>
+  </p:cSld>
+  <p:clrMapOvr>
+    <a:masterClrMapping/>
+  </p:clrMapOvr>
+  <p:timing>
+    <p:tnLst>
+      <p:par>
+        <p:cTn id="1" dur="indefinite" restart="never" nodeType="tmRoot"/>
+      </p:par>
+    </p:tnLst>
+  </p:timing>
+</p:sld>
+</file>
+
+<file path=ppt/slides/slide41.xml><?xml version="1.0" encoding="utf-8"?>
+<p:sld xmlns:a="http://schemas.openxmlformats.org/drawingml/2006/main" xmlns:r="http://schemas.openxmlformats.org/officeDocument/2006/relationships" xmlns:p="http://schemas.openxmlformats.org/presentationml/2006/main">
+  <p:cSld>
+    <p:spTree>
+      <p:nvGrpSpPr>
+        <p:cNvPr id="1" name=""/>
+        <p:cNvGrpSpPr/>
+        <p:nvPr/>
+      </p:nvGrpSpPr>
+      <p:grpSpPr>
+        <a:xfrm>
+          <a:off x="0" y="0"/>
+          <a:ext cx="0" cy="0"/>
+          <a:chOff x="0" y="0"/>
+          <a:chExt cx="0" cy="0"/>
+        </a:xfrm>
+      </p:grpSpPr>
+      <p:sp>
+        <p:nvSpPr>
+          <p:cNvPr id="2" name="Titel 1"/>
+          <p:cNvSpPr>
+            <a:spLocks noGrp="1"/>
+          </p:cNvSpPr>
+          <p:nvPr>
+            <p:ph type="title"/>
+          </p:nvPr>
+        </p:nvSpPr>
+        <p:spPr/>
+        <p:txBody>
+          <a:bodyPr/>
+          <a:lstStyle/>
+          <a:p>
+            <a:r>
+              <a:rPr lang="fr-BE" dirty="0" err="1" smtClean="0"/>
+              <a:t>Dockerization</a:t>
+            </a:r>
+            <a:r>
+              <a:rPr lang="fr-BE" dirty="0" smtClean="0"/>
+              <a:t>: </a:t>
+            </a:r>
+            <a:r>
+              <a:rPr lang="fr-BE" dirty="0" smtClean="0"/>
+              <a:t>Cloud-</a:t>
+            </a:r>
+            <a:r>
+              <a:rPr lang="fr-BE" dirty="0" err="1" smtClean="0"/>
+              <a:t>init</a:t>
+            </a:r>
+            <a:endParaRPr lang="fr-BE" dirty="0"/>
+          </a:p>
+        </p:txBody>
+      </p:sp>
+      <p:sp>
+        <p:nvSpPr>
+          <p:cNvPr id="3" name="Tijdelijke aanduiding voor inhoud 2"/>
+          <p:cNvSpPr>
+            <a:spLocks noGrp="1"/>
+          </p:cNvSpPr>
+          <p:nvPr>
+            <p:ph sz="half" idx="1"/>
+          </p:nvPr>
+        </p:nvSpPr>
+        <p:spPr/>
+        <p:txBody>
+          <a:bodyPr/>
+          <a:lstStyle/>
+          <a:p>
+            <a:r>
+              <a:rPr lang="fr-BE" dirty="0" smtClean="0"/>
+              <a:t>Docker-compose</a:t>
+            </a:r>
+          </a:p>
+          <a:p>
+            <a:endParaRPr lang="fr-BE" dirty="0"/>
+          </a:p>
+          <a:p>
+            <a:r>
+              <a:rPr lang="fr-BE" dirty="0" smtClean="0"/>
+              <a:t>Module: </a:t>
+            </a:r>
+            <a:r>
+              <a:rPr lang="fr-BE" i="1" dirty="0" err="1" smtClean="0"/>
+              <a:t>write_files</a:t>
+            </a:r>
+            <a:endParaRPr lang="fr-BE" dirty="0"/>
+          </a:p>
+          <a:p>
+            <a:pPr lvl="1"/>
+            <a:r>
+              <a:rPr lang="fr-BE" dirty="0" smtClean="0"/>
+              <a:t>Docker compose </a:t>
+            </a:r>
+            <a:r>
+              <a:rPr lang="fr-BE" dirty="0" err="1" smtClean="0"/>
+              <a:t>bestand</a:t>
+            </a:r>
+            <a:endParaRPr lang="fr-BE" dirty="0" smtClean="0"/>
+          </a:p>
+          <a:p>
+            <a:pPr lvl="1"/>
+            <a:endParaRPr lang="fr-BE" dirty="0"/>
+          </a:p>
+        </p:txBody>
+      </p:sp>
+      <p:pic>
+        <p:nvPicPr>
+          <p:cNvPr id="6" name="Tijdelijke aanduiding voor inhoud 5"/>
+          <p:cNvPicPr>
+            <a:picLocks noGrp="1" noChangeAspect="1"/>
+          </p:cNvPicPr>
+          <p:nvPr>
+            <p:ph sz="half" idx="2"/>
+          </p:nvPr>
+        </p:nvPicPr>
+        <p:blipFill rotWithShape="1">
+          <a:blip r:embed="rId3">
+            <a:extLst>
+              <a:ext uri="{28A0092B-C50C-407E-A947-70E740481C1C}">
+                <a14:useLocalDpi xmlns:a14="http://schemas.microsoft.com/office/drawing/2010/main" val="0"/>
+              </a:ext>
+            </a:extLst>
+          </a:blip>
+          <a:srcRect t="40972" b="13124"/>
+          <a:stretch/>
+        </p:blipFill>
+        <p:spPr>
+          <a:xfrm>
+            <a:off x="5851202" y="2060575"/>
+            <a:ext cx="5339537" cy="2584173"/>
+          </a:xfrm>
+        </p:spPr>
+      </p:pic>
+      <p:sp>
+        <p:nvSpPr>
+          <p:cNvPr id="4" name="Tijdelijke aanduiding voor dianummer 3"/>
+          <p:cNvSpPr>
+            <a:spLocks noGrp="1"/>
+          </p:cNvSpPr>
+          <p:nvPr>
+            <p:ph type="sldNum" sz="quarter" idx="12"/>
+          </p:nvPr>
+        </p:nvSpPr>
+        <p:spPr/>
+        <p:txBody>
+          <a:bodyPr/>
+          <a:lstStyle/>
+          <a:p>
+            <a:fld id="{4436F60F-0C7F-4E8F-906C-164A4C087B51}" type="slidenum">
+              <a:rPr lang="en-US" smtClean="0"/>
+              <a:t>41</a:t>
+            </a:fld>
+            <a:endParaRPr lang="en-US"/>
+          </a:p>
+        </p:txBody>
+      </p:sp>
+      <p:sp>
+        <p:nvSpPr>
+          <p:cNvPr id="7" name="Tijdelijke aanduiding voor voettekst 6"/>
+          <p:cNvSpPr>
+            <a:spLocks noGrp="1"/>
+          </p:cNvSpPr>
+          <p:nvPr>
+            <p:ph type="ftr" sz="quarter" idx="11"/>
+          </p:nvPr>
+        </p:nvSpPr>
+        <p:spPr/>
+        <p:txBody>
+          <a:bodyPr/>
+          <a:lstStyle/>
+          <a:p>
+            <a:r>
+              <a:rPr lang="en-US" smtClean="0"/>
+              <a:t>Experimenten</a:t>
+            </a:r>
             <a:endParaRPr lang="en-US"/>
           </a:p>
         </p:txBody>
@@ -21862,6 +26753,1544 @@
   <p:clrMapOvr>
     <a:masterClrMapping/>
   </p:clrMapOvr>
+  <p:timing>
+    <p:tnLst>
+      <p:par>
+        <p:cTn id="1" dur="indefinite" restart="never" nodeType="tmRoot"/>
+      </p:par>
+    </p:tnLst>
+  </p:timing>
+</p:sld>
+</file>
+
+<file path=ppt/slides/slide42.xml><?xml version="1.0" encoding="utf-8"?>
+<p:sld xmlns:a="http://schemas.openxmlformats.org/drawingml/2006/main" xmlns:r="http://schemas.openxmlformats.org/officeDocument/2006/relationships" xmlns:p="http://schemas.openxmlformats.org/presentationml/2006/main">
+  <p:cSld>
+    <p:spTree>
+      <p:nvGrpSpPr>
+        <p:cNvPr id="1" name=""/>
+        <p:cNvGrpSpPr/>
+        <p:nvPr/>
+      </p:nvGrpSpPr>
+      <p:grpSpPr>
+        <a:xfrm>
+          <a:off x="0" y="0"/>
+          <a:ext cx="0" cy="0"/>
+          <a:chOff x="0" y="0"/>
+          <a:chExt cx="0" cy="0"/>
+        </a:xfrm>
+      </p:grpSpPr>
+      <p:sp>
+        <p:nvSpPr>
+          <p:cNvPr id="2" name="Titel 1"/>
+          <p:cNvSpPr>
+            <a:spLocks noGrp="1"/>
+          </p:cNvSpPr>
+          <p:nvPr>
+            <p:ph type="title"/>
+          </p:nvPr>
+        </p:nvSpPr>
+        <p:spPr/>
+        <p:txBody>
+          <a:bodyPr/>
+          <a:lstStyle/>
+          <a:p>
+            <a:r>
+              <a:rPr lang="fr-BE" dirty="0" err="1" smtClean="0"/>
+              <a:t>Dockerization</a:t>
+            </a:r>
+            <a:r>
+              <a:rPr lang="fr-BE" dirty="0" smtClean="0"/>
+              <a:t>: </a:t>
+            </a:r>
+            <a:r>
+              <a:rPr lang="fr-BE" dirty="0" err="1" smtClean="0"/>
+              <a:t>Ansible</a:t>
+            </a:r>
+            <a:endParaRPr lang="fr-BE" dirty="0"/>
+          </a:p>
+        </p:txBody>
+      </p:sp>
+      <p:sp>
+        <p:nvSpPr>
+          <p:cNvPr id="3" name="Tijdelijke aanduiding voor inhoud 2"/>
+          <p:cNvSpPr>
+            <a:spLocks noGrp="1"/>
+          </p:cNvSpPr>
+          <p:nvPr>
+            <p:ph sz="half" idx="1"/>
+          </p:nvPr>
+        </p:nvSpPr>
+        <p:spPr/>
+        <p:txBody>
+          <a:bodyPr/>
+          <a:lstStyle/>
+          <a:p>
+            <a:r>
+              <a:rPr lang="fr-BE" dirty="0" err="1" smtClean="0"/>
+              <a:t>Ansible</a:t>
+            </a:r>
+            <a:r>
+              <a:rPr lang="fr-BE" dirty="0" smtClean="0"/>
+              <a:t> module</a:t>
+            </a:r>
+          </a:p>
+          <a:p>
+            <a:endParaRPr lang="fr-BE" dirty="0"/>
+          </a:p>
+          <a:p>
+            <a:r>
+              <a:rPr lang="fr-BE" dirty="0" smtClean="0"/>
+              <a:t>3 extra </a:t>
+            </a:r>
+            <a:r>
+              <a:rPr lang="fr-BE" dirty="0" err="1" smtClean="0"/>
+              <a:t>pip</a:t>
+            </a:r>
+            <a:r>
+              <a:rPr lang="fr-BE" dirty="0" smtClean="0"/>
+              <a:t> packages </a:t>
+            </a:r>
+            <a:r>
+              <a:rPr lang="fr-BE" dirty="0" err="1" smtClean="0"/>
+              <a:t>nodig</a:t>
+            </a:r>
+            <a:endParaRPr lang="fr-BE" dirty="0"/>
+          </a:p>
+        </p:txBody>
+      </p:sp>
+      <p:pic>
+        <p:nvPicPr>
+          <p:cNvPr id="6" name="Tijdelijke aanduiding voor inhoud 5"/>
+          <p:cNvPicPr>
+            <a:picLocks noGrp="1" noChangeAspect="1"/>
+          </p:cNvPicPr>
+          <p:nvPr>
+            <p:ph sz="half" idx="2"/>
+          </p:nvPr>
+        </p:nvPicPr>
+        <p:blipFill>
+          <a:blip r:embed="rId3">
+            <a:extLst>
+              <a:ext uri="{28A0092B-C50C-407E-A947-70E740481C1C}">
+                <a14:useLocalDpi xmlns:a14="http://schemas.microsoft.com/office/drawing/2010/main" val="0"/>
+              </a:ext>
+            </a:extLst>
+          </a:blip>
+          <a:stretch>
+            <a:fillRect/>
+          </a:stretch>
+        </p:blipFill>
+        <p:spPr>
+          <a:xfrm>
+            <a:off x="5841680" y="2055813"/>
+            <a:ext cx="4021778" cy="4200525"/>
+          </a:xfrm>
+        </p:spPr>
+      </p:pic>
+      <p:sp>
+        <p:nvSpPr>
+          <p:cNvPr id="5" name="Tijdelijke aanduiding voor dianummer 4"/>
+          <p:cNvSpPr>
+            <a:spLocks noGrp="1"/>
+          </p:cNvSpPr>
+          <p:nvPr>
+            <p:ph type="sldNum" sz="quarter" idx="12"/>
+          </p:nvPr>
+        </p:nvSpPr>
+        <p:spPr/>
+        <p:txBody>
+          <a:bodyPr/>
+          <a:lstStyle/>
+          <a:p>
+            <a:fld id="{4436F60F-0C7F-4E8F-906C-164A4C087B51}" type="slidenum">
+              <a:rPr lang="en-US" smtClean="0"/>
+              <a:t>42</a:t>
+            </a:fld>
+            <a:endParaRPr lang="en-US"/>
+          </a:p>
+        </p:txBody>
+      </p:sp>
+      <p:sp>
+        <p:nvSpPr>
+          <p:cNvPr id="7" name="Tijdelijke aanduiding voor voettekst 6"/>
+          <p:cNvSpPr>
+            <a:spLocks noGrp="1"/>
+          </p:cNvSpPr>
+          <p:nvPr>
+            <p:ph type="ftr" sz="quarter" idx="11"/>
+          </p:nvPr>
+        </p:nvSpPr>
+        <p:spPr/>
+        <p:txBody>
+          <a:bodyPr/>
+          <a:lstStyle/>
+          <a:p>
+            <a:r>
+              <a:rPr lang="en-US" smtClean="0"/>
+              <a:t>Experimenten</a:t>
+            </a:r>
+            <a:endParaRPr lang="en-US"/>
+          </a:p>
+        </p:txBody>
+      </p:sp>
+    </p:spTree>
+    <p:extLst>
+      <p:ext uri="{BB962C8B-B14F-4D97-AF65-F5344CB8AC3E}">
+        <p14:creationId xmlns:p14="http://schemas.microsoft.com/office/powerpoint/2010/main" val="1862374963"/>
+      </p:ext>
+    </p:extLst>
+  </p:cSld>
+  <p:clrMapOvr>
+    <a:masterClrMapping/>
+  </p:clrMapOvr>
+  <p:timing>
+    <p:tnLst>
+      <p:par>
+        <p:cTn id="1" dur="indefinite" restart="never" nodeType="tmRoot"/>
+      </p:par>
+    </p:tnLst>
+  </p:timing>
+</p:sld>
+</file>
+
+<file path=ppt/slides/slide43.xml><?xml version="1.0" encoding="utf-8"?>
+<p:sld xmlns:a="http://schemas.openxmlformats.org/drawingml/2006/main" xmlns:r="http://schemas.openxmlformats.org/officeDocument/2006/relationships" xmlns:p="http://schemas.openxmlformats.org/presentationml/2006/main">
+  <p:cSld>
+    <p:spTree>
+      <p:nvGrpSpPr>
+        <p:cNvPr id="1" name=""/>
+        <p:cNvGrpSpPr/>
+        <p:nvPr/>
+      </p:nvGrpSpPr>
+      <p:grpSpPr>
+        <a:xfrm>
+          <a:off x="0" y="0"/>
+          <a:ext cx="0" cy="0"/>
+          <a:chOff x="0" y="0"/>
+          <a:chExt cx="0" cy="0"/>
+        </a:xfrm>
+      </p:grpSpPr>
+      <p:sp>
+        <p:nvSpPr>
+          <p:cNvPr id="2" name="Titel 1"/>
+          <p:cNvSpPr>
+            <a:spLocks noGrp="1"/>
+          </p:cNvSpPr>
+          <p:nvPr>
+            <p:ph type="title"/>
+          </p:nvPr>
+        </p:nvSpPr>
+        <p:spPr/>
+        <p:txBody>
+          <a:bodyPr/>
+          <a:lstStyle/>
+          <a:p>
+            <a:r>
+              <a:rPr lang="fr-BE" dirty="0" err="1" smtClean="0"/>
+              <a:t>Dockerization</a:t>
+            </a:r>
+            <a:r>
+              <a:rPr lang="fr-BE" dirty="0" smtClean="0"/>
+              <a:t>: </a:t>
+            </a:r>
+            <a:r>
+              <a:rPr lang="fr-BE" dirty="0" err="1" smtClean="0"/>
+              <a:t>Ansible</a:t>
+            </a:r>
+            <a:r>
+              <a:rPr lang="fr-BE" dirty="0" smtClean="0"/>
+              <a:t> &amp; cloud-</a:t>
+            </a:r>
+            <a:r>
+              <a:rPr lang="fr-BE" dirty="0" err="1" smtClean="0"/>
+              <a:t>init</a:t>
+            </a:r>
+            <a:endParaRPr lang="fr-BE" dirty="0"/>
+          </a:p>
+        </p:txBody>
+      </p:sp>
+      <p:sp>
+        <p:nvSpPr>
+          <p:cNvPr id="3" name="Tijdelijke aanduiding voor inhoud 2"/>
+          <p:cNvSpPr>
+            <a:spLocks noGrp="1"/>
+          </p:cNvSpPr>
+          <p:nvPr>
+            <p:ph idx="1"/>
+          </p:nvPr>
+        </p:nvSpPr>
+        <p:spPr/>
+        <p:txBody>
+          <a:bodyPr/>
+          <a:lstStyle/>
+          <a:p>
+            <a:r>
+              <a:rPr lang="fr-BE" dirty="0" err="1" smtClean="0"/>
+              <a:t>Zoals</a:t>
+            </a:r>
+            <a:r>
+              <a:rPr lang="fr-BE" dirty="0" smtClean="0"/>
+              <a:t> </a:t>
+            </a:r>
+            <a:r>
+              <a:rPr lang="fr-BE" dirty="0" err="1" smtClean="0"/>
+              <a:t>Ansible</a:t>
+            </a:r>
+            <a:endParaRPr lang="fr-BE" dirty="0"/>
+          </a:p>
+        </p:txBody>
+      </p:sp>
+      <p:sp>
+        <p:nvSpPr>
+          <p:cNvPr id="5" name="Tijdelijke aanduiding voor dianummer 4"/>
+          <p:cNvSpPr>
+            <a:spLocks noGrp="1"/>
+          </p:cNvSpPr>
+          <p:nvPr>
+            <p:ph type="sldNum" sz="quarter" idx="12"/>
+          </p:nvPr>
+        </p:nvSpPr>
+        <p:spPr/>
+        <p:txBody>
+          <a:bodyPr/>
+          <a:lstStyle/>
+          <a:p>
+            <a:fld id="{4436F60F-0C7F-4E8F-906C-164A4C087B51}" type="slidenum">
+              <a:rPr lang="en-US" smtClean="0"/>
+              <a:t>43</a:t>
+            </a:fld>
+            <a:endParaRPr lang="en-US"/>
+          </a:p>
+        </p:txBody>
+      </p:sp>
+      <p:sp>
+        <p:nvSpPr>
+          <p:cNvPr id="6" name="Tijdelijke aanduiding voor voettekst 5"/>
+          <p:cNvSpPr>
+            <a:spLocks noGrp="1"/>
+          </p:cNvSpPr>
+          <p:nvPr>
+            <p:ph type="ftr" sz="quarter" idx="11"/>
+          </p:nvPr>
+        </p:nvSpPr>
+        <p:spPr/>
+        <p:txBody>
+          <a:bodyPr/>
+          <a:lstStyle/>
+          <a:p>
+            <a:r>
+              <a:rPr lang="en-US" smtClean="0"/>
+              <a:t>Experimenten</a:t>
+            </a:r>
+            <a:endParaRPr lang="en-US"/>
+          </a:p>
+        </p:txBody>
+      </p:sp>
+    </p:spTree>
+    <p:extLst>
+      <p:ext uri="{BB962C8B-B14F-4D97-AF65-F5344CB8AC3E}">
+        <p14:creationId xmlns:p14="http://schemas.microsoft.com/office/powerpoint/2010/main" val="2618844279"/>
+      </p:ext>
+    </p:extLst>
+  </p:cSld>
+  <p:clrMapOvr>
+    <a:masterClrMapping/>
+  </p:clrMapOvr>
+  <p:timing>
+    <p:tnLst>
+      <p:par>
+        <p:cTn id="1" dur="indefinite" restart="never" nodeType="tmRoot"/>
+      </p:par>
+    </p:tnLst>
+  </p:timing>
+</p:sld>
+</file>
+
+<file path=ppt/slides/slide44.xml><?xml version="1.0" encoding="utf-8"?>
+<p:sld xmlns:a="http://schemas.openxmlformats.org/drawingml/2006/main" xmlns:r="http://schemas.openxmlformats.org/officeDocument/2006/relationships" xmlns:p="http://schemas.openxmlformats.org/presentationml/2006/main">
+  <p:cSld>
+    <p:spTree>
+      <p:nvGrpSpPr>
+        <p:cNvPr id="1" name=""/>
+        <p:cNvGrpSpPr/>
+        <p:nvPr/>
+      </p:nvGrpSpPr>
+      <p:grpSpPr>
+        <a:xfrm>
+          <a:off x="0" y="0"/>
+          <a:ext cx="0" cy="0"/>
+          <a:chOff x="0" y="0"/>
+          <a:chExt cx="0" cy="0"/>
+        </a:xfrm>
+      </p:grpSpPr>
+      <p:sp>
+        <p:nvSpPr>
+          <p:cNvPr id="2" name="Titel 1"/>
+          <p:cNvSpPr>
+            <a:spLocks noGrp="1"/>
+          </p:cNvSpPr>
+          <p:nvPr>
+            <p:ph type="title"/>
+          </p:nvPr>
+        </p:nvSpPr>
+        <p:spPr/>
+        <p:txBody>
+          <a:bodyPr/>
+          <a:lstStyle/>
+          <a:p>
+            <a:r>
+              <a:rPr lang="fr-BE" dirty="0" err="1" smtClean="0"/>
+              <a:t>Dockerization</a:t>
+            </a:r>
+            <a:r>
+              <a:rPr lang="fr-BE" dirty="0" smtClean="0"/>
+              <a:t>: </a:t>
+            </a:r>
+            <a:r>
+              <a:rPr lang="fr-BE" dirty="0" err="1" smtClean="0"/>
+              <a:t>Resultaat</a:t>
+            </a:r>
+            <a:endParaRPr lang="fr-BE" dirty="0"/>
+          </a:p>
+        </p:txBody>
+      </p:sp>
+      <p:sp>
+        <p:nvSpPr>
+          <p:cNvPr id="3" name="Tijdelijke aanduiding voor inhoud 2"/>
+          <p:cNvSpPr>
+            <a:spLocks noGrp="1"/>
+          </p:cNvSpPr>
+          <p:nvPr>
+            <p:ph sz="half" idx="1"/>
+          </p:nvPr>
+        </p:nvSpPr>
+        <p:spPr/>
+        <p:txBody>
+          <a:bodyPr/>
+          <a:lstStyle/>
+          <a:p>
+            <a:r>
+              <a:rPr lang="fr-BE" dirty="0" smtClean="0"/>
+              <a:t>1 (</a:t>
+            </a:r>
+            <a:r>
+              <a:rPr lang="fr-BE" dirty="0" err="1" smtClean="0"/>
+              <a:t>klein</a:t>
+            </a:r>
+            <a:r>
+              <a:rPr lang="fr-BE" dirty="0" smtClean="0"/>
+              <a:t> </a:t>
+            </a:r>
+            <a:r>
+              <a:rPr lang="fr-BE" dirty="0" err="1" smtClean="0"/>
+              <a:t>aantal</a:t>
+            </a:r>
+            <a:r>
+              <a:rPr lang="fr-BE" dirty="0" smtClean="0"/>
+              <a:t>) container</a:t>
+            </a:r>
+          </a:p>
+          <a:p>
+            <a:pPr lvl="1"/>
+            <a:r>
+              <a:rPr lang="fr-BE" dirty="0" err="1" smtClean="0"/>
+              <a:t>Allemaal</a:t>
+            </a:r>
+            <a:endParaRPr lang="fr-BE" dirty="0" smtClean="0"/>
+          </a:p>
+          <a:p>
+            <a:pPr lvl="1"/>
+            <a:endParaRPr lang="fr-BE" dirty="0"/>
+          </a:p>
+          <a:p>
+            <a:r>
+              <a:rPr lang="fr-BE" dirty="0" err="1" smtClean="0"/>
+              <a:t>Meerdere</a:t>
+            </a:r>
+            <a:r>
+              <a:rPr lang="fr-BE" dirty="0" smtClean="0"/>
+              <a:t> containers</a:t>
+            </a:r>
+          </a:p>
+          <a:p>
+            <a:pPr lvl="1"/>
+            <a:r>
+              <a:rPr lang="fr-BE" dirty="0" err="1" smtClean="0"/>
+              <a:t>Ansible</a:t>
+            </a:r>
+            <a:endParaRPr lang="fr-BE" dirty="0" smtClean="0"/>
+          </a:p>
+          <a:p>
+            <a:pPr lvl="1"/>
+            <a:r>
+              <a:rPr lang="fr-BE" dirty="0" err="1" smtClean="0"/>
+              <a:t>Ansible</a:t>
+            </a:r>
+            <a:r>
+              <a:rPr lang="fr-BE" dirty="0" smtClean="0"/>
+              <a:t> &amp; cloud-</a:t>
+            </a:r>
+            <a:r>
+              <a:rPr lang="fr-BE" dirty="0" err="1" smtClean="0"/>
+              <a:t>init</a:t>
+            </a:r>
+            <a:r>
+              <a:rPr lang="fr-BE" dirty="0" smtClean="0"/>
+              <a:t> </a:t>
+            </a:r>
+            <a:r>
+              <a:rPr lang="fr-BE" dirty="0" smtClean="0">
+                <a:sym typeface="Wingdings" panose="05000000000000000000" pitchFamily="2" charset="2"/>
+              </a:rPr>
+              <a:t> </a:t>
+            </a:r>
+            <a:r>
+              <a:rPr lang="fr-BE" dirty="0" err="1" smtClean="0">
+                <a:sym typeface="Wingdings" panose="05000000000000000000" pitchFamily="2" charset="2"/>
+              </a:rPr>
+              <a:t>bij</a:t>
+            </a:r>
+            <a:r>
+              <a:rPr lang="fr-BE" dirty="0" smtClean="0">
+                <a:sym typeface="Wingdings" panose="05000000000000000000" pitchFamily="2" charset="2"/>
+              </a:rPr>
+              <a:t> startup</a:t>
+            </a:r>
+            <a:endParaRPr lang="fr-BE" dirty="0" smtClean="0"/>
+          </a:p>
+          <a:p>
+            <a:endParaRPr lang="fr-BE" dirty="0"/>
+          </a:p>
+        </p:txBody>
+      </p:sp>
+      <p:graphicFrame>
+        <p:nvGraphicFramePr>
+          <p:cNvPr id="12" name="Tijdelijke aanduiding voor inhoud 11"/>
+          <p:cNvGraphicFramePr>
+            <a:graphicFrameLocks noGrp="1"/>
+          </p:cNvGraphicFramePr>
+          <p:nvPr>
+            <p:ph sz="half" idx="2"/>
+            <p:extLst>
+              <p:ext uri="{D42A27DB-BD31-4B8C-83A1-F6EECF244321}">
+                <p14:modId xmlns:p14="http://schemas.microsoft.com/office/powerpoint/2010/main" val="510395945"/>
+              </p:ext>
+            </p:extLst>
+          </p:nvPr>
+        </p:nvGraphicFramePr>
+        <p:xfrm>
+          <a:off x="5654675" y="2055813"/>
+          <a:ext cx="4395788" cy="4200525"/>
+        </p:xfrm>
+        <a:graphic>
+          <a:graphicData uri="http://schemas.openxmlformats.org/drawingml/2006/chart">
+            <c:chart xmlns:c="http://schemas.openxmlformats.org/drawingml/2006/chart" xmlns:r="http://schemas.openxmlformats.org/officeDocument/2006/relationships" r:id="rId3"/>
+          </a:graphicData>
+        </a:graphic>
+      </p:graphicFrame>
+      <p:sp>
+        <p:nvSpPr>
+          <p:cNvPr id="4" name="Tijdelijke aanduiding voor dianummer 3"/>
+          <p:cNvSpPr>
+            <a:spLocks noGrp="1"/>
+          </p:cNvSpPr>
+          <p:nvPr>
+            <p:ph type="sldNum" sz="quarter" idx="12"/>
+          </p:nvPr>
+        </p:nvSpPr>
+        <p:spPr/>
+        <p:txBody>
+          <a:bodyPr/>
+          <a:lstStyle/>
+          <a:p>
+            <a:fld id="{4436F60F-0C7F-4E8F-906C-164A4C087B51}" type="slidenum">
+              <a:rPr lang="en-US" smtClean="0"/>
+              <a:t>44</a:t>
+            </a:fld>
+            <a:endParaRPr lang="en-US"/>
+          </a:p>
+        </p:txBody>
+      </p:sp>
+      <p:sp>
+        <p:nvSpPr>
+          <p:cNvPr id="13" name="Tijdelijke aanduiding voor voettekst 12"/>
+          <p:cNvSpPr>
+            <a:spLocks noGrp="1"/>
+          </p:cNvSpPr>
+          <p:nvPr>
+            <p:ph type="ftr" sz="quarter" idx="11"/>
+          </p:nvPr>
+        </p:nvSpPr>
+        <p:spPr/>
+        <p:txBody>
+          <a:bodyPr/>
+          <a:lstStyle/>
+          <a:p>
+            <a:r>
+              <a:rPr lang="en-US" smtClean="0"/>
+              <a:t>Experimenten</a:t>
+            </a:r>
+            <a:endParaRPr lang="en-US"/>
+          </a:p>
+        </p:txBody>
+      </p:sp>
+    </p:spTree>
+    <p:extLst>
+      <p:ext uri="{BB962C8B-B14F-4D97-AF65-F5344CB8AC3E}">
+        <p14:creationId xmlns:p14="http://schemas.microsoft.com/office/powerpoint/2010/main" val="3744018851"/>
+      </p:ext>
+    </p:extLst>
+  </p:cSld>
+  <p:clrMapOvr>
+    <a:masterClrMapping/>
+  </p:clrMapOvr>
+  <p:timing>
+    <p:tnLst>
+      <p:par>
+        <p:cTn id="1" dur="indefinite" restart="never" nodeType="tmRoot"/>
+      </p:par>
+    </p:tnLst>
+  </p:timing>
+</p:sld>
+</file>
+
+<file path=ppt/slides/slide45.xml><?xml version="1.0" encoding="utf-8"?>
+<p:sld xmlns:a="http://schemas.openxmlformats.org/drawingml/2006/main" xmlns:r="http://schemas.openxmlformats.org/officeDocument/2006/relationships" xmlns:p="http://schemas.openxmlformats.org/presentationml/2006/main">
+  <p:cSld>
+    <p:spTree>
+      <p:nvGrpSpPr>
+        <p:cNvPr id="1" name=""/>
+        <p:cNvGrpSpPr/>
+        <p:nvPr/>
+      </p:nvGrpSpPr>
+      <p:grpSpPr>
+        <a:xfrm>
+          <a:off x="0" y="0"/>
+          <a:ext cx="0" cy="0"/>
+          <a:chOff x="0" y="0"/>
+          <a:chExt cx="0" cy="0"/>
+        </a:xfrm>
+      </p:grpSpPr>
+      <p:sp>
+        <p:nvSpPr>
+          <p:cNvPr id="6" name="Titel 5"/>
+          <p:cNvSpPr>
+            <a:spLocks noGrp="1"/>
+          </p:cNvSpPr>
+          <p:nvPr>
+            <p:ph type="title"/>
+          </p:nvPr>
+        </p:nvSpPr>
+        <p:spPr/>
+        <p:txBody>
+          <a:bodyPr/>
+          <a:lstStyle/>
+          <a:p>
+            <a:r>
+              <a:rPr lang="fr-BE" sz="5400" b="1" dirty="0" smtClean="0">
+                <a:solidFill>
+                  <a:srgbClr val="EBEBEB"/>
+                </a:solidFill>
+              </a:rPr>
+              <a:t>4. </a:t>
+            </a:r>
+            <a:r>
+              <a:rPr lang="fr-BE" sz="5400" b="1" dirty="0" err="1">
+                <a:solidFill>
+                  <a:srgbClr val="EBEBEB"/>
+                </a:solidFill>
+              </a:rPr>
+              <a:t>Conlusie</a:t>
+            </a:r>
+            <a:endParaRPr lang="fr-BE" sz="5400" b="1" dirty="0">
+              <a:solidFill>
+                <a:srgbClr val="EBEBEB"/>
+              </a:solidFill>
+            </a:endParaRPr>
+          </a:p>
+        </p:txBody>
+      </p:sp>
+      <p:sp>
+        <p:nvSpPr>
+          <p:cNvPr id="7" name="Tijdelijke aanduiding voor tekst 6"/>
+          <p:cNvSpPr>
+            <a:spLocks noGrp="1"/>
+          </p:cNvSpPr>
+          <p:nvPr>
+            <p:ph type="body" idx="1"/>
+          </p:nvPr>
+        </p:nvSpPr>
+        <p:spPr/>
+        <p:txBody>
+          <a:bodyPr/>
+          <a:lstStyle/>
+          <a:p>
+            <a:r>
+              <a:rPr lang="fr-BE" dirty="0" smtClean="0"/>
+              <a:t>Maarten De Smedt</a:t>
+            </a:r>
+            <a:endParaRPr lang="fr-BE" dirty="0"/>
+          </a:p>
+        </p:txBody>
+      </p:sp>
+      <p:sp>
+        <p:nvSpPr>
+          <p:cNvPr id="5" name="Tijdelijke aanduiding voor dianummer 4"/>
+          <p:cNvSpPr>
+            <a:spLocks noGrp="1"/>
+          </p:cNvSpPr>
+          <p:nvPr>
+            <p:ph type="sldNum" sz="quarter" idx="12"/>
+          </p:nvPr>
+        </p:nvSpPr>
+        <p:spPr/>
+        <p:txBody>
+          <a:bodyPr/>
+          <a:lstStyle/>
+          <a:p>
+            <a:fld id="{4436F60F-0C7F-4E8F-906C-164A4C087B51}" type="slidenum">
+              <a:rPr lang="en-US" smtClean="0"/>
+              <a:t>45</a:t>
+            </a:fld>
+            <a:endParaRPr lang="en-US"/>
+          </a:p>
+        </p:txBody>
+      </p:sp>
+      <p:sp>
+        <p:nvSpPr>
+          <p:cNvPr id="8" name="Tijdelijke aanduiding voor voettekst 7"/>
+          <p:cNvSpPr>
+            <a:spLocks noGrp="1"/>
+          </p:cNvSpPr>
+          <p:nvPr>
+            <p:ph type="ftr" sz="quarter" idx="11"/>
+          </p:nvPr>
+        </p:nvSpPr>
+        <p:spPr/>
+        <p:txBody>
+          <a:bodyPr/>
+          <a:lstStyle/>
+          <a:p>
+            <a:r>
+              <a:rPr lang="en-US" smtClean="0"/>
+              <a:t>Conclusie</a:t>
+            </a:r>
+            <a:endParaRPr lang="en-US"/>
+          </a:p>
+        </p:txBody>
+      </p:sp>
+    </p:spTree>
+    <p:extLst>
+      <p:ext uri="{BB962C8B-B14F-4D97-AF65-F5344CB8AC3E}">
+        <p14:creationId xmlns:p14="http://schemas.microsoft.com/office/powerpoint/2010/main" val="1796465015"/>
+      </p:ext>
+    </p:extLst>
+  </p:cSld>
+  <p:clrMapOvr>
+    <a:masterClrMapping/>
+  </p:clrMapOvr>
+  <p:timing>
+    <p:tnLst>
+      <p:par>
+        <p:cTn id="1" dur="indefinite" restart="never" nodeType="tmRoot"/>
+      </p:par>
+    </p:tnLst>
+  </p:timing>
+</p:sld>
+</file>
+
+<file path=ppt/slides/slide46.xml><?xml version="1.0" encoding="utf-8"?>
+<p:sld xmlns:a="http://schemas.openxmlformats.org/drawingml/2006/main" xmlns:r="http://schemas.openxmlformats.org/officeDocument/2006/relationships" xmlns:p="http://schemas.openxmlformats.org/presentationml/2006/main">
+  <p:cSld>
+    <p:spTree>
+      <p:nvGrpSpPr>
+        <p:cNvPr id="1" name=""/>
+        <p:cNvGrpSpPr/>
+        <p:nvPr/>
+      </p:nvGrpSpPr>
+      <p:grpSpPr>
+        <a:xfrm>
+          <a:off x="0" y="0"/>
+          <a:ext cx="0" cy="0"/>
+          <a:chOff x="0" y="0"/>
+          <a:chExt cx="0" cy="0"/>
+        </a:xfrm>
+      </p:grpSpPr>
+      <p:sp>
+        <p:nvSpPr>
+          <p:cNvPr id="5" name="Titel 4"/>
+          <p:cNvSpPr>
+            <a:spLocks noGrp="1"/>
+          </p:cNvSpPr>
+          <p:nvPr>
+            <p:ph type="title"/>
+          </p:nvPr>
+        </p:nvSpPr>
+        <p:spPr/>
+        <p:txBody>
+          <a:bodyPr/>
+          <a:lstStyle/>
+          <a:p>
+            <a:r>
+              <a:rPr lang="fr-BE" dirty="0" err="1" smtClean="0"/>
+              <a:t>Conclusie</a:t>
+            </a:r>
+            <a:endParaRPr lang="fr-BE" dirty="0"/>
+          </a:p>
+        </p:txBody>
+      </p:sp>
+      <p:sp>
+        <p:nvSpPr>
+          <p:cNvPr id="10" name="Tijdelijke aanduiding voor inhoud 9"/>
+          <p:cNvSpPr>
+            <a:spLocks noGrp="1"/>
+          </p:cNvSpPr>
+          <p:nvPr>
+            <p:ph idx="1"/>
+          </p:nvPr>
+        </p:nvSpPr>
+        <p:spPr/>
+        <p:txBody>
+          <a:bodyPr/>
+          <a:lstStyle/>
+          <a:p>
+            <a:r>
+              <a:rPr lang="fr-BE" dirty="0"/>
+              <a:t>Is </a:t>
+            </a:r>
+            <a:r>
+              <a:rPr lang="fr-BE" dirty="0" err="1"/>
+              <a:t>Ansible</a:t>
+            </a:r>
+            <a:r>
+              <a:rPr lang="fr-BE" dirty="0"/>
+              <a:t> </a:t>
+            </a:r>
+            <a:r>
+              <a:rPr lang="fr-BE" dirty="0" err="1"/>
+              <a:t>overbodig</a:t>
+            </a:r>
+            <a:r>
+              <a:rPr lang="fr-BE" dirty="0"/>
+              <a:t> </a:t>
+            </a:r>
+            <a:r>
+              <a:rPr lang="fr-BE" dirty="0" err="1"/>
+              <a:t>door</a:t>
+            </a:r>
+            <a:r>
+              <a:rPr lang="fr-BE" dirty="0"/>
+              <a:t> het </a:t>
+            </a:r>
+            <a:r>
+              <a:rPr lang="fr-BE" dirty="0" err="1"/>
+              <a:t>gebruik</a:t>
+            </a:r>
+            <a:r>
+              <a:rPr lang="fr-BE" dirty="0"/>
+              <a:t> cloud-</a:t>
+            </a:r>
+            <a:r>
+              <a:rPr lang="fr-BE" dirty="0" err="1"/>
+              <a:t>init</a:t>
+            </a:r>
+            <a:r>
+              <a:rPr lang="fr-BE" dirty="0" smtClean="0"/>
+              <a:t>?</a:t>
+            </a:r>
+          </a:p>
+          <a:p>
+            <a:pPr lvl="1"/>
+            <a:r>
+              <a:rPr lang="fr-BE" dirty="0" err="1" smtClean="0"/>
+              <a:t>Nee</a:t>
+            </a:r>
+            <a:endParaRPr lang="fr-BE" dirty="0"/>
+          </a:p>
+          <a:p>
+            <a:endParaRPr lang="fr-BE" dirty="0" smtClean="0"/>
+          </a:p>
+          <a:p>
+            <a:r>
+              <a:rPr lang="fr-BE" dirty="0" smtClean="0"/>
+              <a:t>Basis </a:t>
+            </a:r>
+            <a:r>
+              <a:rPr lang="fr-BE" dirty="0" err="1" smtClean="0"/>
+              <a:t>configuraties</a:t>
+            </a:r>
+            <a:endParaRPr lang="fr-BE" dirty="0" smtClean="0"/>
+          </a:p>
+          <a:p>
+            <a:pPr lvl="1"/>
+            <a:r>
+              <a:rPr lang="fr-BE" dirty="0" smtClean="0"/>
+              <a:t>Cloud-</a:t>
+            </a:r>
+            <a:r>
+              <a:rPr lang="fr-BE" dirty="0" err="1" smtClean="0"/>
+              <a:t>init</a:t>
+            </a:r>
+            <a:endParaRPr lang="fr-BE" dirty="0" smtClean="0"/>
+          </a:p>
+          <a:p>
+            <a:pPr lvl="1"/>
+            <a:r>
+              <a:rPr lang="fr-BE" dirty="0" err="1" smtClean="0"/>
+              <a:t>Ansible</a:t>
+            </a:r>
+            <a:endParaRPr lang="fr-BE" dirty="0" smtClean="0"/>
+          </a:p>
+          <a:p>
+            <a:pPr lvl="1"/>
+            <a:endParaRPr lang="fr-BE" dirty="0"/>
+          </a:p>
+          <a:p>
+            <a:r>
+              <a:rPr lang="fr-BE" dirty="0" err="1" smtClean="0"/>
+              <a:t>Gevanceerde</a:t>
+            </a:r>
+            <a:r>
+              <a:rPr lang="fr-BE" dirty="0" smtClean="0"/>
+              <a:t> </a:t>
+            </a:r>
+            <a:r>
+              <a:rPr lang="fr-BE" dirty="0" err="1" smtClean="0"/>
+              <a:t>configuraties</a:t>
+            </a:r>
+            <a:endParaRPr lang="fr-BE" dirty="0" smtClean="0"/>
+          </a:p>
+          <a:p>
+            <a:pPr lvl="1"/>
+            <a:r>
+              <a:rPr lang="fr-BE" dirty="0" err="1" smtClean="0"/>
+              <a:t>Ansible</a:t>
+            </a:r>
+            <a:endParaRPr lang="fr-BE" dirty="0" smtClean="0"/>
+          </a:p>
+          <a:p>
+            <a:endParaRPr lang="fr-BE" dirty="0"/>
+          </a:p>
+        </p:txBody>
+      </p:sp>
+      <p:sp>
+        <p:nvSpPr>
+          <p:cNvPr id="4" name="Tijdelijke aanduiding voor dianummer 3"/>
+          <p:cNvSpPr>
+            <a:spLocks noGrp="1"/>
+          </p:cNvSpPr>
+          <p:nvPr>
+            <p:ph type="sldNum" sz="quarter" idx="12"/>
+          </p:nvPr>
+        </p:nvSpPr>
+        <p:spPr/>
+        <p:txBody>
+          <a:bodyPr/>
+          <a:lstStyle/>
+          <a:p>
+            <a:fld id="{4436F60F-0C7F-4E8F-906C-164A4C087B51}" type="slidenum">
+              <a:rPr lang="en-US" smtClean="0"/>
+              <a:t>46</a:t>
+            </a:fld>
+            <a:endParaRPr lang="en-US"/>
+          </a:p>
+        </p:txBody>
+      </p:sp>
+      <p:sp>
+        <p:nvSpPr>
+          <p:cNvPr id="12" name="Tijdelijke aanduiding voor voettekst 11"/>
+          <p:cNvSpPr>
+            <a:spLocks noGrp="1"/>
+          </p:cNvSpPr>
+          <p:nvPr>
+            <p:ph type="ftr" sz="quarter" idx="11"/>
+          </p:nvPr>
+        </p:nvSpPr>
+        <p:spPr/>
+        <p:txBody>
+          <a:bodyPr/>
+          <a:lstStyle/>
+          <a:p>
+            <a:r>
+              <a:rPr lang="en-US" smtClean="0"/>
+              <a:t>Conclusie</a:t>
+            </a:r>
+            <a:endParaRPr lang="en-US"/>
+          </a:p>
+        </p:txBody>
+      </p:sp>
+    </p:spTree>
+    <p:extLst>
+      <p:ext uri="{BB962C8B-B14F-4D97-AF65-F5344CB8AC3E}">
+        <p14:creationId xmlns:p14="http://schemas.microsoft.com/office/powerpoint/2010/main" val="2615139213"/>
+      </p:ext>
+    </p:extLst>
+  </p:cSld>
+  <p:clrMapOvr>
+    <a:masterClrMapping/>
+  </p:clrMapOvr>
+  <p:timing>
+    <p:tnLst>
+      <p:par>
+        <p:cTn id="1" dur="indefinite" restart="never" nodeType="tmRoot"/>
+      </p:par>
+    </p:tnLst>
+  </p:timing>
+</p:sld>
+</file>
+
+<file path=ppt/slides/slide47.xml><?xml version="1.0" encoding="utf-8"?>
+<p:sld xmlns:a="http://schemas.openxmlformats.org/drawingml/2006/main" xmlns:r="http://schemas.openxmlformats.org/officeDocument/2006/relationships" xmlns:p="http://schemas.openxmlformats.org/presentationml/2006/main">
+  <p:cSld>
+    <p:spTree>
+      <p:nvGrpSpPr>
+        <p:cNvPr id="1" name=""/>
+        <p:cNvGrpSpPr/>
+        <p:nvPr/>
+      </p:nvGrpSpPr>
+      <p:grpSpPr>
+        <a:xfrm>
+          <a:off x="0" y="0"/>
+          <a:ext cx="0" cy="0"/>
+          <a:chOff x="0" y="0"/>
+          <a:chExt cx="0" cy="0"/>
+        </a:xfrm>
+      </p:grpSpPr>
+      <p:sp>
+        <p:nvSpPr>
+          <p:cNvPr id="5" name="Titel 4"/>
+          <p:cNvSpPr>
+            <a:spLocks noGrp="1"/>
+          </p:cNvSpPr>
+          <p:nvPr>
+            <p:ph type="title"/>
+          </p:nvPr>
+        </p:nvSpPr>
+        <p:spPr/>
+        <p:txBody>
+          <a:bodyPr/>
+          <a:lstStyle/>
+          <a:p>
+            <a:r>
+              <a:rPr lang="fr-BE" dirty="0" err="1" smtClean="0"/>
+              <a:t>Conclusie</a:t>
+            </a:r>
+            <a:endParaRPr lang="fr-BE" dirty="0"/>
+          </a:p>
+        </p:txBody>
+      </p:sp>
+      <p:sp>
+        <p:nvSpPr>
+          <p:cNvPr id="10" name="Tijdelijke aanduiding voor inhoud 9"/>
+          <p:cNvSpPr>
+            <a:spLocks noGrp="1"/>
+          </p:cNvSpPr>
+          <p:nvPr>
+            <p:ph idx="1"/>
+          </p:nvPr>
+        </p:nvSpPr>
+        <p:spPr/>
+        <p:txBody>
+          <a:bodyPr/>
+          <a:lstStyle/>
+          <a:p>
+            <a:r>
+              <a:rPr lang="fr-BE" dirty="0" err="1"/>
+              <a:t>Kunnen</a:t>
+            </a:r>
+            <a:r>
+              <a:rPr lang="fr-BE" dirty="0"/>
+              <a:t> </a:t>
+            </a:r>
+            <a:r>
+              <a:rPr lang="fr-BE" dirty="0" err="1"/>
+              <a:t>Ansible</a:t>
+            </a:r>
+            <a:r>
+              <a:rPr lang="fr-BE" dirty="0"/>
+              <a:t> en cloud-</a:t>
+            </a:r>
+            <a:r>
+              <a:rPr lang="fr-BE" dirty="0" err="1"/>
+              <a:t>init</a:t>
+            </a:r>
+            <a:r>
+              <a:rPr lang="fr-BE" dirty="0"/>
+              <a:t> </a:t>
+            </a:r>
+            <a:r>
+              <a:rPr lang="fr-BE" dirty="0" err="1" smtClean="0"/>
+              <a:t>samenwerken</a:t>
+            </a:r>
+            <a:r>
+              <a:rPr lang="fr-BE" dirty="0" smtClean="0"/>
+              <a:t>?</a:t>
+            </a:r>
+            <a:endParaRPr lang="fr-BE" dirty="0"/>
+          </a:p>
+          <a:p>
+            <a:pPr lvl="1"/>
+            <a:r>
+              <a:rPr lang="fr-BE" dirty="0" err="1"/>
+              <a:t>Ja</a:t>
+            </a:r>
+            <a:endParaRPr lang="fr-BE" dirty="0"/>
+          </a:p>
+          <a:p>
+            <a:endParaRPr lang="fr-BE" dirty="0" smtClean="0"/>
+          </a:p>
+          <a:p>
+            <a:r>
+              <a:rPr lang="fr-BE" dirty="0" smtClean="0"/>
+              <a:t>Servers </a:t>
+            </a:r>
+            <a:r>
+              <a:rPr lang="fr-BE" dirty="0" err="1" smtClean="0"/>
+              <a:t>aanmaken</a:t>
+            </a:r>
+            <a:r>
+              <a:rPr lang="fr-BE" dirty="0" smtClean="0"/>
+              <a:t> met </a:t>
+            </a:r>
+            <a:r>
+              <a:rPr lang="fr-BE" dirty="0" err="1" smtClean="0"/>
+              <a:t>geavanceerde</a:t>
+            </a:r>
+            <a:r>
+              <a:rPr lang="fr-BE" dirty="0" smtClean="0"/>
+              <a:t> </a:t>
+            </a:r>
+            <a:r>
+              <a:rPr lang="fr-BE" dirty="0" err="1" smtClean="0"/>
+              <a:t>configuraties</a:t>
+            </a:r>
+            <a:r>
+              <a:rPr lang="fr-BE" dirty="0" smtClean="0"/>
+              <a:t> </a:t>
+            </a:r>
+            <a:r>
+              <a:rPr lang="fr-BE" dirty="0" err="1" smtClean="0"/>
+              <a:t>bij</a:t>
+            </a:r>
+            <a:r>
+              <a:rPr lang="fr-BE" dirty="0" smtClean="0"/>
+              <a:t> startup</a:t>
+            </a:r>
+            <a:endParaRPr lang="fr-BE" dirty="0"/>
+          </a:p>
+          <a:p>
+            <a:endParaRPr lang="fr-BE" dirty="0"/>
+          </a:p>
+          <a:p>
+            <a:endParaRPr lang="fr-BE" dirty="0"/>
+          </a:p>
+        </p:txBody>
+      </p:sp>
+      <p:sp>
+        <p:nvSpPr>
+          <p:cNvPr id="4" name="Tijdelijke aanduiding voor dianummer 3"/>
+          <p:cNvSpPr>
+            <a:spLocks noGrp="1"/>
+          </p:cNvSpPr>
+          <p:nvPr>
+            <p:ph type="sldNum" sz="quarter" idx="12"/>
+          </p:nvPr>
+        </p:nvSpPr>
+        <p:spPr/>
+        <p:txBody>
+          <a:bodyPr/>
+          <a:lstStyle/>
+          <a:p>
+            <a:fld id="{4436F60F-0C7F-4E8F-906C-164A4C087B51}" type="slidenum">
+              <a:rPr lang="en-US" smtClean="0"/>
+              <a:t>47</a:t>
+            </a:fld>
+            <a:endParaRPr lang="en-US"/>
+          </a:p>
+        </p:txBody>
+      </p:sp>
+      <p:sp>
+        <p:nvSpPr>
+          <p:cNvPr id="2" name="Tijdelijke aanduiding voor voettekst 1"/>
+          <p:cNvSpPr>
+            <a:spLocks noGrp="1"/>
+          </p:cNvSpPr>
+          <p:nvPr>
+            <p:ph type="ftr" sz="quarter" idx="11"/>
+          </p:nvPr>
+        </p:nvSpPr>
+        <p:spPr/>
+        <p:txBody>
+          <a:bodyPr/>
+          <a:lstStyle/>
+          <a:p>
+            <a:r>
+              <a:rPr lang="en-US" smtClean="0"/>
+              <a:t>Conclusie</a:t>
+            </a:r>
+            <a:endParaRPr lang="en-US"/>
+          </a:p>
+        </p:txBody>
+      </p:sp>
+    </p:spTree>
+    <p:extLst>
+      <p:ext uri="{BB962C8B-B14F-4D97-AF65-F5344CB8AC3E}">
+        <p14:creationId xmlns:p14="http://schemas.microsoft.com/office/powerpoint/2010/main" val="2983237726"/>
+      </p:ext>
+    </p:extLst>
+  </p:cSld>
+  <p:clrMapOvr>
+    <a:masterClrMapping/>
+  </p:clrMapOvr>
+  <p:timing>
+    <p:tnLst>
+      <p:par>
+        <p:cTn id="1" dur="indefinite" restart="never" nodeType="tmRoot"/>
+      </p:par>
+    </p:tnLst>
+  </p:timing>
+</p:sld>
+</file>
+
+<file path=ppt/slides/slide48.xml><?xml version="1.0" encoding="utf-8"?>
+<p:sld xmlns:a="http://schemas.openxmlformats.org/drawingml/2006/main" xmlns:r="http://schemas.openxmlformats.org/officeDocument/2006/relationships" xmlns:p="http://schemas.openxmlformats.org/presentationml/2006/main">
+  <p:cSld>
+    <p:spTree>
+      <p:nvGrpSpPr>
+        <p:cNvPr id="1" name=""/>
+        <p:cNvGrpSpPr/>
+        <p:nvPr/>
+      </p:nvGrpSpPr>
+      <p:grpSpPr>
+        <a:xfrm>
+          <a:off x="0" y="0"/>
+          <a:ext cx="0" cy="0"/>
+          <a:chOff x="0" y="0"/>
+          <a:chExt cx="0" cy="0"/>
+        </a:xfrm>
+      </p:grpSpPr>
+      <p:sp>
+        <p:nvSpPr>
+          <p:cNvPr id="5" name="Titel 4"/>
+          <p:cNvSpPr>
+            <a:spLocks noGrp="1"/>
+          </p:cNvSpPr>
+          <p:nvPr>
+            <p:ph type="title"/>
+          </p:nvPr>
+        </p:nvSpPr>
+        <p:spPr/>
+        <p:txBody>
+          <a:bodyPr/>
+          <a:lstStyle/>
+          <a:p>
+            <a:r>
+              <a:rPr lang="fr-BE" dirty="0" err="1" smtClean="0"/>
+              <a:t>Conclusie</a:t>
+            </a:r>
+            <a:endParaRPr lang="fr-BE" dirty="0"/>
+          </a:p>
+        </p:txBody>
+      </p:sp>
+      <p:sp>
+        <p:nvSpPr>
+          <p:cNvPr id="10" name="Tijdelijke aanduiding voor inhoud 9"/>
+          <p:cNvSpPr>
+            <a:spLocks noGrp="1"/>
+          </p:cNvSpPr>
+          <p:nvPr>
+            <p:ph idx="1"/>
+          </p:nvPr>
+        </p:nvSpPr>
+        <p:spPr/>
+        <p:txBody>
+          <a:bodyPr/>
+          <a:lstStyle/>
+          <a:p>
+            <a:r>
+              <a:rPr lang="fr-BE" dirty="0" err="1" smtClean="0"/>
+              <a:t>Hoe</a:t>
+            </a:r>
+            <a:r>
+              <a:rPr lang="fr-BE" dirty="0" smtClean="0"/>
+              <a:t> </a:t>
+            </a:r>
+            <a:r>
+              <a:rPr lang="fr-BE" dirty="0" err="1" smtClean="0"/>
+              <a:t>samenwerken</a:t>
+            </a:r>
+            <a:r>
+              <a:rPr lang="fr-BE" dirty="0" smtClean="0"/>
+              <a:t>?</a:t>
+            </a:r>
+          </a:p>
+          <a:p>
+            <a:endParaRPr lang="fr-BE" dirty="0" smtClean="0"/>
+          </a:p>
+          <a:p>
+            <a:r>
+              <a:rPr lang="fr-BE" dirty="0" err="1" smtClean="0"/>
+              <a:t>Geen</a:t>
+            </a:r>
+            <a:r>
+              <a:rPr lang="fr-BE" dirty="0" smtClean="0"/>
+              <a:t> </a:t>
+            </a:r>
+            <a:r>
+              <a:rPr lang="fr-BE" dirty="0" err="1" smtClean="0"/>
+              <a:t>Ansible</a:t>
+            </a:r>
+            <a:r>
+              <a:rPr lang="fr-BE" dirty="0" smtClean="0"/>
+              <a:t> module in cloud-</a:t>
+            </a:r>
+            <a:r>
+              <a:rPr lang="fr-BE" dirty="0" err="1" smtClean="0"/>
+              <a:t>init</a:t>
+            </a:r>
+            <a:endParaRPr lang="fr-BE" dirty="0" smtClean="0"/>
+          </a:p>
+          <a:p>
+            <a:pPr lvl="1"/>
+            <a:r>
+              <a:rPr lang="fr-BE" dirty="0" err="1" smtClean="0"/>
+              <a:t>GitHub</a:t>
+            </a:r>
+            <a:endParaRPr lang="fr-BE" dirty="0"/>
+          </a:p>
+          <a:p>
+            <a:endParaRPr lang="fr-BE" dirty="0"/>
+          </a:p>
+          <a:p>
+            <a:endParaRPr lang="fr-BE" dirty="0"/>
+          </a:p>
+        </p:txBody>
+      </p:sp>
+      <p:sp>
+        <p:nvSpPr>
+          <p:cNvPr id="4" name="Tijdelijke aanduiding voor dianummer 3"/>
+          <p:cNvSpPr>
+            <a:spLocks noGrp="1"/>
+          </p:cNvSpPr>
+          <p:nvPr>
+            <p:ph type="sldNum" sz="quarter" idx="12"/>
+          </p:nvPr>
+        </p:nvSpPr>
+        <p:spPr/>
+        <p:txBody>
+          <a:bodyPr/>
+          <a:lstStyle/>
+          <a:p>
+            <a:fld id="{4436F60F-0C7F-4E8F-906C-164A4C087B51}" type="slidenum">
+              <a:rPr lang="en-US" smtClean="0"/>
+              <a:t>48</a:t>
+            </a:fld>
+            <a:endParaRPr lang="en-US"/>
+          </a:p>
+        </p:txBody>
+      </p:sp>
+      <p:sp>
+        <p:nvSpPr>
+          <p:cNvPr id="2" name="Tijdelijke aanduiding voor voettekst 1"/>
+          <p:cNvSpPr>
+            <a:spLocks noGrp="1"/>
+          </p:cNvSpPr>
+          <p:nvPr>
+            <p:ph type="ftr" sz="quarter" idx="11"/>
+          </p:nvPr>
+        </p:nvSpPr>
+        <p:spPr/>
+        <p:txBody>
+          <a:bodyPr/>
+          <a:lstStyle/>
+          <a:p>
+            <a:r>
+              <a:rPr lang="en-US" smtClean="0"/>
+              <a:t>Conclusie</a:t>
+            </a:r>
+            <a:endParaRPr lang="en-US"/>
+          </a:p>
+        </p:txBody>
+      </p:sp>
+    </p:spTree>
+    <p:extLst>
+      <p:ext uri="{BB962C8B-B14F-4D97-AF65-F5344CB8AC3E}">
+        <p14:creationId xmlns:p14="http://schemas.microsoft.com/office/powerpoint/2010/main" val="3560102453"/>
+      </p:ext>
+    </p:extLst>
+  </p:cSld>
+  <p:clrMapOvr>
+    <a:masterClrMapping/>
+  </p:clrMapOvr>
+  <p:timing>
+    <p:tnLst>
+      <p:par>
+        <p:cTn id="1" dur="indefinite" restart="never" nodeType="tmRoot"/>
+      </p:par>
+    </p:tnLst>
+  </p:timing>
+</p:sld>
+</file>
+
+<file path=ppt/slides/slide49.xml><?xml version="1.0" encoding="utf-8"?>
+<p:sld xmlns:a="http://schemas.openxmlformats.org/drawingml/2006/main" xmlns:r="http://schemas.openxmlformats.org/officeDocument/2006/relationships" xmlns:p="http://schemas.openxmlformats.org/presentationml/2006/main">
+  <p:cSld>
+    <p:spTree>
+      <p:nvGrpSpPr>
+        <p:cNvPr id="1" name=""/>
+        <p:cNvGrpSpPr/>
+        <p:nvPr/>
+      </p:nvGrpSpPr>
+      <p:grpSpPr>
+        <a:xfrm>
+          <a:off x="0" y="0"/>
+          <a:ext cx="0" cy="0"/>
+          <a:chOff x="0" y="0"/>
+          <a:chExt cx="0" cy="0"/>
+        </a:xfrm>
+      </p:grpSpPr>
+      <p:sp>
+        <p:nvSpPr>
+          <p:cNvPr id="5" name="Titel 4"/>
+          <p:cNvSpPr>
+            <a:spLocks noGrp="1"/>
+          </p:cNvSpPr>
+          <p:nvPr>
+            <p:ph type="title"/>
+          </p:nvPr>
+        </p:nvSpPr>
+        <p:spPr/>
+        <p:txBody>
+          <a:bodyPr/>
+          <a:lstStyle/>
+          <a:p>
+            <a:r>
+              <a:rPr lang="fr-BE" sz="5400" b="1" dirty="0" smtClean="0">
+                <a:solidFill>
+                  <a:srgbClr val="EBEBEB"/>
+                </a:solidFill>
+              </a:rPr>
+              <a:t>5. </a:t>
+            </a:r>
+            <a:r>
+              <a:rPr lang="fr-BE" sz="5400" b="1" dirty="0" err="1">
+                <a:solidFill>
+                  <a:srgbClr val="EBEBEB"/>
+                </a:solidFill>
+              </a:rPr>
+              <a:t>Toekomstige</a:t>
+            </a:r>
+            <a:r>
+              <a:rPr lang="fr-BE" sz="5400" b="1" dirty="0">
+                <a:solidFill>
+                  <a:srgbClr val="EBEBEB"/>
+                </a:solidFill>
+              </a:rPr>
+              <a:t> </a:t>
+            </a:r>
+            <a:r>
+              <a:rPr lang="fr-BE" sz="5400" b="1" dirty="0" err="1">
+                <a:solidFill>
+                  <a:srgbClr val="EBEBEB"/>
+                </a:solidFill>
+              </a:rPr>
+              <a:t>Onderzoeksvragen</a:t>
+            </a:r>
+            <a:endParaRPr lang="fr-BE" sz="5400" b="1" dirty="0">
+              <a:solidFill>
+                <a:srgbClr val="EBEBEB"/>
+              </a:solidFill>
+            </a:endParaRPr>
+          </a:p>
+        </p:txBody>
+      </p:sp>
+      <p:sp>
+        <p:nvSpPr>
+          <p:cNvPr id="6" name="Tijdelijke aanduiding voor tekst 5"/>
+          <p:cNvSpPr>
+            <a:spLocks noGrp="1"/>
+          </p:cNvSpPr>
+          <p:nvPr>
+            <p:ph type="body" idx="1"/>
+          </p:nvPr>
+        </p:nvSpPr>
+        <p:spPr/>
+        <p:txBody>
+          <a:bodyPr/>
+          <a:lstStyle/>
+          <a:p>
+            <a:r>
+              <a:rPr lang="fr-BE" dirty="0" smtClean="0"/>
+              <a:t>Maarten De Smedt</a:t>
+            </a:r>
+            <a:endParaRPr lang="fr-BE" dirty="0"/>
+          </a:p>
+        </p:txBody>
+      </p:sp>
+      <p:sp>
+        <p:nvSpPr>
+          <p:cNvPr id="4" name="Tijdelijke aanduiding voor dianummer 3"/>
+          <p:cNvSpPr>
+            <a:spLocks noGrp="1"/>
+          </p:cNvSpPr>
+          <p:nvPr>
+            <p:ph type="sldNum" sz="quarter" idx="12"/>
+          </p:nvPr>
+        </p:nvSpPr>
+        <p:spPr/>
+        <p:txBody>
+          <a:bodyPr/>
+          <a:lstStyle/>
+          <a:p>
+            <a:fld id="{4436F60F-0C7F-4E8F-906C-164A4C087B51}" type="slidenum">
+              <a:rPr lang="en-US" smtClean="0"/>
+              <a:t>49</a:t>
+            </a:fld>
+            <a:endParaRPr lang="en-US"/>
+          </a:p>
+        </p:txBody>
+      </p:sp>
+      <p:sp>
+        <p:nvSpPr>
+          <p:cNvPr id="7" name="Tijdelijke aanduiding voor voettekst 6"/>
+          <p:cNvSpPr>
+            <a:spLocks noGrp="1"/>
+          </p:cNvSpPr>
+          <p:nvPr>
+            <p:ph type="ftr" sz="quarter" idx="11"/>
+          </p:nvPr>
+        </p:nvSpPr>
+        <p:spPr/>
+        <p:txBody>
+          <a:bodyPr/>
+          <a:lstStyle/>
+          <a:p>
+            <a:r>
+              <a:rPr lang="en-US" smtClean="0"/>
+              <a:t>Toekomstige Onderzoeksvragen</a:t>
+            </a:r>
+            <a:endParaRPr lang="en-US"/>
+          </a:p>
+        </p:txBody>
+      </p:sp>
+    </p:spTree>
+    <p:extLst>
+      <p:ext uri="{BB962C8B-B14F-4D97-AF65-F5344CB8AC3E}">
+        <p14:creationId xmlns:p14="http://schemas.microsoft.com/office/powerpoint/2010/main" val="4173135696"/>
+      </p:ext>
+    </p:extLst>
+  </p:cSld>
+  <p:clrMapOvr>
+    <a:masterClrMapping/>
+  </p:clrMapOvr>
+  <p:timing>
+    <p:tnLst>
+      <p:par>
+        <p:cTn id="1" dur="indefinite" restart="never" nodeType="tmRoot"/>
+      </p:par>
+    </p:tnLst>
+  </p:timing>
 </p:sld>
 </file>
 
@@ -21899,11 +28328,7 @@
           <a:p>
             <a:r>
               <a:rPr lang="fr-BE" dirty="0" err="1" smtClean="0"/>
-              <a:t>M</a:t>
-            </a:r>
-            <a:r>
-              <a:rPr lang="fr-BE" dirty="0" err="1" smtClean="0"/>
-              <a:t>otivatie</a:t>
+              <a:t>Motivatie</a:t>
             </a:r>
             <a:endParaRPr lang="fr-BE" dirty="0"/>
           </a:p>
@@ -21982,6 +28407,284 @@
     <p:extLst>
       <p:ext uri="{BB962C8B-B14F-4D97-AF65-F5344CB8AC3E}">
         <p14:creationId xmlns:p14="http://schemas.microsoft.com/office/powerpoint/2010/main" val="1014837409"/>
+      </p:ext>
+    </p:extLst>
+  </p:cSld>
+  <p:clrMapOvr>
+    <a:masterClrMapping/>
+  </p:clrMapOvr>
+  <p:timing>
+    <p:tnLst>
+      <p:par>
+        <p:cTn id="1" dur="indefinite" restart="never" nodeType="tmRoot"/>
+      </p:par>
+    </p:tnLst>
+  </p:timing>
+</p:sld>
+</file>
+
+<file path=ppt/slides/slide50.xml><?xml version="1.0" encoding="utf-8"?>
+<p:sld xmlns:a="http://schemas.openxmlformats.org/drawingml/2006/main" xmlns:r="http://schemas.openxmlformats.org/officeDocument/2006/relationships" xmlns:p="http://schemas.openxmlformats.org/presentationml/2006/main">
+  <p:cSld>
+    <p:spTree>
+      <p:nvGrpSpPr>
+        <p:cNvPr id="1" name=""/>
+        <p:cNvGrpSpPr/>
+        <p:nvPr/>
+      </p:nvGrpSpPr>
+      <p:grpSpPr>
+        <a:xfrm>
+          <a:off x="0" y="0"/>
+          <a:ext cx="0" cy="0"/>
+          <a:chOff x="0" y="0"/>
+          <a:chExt cx="0" cy="0"/>
+        </a:xfrm>
+      </p:grpSpPr>
+      <p:sp>
+        <p:nvSpPr>
+          <p:cNvPr id="5" name="Titel 4"/>
+          <p:cNvSpPr>
+            <a:spLocks noGrp="1"/>
+          </p:cNvSpPr>
+          <p:nvPr>
+            <p:ph type="title"/>
+          </p:nvPr>
+        </p:nvSpPr>
+        <p:spPr/>
+        <p:txBody>
+          <a:bodyPr/>
+          <a:lstStyle/>
+          <a:p>
+            <a:r>
+              <a:rPr lang="fr-BE" dirty="0" err="1"/>
+              <a:t>Toekomstige</a:t>
+            </a:r>
+            <a:r>
+              <a:rPr lang="fr-BE" dirty="0"/>
+              <a:t> </a:t>
+            </a:r>
+            <a:r>
+              <a:rPr lang="fr-BE" dirty="0" err="1"/>
+              <a:t>Onderzoeksvragen</a:t>
+            </a:r>
+            <a:endParaRPr lang="fr-BE" dirty="0"/>
+          </a:p>
+        </p:txBody>
+      </p:sp>
+      <p:sp>
+        <p:nvSpPr>
+          <p:cNvPr id="6" name="Tijdelijke aanduiding voor inhoud 5"/>
+          <p:cNvSpPr>
+            <a:spLocks noGrp="1"/>
+          </p:cNvSpPr>
+          <p:nvPr>
+            <p:ph idx="1"/>
+          </p:nvPr>
+        </p:nvSpPr>
+        <p:spPr/>
+        <p:txBody>
+          <a:bodyPr/>
+          <a:lstStyle/>
+          <a:p>
+            <a:endParaRPr lang="nl-BE" dirty="0" smtClean="0"/>
+          </a:p>
+          <a:p>
+            <a:endParaRPr lang="nl-BE" dirty="0"/>
+          </a:p>
+          <a:p>
+            <a:r>
+              <a:rPr lang="nl-BE" dirty="0" smtClean="0"/>
+              <a:t>Hebben </a:t>
+            </a:r>
+            <a:r>
+              <a:rPr lang="nl-BE" dirty="0"/>
+              <a:t>andere </a:t>
+            </a:r>
+            <a:r>
+              <a:rPr lang="nl-BE" dirty="0" err="1"/>
+              <a:t>cloud</a:t>
+            </a:r>
+            <a:r>
+              <a:rPr lang="nl-BE" dirty="0"/>
+              <a:t>-providers hetzelfde resultaat</a:t>
+            </a:r>
+            <a:r>
+              <a:rPr lang="nl-BE" dirty="0" smtClean="0"/>
+              <a:t>?</a:t>
+            </a:r>
+          </a:p>
+          <a:p>
+            <a:endParaRPr lang="nl-BE" dirty="0"/>
+          </a:p>
+          <a:p>
+            <a:r>
+              <a:rPr lang="nl-BE" dirty="0" smtClean="0"/>
+              <a:t>Heeft </a:t>
+            </a:r>
+            <a:r>
+              <a:rPr lang="nl-BE" dirty="0"/>
+              <a:t>een andere aanroeping van de scripts een effect op het resultaat?</a:t>
+            </a:r>
+            <a:endParaRPr lang="fr-BE" dirty="0"/>
+          </a:p>
+        </p:txBody>
+      </p:sp>
+      <p:sp>
+        <p:nvSpPr>
+          <p:cNvPr id="4" name="Tijdelijke aanduiding voor dianummer 3"/>
+          <p:cNvSpPr>
+            <a:spLocks noGrp="1"/>
+          </p:cNvSpPr>
+          <p:nvPr>
+            <p:ph type="sldNum" sz="quarter" idx="12"/>
+          </p:nvPr>
+        </p:nvSpPr>
+        <p:spPr/>
+        <p:txBody>
+          <a:bodyPr/>
+          <a:lstStyle/>
+          <a:p>
+            <a:fld id="{4436F60F-0C7F-4E8F-906C-164A4C087B51}" type="slidenum">
+              <a:rPr lang="en-US" smtClean="0"/>
+              <a:t>50</a:t>
+            </a:fld>
+            <a:endParaRPr lang="en-US"/>
+          </a:p>
+        </p:txBody>
+      </p:sp>
+      <p:sp>
+        <p:nvSpPr>
+          <p:cNvPr id="7" name="Tijdelijke aanduiding voor voettekst 6"/>
+          <p:cNvSpPr>
+            <a:spLocks noGrp="1"/>
+          </p:cNvSpPr>
+          <p:nvPr>
+            <p:ph type="ftr" sz="quarter" idx="11"/>
+          </p:nvPr>
+        </p:nvSpPr>
+        <p:spPr/>
+        <p:txBody>
+          <a:bodyPr/>
+          <a:lstStyle/>
+          <a:p>
+            <a:r>
+              <a:rPr lang="en-US" smtClean="0"/>
+              <a:t>Toekomstige Onderzoeksvragen</a:t>
+            </a:r>
+            <a:endParaRPr lang="en-US"/>
+          </a:p>
+        </p:txBody>
+      </p:sp>
+    </p:spTree>
+    <p:extLst>
+      <p:ext uri="{BB962C8B-B14F-4D97-AF65-F5344CB8AC3E}">
+        <p14:creationId xmlns:p14="http://schemas.microsoft.com/office/powerpoint/2010/main" val="3570141541"/>
+      </p:ext>
+    </p:extLst>
+  </p:cSld>
+  <p:clrMapOvr>
+    <a:masterClrMapping/>
+  </p:clrMapOvr>
+  <p:timing>
+    <p:tnLst>
+      <p:par>
+        <p:cTn id="1" dur="indefinite" restart="never" nodeType="tmRoot"/>
+      </p:par>
+    </p:tnLst>
+  </p:timing>
+</p:sld>
+</file>
+
+<file path=ppt/slides/slide51.xml><?xml version="1.0" encoding="utf-8"?>
+<p:sld xmlns:a="http://schemas.openxmlformats.org/drawingml/2006/main" xmlns:r="http://schemas.openxmlformats.org/officeDocument/2006/relationships" xmlns:p="http://schemas.openxmlformats.org/presentationml/2006/main">
+  <p:cSld>
+    <p:spTree>
+      <p:nvGrpSpPr>
+        <p:cNvPr id="1" name=""/>
+        <p:cNvGrpSpPr/>
+        <p:nvPr/>
+      </p:nvGrpSpPr>
+      <p:grpSpPr>
+        <a:xfrm>
+          <a:off x="0" y="0"/>
+          <a:ext cx="0" cy="0"/>
+          <a:chOff x="0" y="0"/>
+          <a:chExt cx="0" cy="0"/>
+        </a:xfrm>
+      </p:grpSpPr>
+      <p:sp>
+        <p:nvSpPr>
+          <p:cNvPr id="8" name="Titel 7"/>
+          <p:cNvSpPr>
+            <a:spLocks noGrp="1"/>
+          </p:cNvSpPr>
+          <p:nvPr>
+            <p:ph type="title"/>
+          </p:nvPr>
+        </p:nvSpPr>
+        <p:spPr/>
+        <p:txBody>
+          <a:bodyPr/>
+          <a:lstStyle/>
+          <a:p>
+            <a:r>
+              <a:rPr lang="fr-BE" dirty="0" err="1" smtClean="0"/>
+              <a:t>Vragen</a:t>
+            </a:r>
+            <a:r>
+              <a:rPr lang="fr-BE" dirty="0" smtClean="0"/>
+              <a:t>?</a:t>
+            </a:r>
+            <a:endParaRPr lang="fr-BE" dirty="0"/>
+          </a:p>
+        </p:txBody>
+      </p:sp>
+      <p:sp>
+        <p:nvSpPr>
+          <p:cNvPr id="9" name="Tijdelijke aanduiding voor tekst 8"/>
+          <p:cNvSpPr>
+            <a:spLocks noGrp="1"/>
+          </p:cNvSpPr>
+          <p:nvPr>
+            <p:ph type="body" sz="half" idx="2"/>
+          </p:nvPr>
+        </p:nvSpPr>
+        <p:spPr/>
+        <p:txBody>
+          <a:bodyPr/>
+          <a:lstStyle/>
+          <a:p>
+            <a:endParaRPr lang="fr-BE"/>
+          </a:p>
+        </p:txBody>
+      </p:sp>
+      <p:sp>
+        <p:nvSpPr>
+          <p:cNvPr id="4" name="Tijdelijke aanduiding voor dianummer 3"/>
+          <p:cNvSpPr>
+            <a:spLocks noGrp="1"/>
+          </p:cNvSpPr>
+          <p:nvPr>
+            <p:ph type="sldNum" sz="quarter" idx="12"/>
+          </p:nvPr>
+        </p:nvSpPr>
+        <p:spPr/>
+        <p:txBody>
+          <a:bodyPr/>
+          <a:lstStyle/>
+          <a:p>
+            <a:fld id="{4436F60F-0C7F-4E8F-906C-164A4C087B51}" type="slidenum">
+              <a:rPr lang="en-US" smtClean="0"/>
+              <a:t>51</a:t>
+            </a:fld>
+            <a:endParaRPr lang="en-US"/>
+          </a:p>
+        </p:txBody>
+      </p:sp>
+    </p:spTree>
+    <p:extLst>
+      <p:ext uri="{BB962C8B-B14F-4D97-AF65-F5344CB8AC3E}">
+        <p14:creationId xmlns:p14="http://schemas.microsoft.com/office/powerpoint/2010/main" val="300562018"/>
       </p:ext>
     </p:extLst>
   </p:cSld>
@@ -22458,7 +29161,11 @@
             </a:r>
             <a:r>
               <a:rPr lang="fr-BE" dirty="0" smtClean="0"/>
-              <a:t> cloud-</a:t>
+              <a:t> </a:t>
+            </a:r>
+            <a:r>
+              <a:rPr lang="fr-BE" dirty="0" smtClean="0"/>
+              <a:t>van cloud-</a:t>
             </a:r>
             <a:r>
               <a:rPr lang="fr-BE" dirty="0" err="1" smtClean="0"/>
@@ -22573,6 +29280,13 @@
   <p:clrMapOvr>
     <a:masterClrMapping/>
   </p:clrMapOvr>
+  <p:timing>
+    <p:tnLst>
+      <p:par>
+        <p:cTn id="1" dur="indefinite" restart="never" nodeType="tmRoot"/>
+      </p:par>
+    </p:tnLst>
+  </p:timing>
 </p:sld>
 </file>
 
@@ -22699,6 +29413,13 @@
   <p:clrMapOvr>
     <a:masterClrMapping/>
   </p:clrMapOvr>
+  <p:timing>
+    <p:tnLst>
+      <p:par>
+        <p:cTn id="1" dur="indefinite" restart="never" nodeType="tmRoot"/>
+      </p:par>
+    </p:tnLst>
+  </p:timing>
 </p:sld>
 </file>
 
